--- a/오픈아이즈 5주차 발표.pptx
+++ b/오픈아이즈 5주차 발표.pptx
@@ -5,7 +5,7 @@
     <p:sldMasterId id="2147483648" r:id="rId1"/>
   </p:sldMasterIdLst>
   <p:notesMasterIdLst>
-    <p:notesMasterId r:id="rId17"/>
+    <p:notesMasterId r:id="rId22"/>
   </p:notesMasterIdLst>
   <p:sldIdLst>
     <p:sldId id="267" r:id="rId2"/>
@@ -16,13 +16,18 @@
     <p:sldId id="289" r:id="rId7"/>
     <p:sldId id="278" r:id="rId8"/>
     <p:sldId id="290" r:id="rId9"/>
-    <p:sldId id="291" r:id="rId10"/>
-    <p:sldId id="292" r:id="rId11"/>
-    <p:sldId id="293" r:id="rId12"/>
-    <p:sldId id="294" r:id="rId13"/>
-    <p:sldId id="262" r:id="rId14"/>
-    <p:sldId id="263" r:id="rId15"/>
-    <p:sldId id="264" r:id="rId16"/>
+    <p:sldId id="295" r:id="rId10"/>
+    <p:sldId id="291" r:id="rId11"/>
+    <p:sldId id="296" r:id="rId12"/>
+    <p:sldId id="297" r:id="rId13"/>
+    <p:sldId id="292" r:id="rId14"/>
+    <p:sldId id="298" r:id="rId15"/>
+    <p:sldId id="293" r:id="rId16"/>
+    <p:sldId id="299" r:id="rId17"/>
+    <p:sldId id="294" r:id="rId18"/>
+    <p:sldId id="262" r:id="rId19"/>
+    <p:sldId id="263" r:id="rId20"/>
+    <p:sldId id="264" r:id="rId21"/>
   </p:sldIdLst>
   <p:sldSz cx="12192000" cy="6858000"/>
   <p:notesSz cx="6858000" cy="9144000"/>
@@ -638,7 +643,7 @@
           <a:p>
             <a:fld id="{D7D94DB0-3610-454E-B20E-78D8E591F3F3}" type="slidenum">
               <a:rPr lang="ko-KR" altLang="en-US" smtClean="0"/>
-              <a:t>14</a:t>
+              <a:t>19</a:t>
             </a:fld>
             <a:endParaRPr lang="ko-KR" altLang="en-US"/>
           </a:p>
@@ -6835,6 +6840,2645 @@
           <a:chExt cx="0" cy="0"/>
         </a:xfrm>
       </p:grpSpPr>
+      <p:pic>
+        <p:nvPicPr>
+          <p:cNvPr id="2" name="그림 1"/>
+          <p:cNvPicPr>
+            <a:picLocks noChangeAspect="1"/>
+          </p:cNvPicPr>
+          <p:nvPr/>
+        </p:nvPicPr>
+        <p:blipFill>
+          <a:blip r:embed="rId2">
+            <a:extLst>
+              <a:ext uri="{28A0092B-C50C-407E-A947-70E740481C1C}">
+                <a14:useLocalDpi xmlns:a14="http://schemas.microsoft.com/office/drawing/2010/main" val="0"/>
+              </a:ext>
+            </a:extLst>
+          </a:blip>
+          <a:stretch>
+            <a:fillRect/>
+          </a:stretch>
+        </p:blipFill>
+        <p:spPr>
+          <a:xfrm>
+            <a:off x="2674255" y="765237"/>
+            <a:ext cx="8419278" cy="3948839"/>
+          </a:xfrm>
+          <a:prstGeom prst="rect">
+            <a:avLst/>
+          </a:prstGeom>
+        </p:spPr>
+      </p:pic>
+      <p:sp>
+        <p:nvSpPr>
+          <p:cNvPr id="14" name="직사각형 13">
+            <a:extLst>
+              <a:ext uri="{FF2B5EF4-FFF2-40B4-BE49-F238E27FC236}">
+                <a16:creationId xmlns:a16="http://schemas.microsoft.com/office/drawing/2014/main" xmlns="" id="{AB249F36-4734-49CF-B488-2FBE0216B98B}"/>
+              </a:ext>
+            </a:extLst>
+          </p:cNvPr>
+          <p:cNvSpPr/>
+          <p:nvPr/>
+        </p:nvSpPr>
+        <p:spPr>
+          <a:xfrm>
+            <a:off x="10161" y="0"/>
+            <a:ext cx="2283950" cy="6858000"/>
+          </a:xfrm>
+          <a:prstGeom prst="rect">
+            <a:avLst/>
+          </a:prstGeom>
+          <a:solidFill>
+            <a:schemeClr val="accent3">
+              <a:lumMod val="20000"/>
+              <a:lumOff val="80000"/>
+            </a:schemeClr>
+          </a:solidFill>
+          <a:ln>
+            <a:noFill/>
+          </a:ln>
+        </p:spPr>
+        <p:style>
+          <a:lnRef idx="2">
+            <a:schemeClr val="accent1">
+              <a:shade val="50000"/>
+            </a:schemeClr>
+          </a:lnRef>
+          <a:fillRef idx="1">
+            <a:schemeClr val="accent1"/>
+          </a:fillRef>
+          <a:effectRef idx="0">
+            <a:schemeClr val="accent1"/>
+          </a:effectRef>
+          <a:fontRef idx="minor">
+            <a:schemeClr val="lt1"/>
+          </a:fontRef>
+        </p:style>
+        <p:txBody>
+          <a:bodyPr rtlCol="0" anchor="ctr"/>
+          <a:lstStyle/>
+          <a:p>
+            <a:pPr algn="ctr"/>
+            <a:endParaRPr lang="ko-KR" altLang="en-US"/>
+          </a:p>
+        </p:txBody>
+      </p:sp>
+      <p:sp>
+        <p:nvSpPr>
+          <p:cNvPr id="5" name="제목 1">
+            <a:extLst>
+              <a:ext uri="{FF2B5EF4-FFF2-40B4-BE49-F238E27FC236}">
+                <a16:creationId xmlns:a16="http://schemas.microsoft.com/office/drawing/2014/main" xmlns="" id="{01DA1B3C-250D-462E-A6DA-261C4CD4FB65}"/>
+              </a:ext>
+            </a:extLst>
+          </p:cNvPr>
+          <p:cNvSpPr txBox="1">
+            <a:spLocks/>
+          </p:cNvSpPr>
+          <p:nvPr/>
+        </p:nvSpPr>
+        <p:spPr>
+          <a:xfrm>
+            <a:off x="-245035" y="4043069"/>
+            <a:ext cx="12783670" cy="2170545"/>
+          </a:xfrm>
+          <a:prstGeom prst="rect">
+            <a:avLst/>
+          </a:prstGeom>
+        </p:spPr>
+        <p:txBody>
+          <a:bodyPr vert="horz" lIns="91440" tIns="45720" rIns="91440" bIns="45720" rtlCol="0" anchor="b">
+            <a:normAutofit fontScale="97500"/>
+          </a:bodyPr>
+          <a:lstStyle>
+            <a:lvl1pPr algn="ctr" defTabSz="914400" rtl="0" eaLnBrk="1" latinLnBrk="1" hangingPunct="1">
+              <a:lnSpc>
+                <a:spcPct val="90000"/>
+              </a:lnSpc>
+              <a:spcBef>
+                <a:spcPct val="0"/>
+              </a:spcBef>
+              <a:buNone/>
+              <a:defRPr sz="6000" kern="1200">
+                <a:solidFill>
+                  <a:schemeClr val="tx1"/>
+                </a:solidFill>
+                <a:latin typeface="+mj-lt"/>
+                <a:ea typeface="+mj-ea"/>
+                <a:cs typeface="+mj-cs"/>
+              </a:defRPr>
+            </a:lvl1pPr>
+          </a:lstStyle>
+          <a:p>
+            <a:pPr>
+              <a:lnSpc>
+                <a:spcPct val="140000"/>
+              </a:lnSpc>
+            </a:pPr>
+            <a:r>
+              <a:rPr lang="en-US" altLang="ko-KR" sz="2800" b="1" dirty="0">
+                <a:solidFill>
+                  <a:schemeClr val="bg1"/>
+                </a:solidFill>
+                <a:latin typeface="Algerian" panose="04020705040A02060702" pitchFamily="82" charset="0"/>
+              </a:rPr>
+              <a:t>Open eyes</a:t>
+            </a:r>
+            <a:endParaRPr lang="ko-KR" altLang="en-US" sz="2800" b="1" dirty="0">
+              <a:solidFill>
+                <a:schemeClr val="bg1"/>
+              </a:solidFill>
+              <a:latin typeface="Algerian" panose="04020705040A02060702" pitchFamily="82" charset="0"/>
+            </a:endParaRPr>
+          </a:p>
+        </p:txBody>
+      </p:sp>
+      <p:sp>
+        <p:nvSpPr>
+          <p:cNvPr id="7" name="제목 1">
+            <a:extLst>
+              <a:ext uri="{FF2B5EF4-FFF2-40B4-BE49-F238E27FC236}">
+                <a16:creationId xmlns:a16="http://schemas.microsoft.com/office/drawing/2014/main" xmlns="" id="{4EAB8E51-E5C9-4C02-B14D-82F294C6C4BD}"/>
+              </a:ext>
+            </a:extLst>
+          </p:cNvPr>
+          <p:cNvSpPr txBox="1">
+            <a:spLocks/>
+          </p:cNvSpPr>
+          <p:nvPr/>
+        </p:nvSpPr>
+        <p:spPr>
+          <a:xfrm>
+            <a:off x="5173632" y="3325252"/>
+            <a:ext cx="12783670" cy="2387600"/>
+          </a:xfrm>
+          <a:prstGeom prst="rect">
+            <a:avLst/>
+          </a:prstGeom>
+        </p:spPr>
+        <p:txBody>
+          <a:bodyPr vert="horz" lIns="91440" tIns="45720" rIns="91440" bIns="45720" rtlCol="0" anchor="b">
+            <a:normAutofit fontScale="97500"/>
+          </a:bodyPr>
+          <a:lstStyle>
+            <a:lvl1pPr algn="ctr" defTabSz="914400" rtl="0" eaLnBrk="1" latinLnBrk="1" hangingPunct="1">
+              <a:lnSpc>
+                <a:spcPct val="90000"/>
+              </a:lnSpc>
+              <a:spcBef>
+                <a:spcPct val="0"/>
+              </a:spcBef>
+              <a:buNone/>
+              <a:defRPr sz="6000" kern="1200">
+                <a:solidFill>
+                  <a:schemeClr val="tx1"/>
+                </a:solidFill>
+                <a:latin typeface="+mj-lt"/>
+                <a:ea typeface="+mj-ea"/>
+                <a:cs typeface="+mj-cs"/>
+              </a:defRPr>
+            </a:lvl1pPr>
+          </a:lstStyle>
+          <a:p>
+            <a:pPr algn="r">
+              <a:lnSpc>
+                <a:spcPct val="140000"/>
+              </a:lnSpc>
+            </a:pPr>
+            <a:r>
+              <a:rPr lang="en-US" altLang="ko-KR" sz="1600" b="1" dirty="0">
+                <a:latin typeface="+mj-ea"/>
+              </a:rPr>
+              <a:t/>
+            </a:r>
+            <a:br>
+              <a:rPr lang="en-US" altLang="ko-KR" sz="1600" b="1" dirty="0">
+                <a:latin typeface="+mj-ea"/>
+              </a:rPr>
+            </a:br>
+            <a:r>
+              <a:rPr lang="en-US" altLang="ko-KR" sz="1600" b="1" dirty="0">
+                <a:latin typeface="+mj-ea"/>
+              </a:rPr>
+              <a:t> </a:t>
+            </a:r>
+            <a:endParaRPr lang="ko-KR" altLang="en-US" sz="1600" b="1" dirty="0">
+              <a:latin typeface="+mj-ea"/>
+            </a:endParaRPr>
+          </a:p>
+        </p:txBody>
+      </p:sp>
+      <p:sp>
+        <p:nvSpPr>
+          <p:cNvPr id="32" name="TextBox 31">
+            <a:extLst>
+              <a:ext uri="{FF2B5EF4-FFF2-40B4-BE49-F238E27FC236}">
+                <a16:creationId xmlns:a16="http://schemas.microsoft.com/office/drawing/2014/main" xmlns="" id="{F0D5AC27-F291-4FAB-A3C3-610AE123946F}"/>
+              </a:ext>
+            </a:extLst>
+          </p:cNvPr>
+          <p:cNvSpPr txBox="1"/>
+          <p:nvPr/>
+        </p:nvSpPr>
+        <p:spPr>
+          <a:xfrm>
+            <a:off x="-48231" y="503627"/>
+            <a:ext cx="2384385" cy="523220"/>
+          </a:xfrm>
+          <a:prstGeom prst="rect">
+            <a:avLst/>
+          </a:prstGeom>
+          <a:noFill/>
+        </p:spPr>
+        <p:txBody>
+          <a:bodyPr wrap="square" rtlCol="0">
+            <a:spAutoFit/>
+          </a:bodyPr>
+          <a:lstStyle/>
+          <a:p>
+            <a:pPr algn="ctr"/>
+            <a:r>
+              <a:rPr lang="ko-KR" altLang="en-US" sz="2800" b="1" dirty="0">
+                <a:latin typeface="Franklin Gothic Demi Cond" panose="020B0706030402020204" pitchFamily="34" charset="0"/>
+                <a:ea typeface="+mj-ea"/>
+                <a:cs typeface="+mj-cs"/>
+              </a:rPr>
+              <a:t>개발 내역</a:t>
+            </a:r>
+          </a:p>
+        </p:txBody>
+      </p:sp>
+      <p:sp>
+        <p:nvSpPr>
+          <p:cNvPr id="34" name="TextBox 33">
+            <a:extLst>
+              <a:ext uri="{FF2B5EF4-FFF2-40B4-BE49-F238E27FC236}">
+                <a16:creationId xmlns:a16="http://schemas.microsoft.com/office/drawing/2014/main" xmlns="" id="{0E0199C0-60A2-4C09-9B02-78EC2C205B3B}"/>
+              </a:ext>
+            </a:extLst>
+          </p:cNvPr>
+          <p:cNvSpPr txBox="1"/>
+          <p:nvPr/>
+        </p:nvSpPr>
+        <p:spPr>
+          <a:xfrm>
+            <a:off x="11261035" y="6351104"/>
+            <a:ext cx="496956" cy="369332"/>
+          </a:xfrm>
+          <a:prstGeom prst="rect">
+            <a:avLst/>
+          </a:prstGeom>
+          <a:noFill/>
+        </p:spPr>
+        <p:txBody>
+          <a:bodyPr wrap="square" rtlCol="0">
+            <a:spAutoFit/>
+          </a:bodyPr>
+          <a:lstStyle/>
+          <a:p>
+            <a:r>
+              <a:rPr lang="en-US" altLang="ko-KR" dirty="0"/>
+              <a:t>7</a:t>
+            </a:r>
+            <a:endParaRPr lang="ko-KR" altLang="en-US" dirty="0"/>
+          </a:p>
+        </p:txBody>
+      </p:sp>
+      <p:sp>
+        <p:nvSpPr>
+          <p:cNvPr id="8" name="TextBox 7">
+            <a:extLst>
+              <a:ext uri="{FF2B5EF4-FFF2-40B4-BE49-F238E27FC236}">
+                <a16:creationId xmlns:a16="http://schemas.microsoft.com/office/drawing/2014/main" xmlns="" id="{53A40CE9-19A1-433E-97EA-B48D50FEC5A5}"/>
+              </a:ext>
+            </a:extLst>
+          </p:cNvPr>
+          <p:cNvSpPr txBox="1"/>
+          <p:nvPr/>
+        </p:nvSpPr>
+        <p:spPr>
+          <a:xfrm>
+            <a:off x="8275756" y="-21529"/>
+            <a:ext cx="3916244" cy="450957"/>
+          </a:xfrm>
+          <a:prstGeom prst="rect">
+            <a:avLst/>
+          </a:prstGeom>
+          <a:noFill/>
+        </p:spPr>
+        <p:txBody>
+          <a:bodyPr wrap="square" rtlCol="0">
+            <a:spAutoFit/>
+          </a:bodyPr>
+          <a:lstStyle/>
+          <a:p>
+            <a:pPr>
+              <a:lnSpc>
+                <a:spcPct val="170000"/>
+              </a:lnSpc>
+            </a:pPr>
+            <a:r>
+              <a:rPr lang="ko-KR" altLang="en-US" sz="1600" b="1" dirty="0">
+                <a:solidFill>
+                  <a:schemeClr val="tx1">
+                    <a:lumMod val="50000"/>
+                    <a:lumOff val="50000"/>
+                  </a:schemeClr>
+                </a:solidFill>
+              </a:rPr>
+              <a:t>실시간 국내 인터넷 뉴스 빅데이터 수집</a:t>
+            </a:r>
+            <a:endParaRPr lang="en-US" altLang="ko-KR" sz="1600" b="1" dirty="0">
+              <a:solidFill>
+                <a:schemeClr val="tx1">
+                  <a:lumMod val="50000"/>
+                  <a:lumOff val="50000"/>
+                </a:schemeClr>
+              </a:solidFill>
+            </a:endParaRPr>
+          </a:p>
+        </p:txBody>
+      </p:sp>
+      <p:grpSp>
+        <p:nvGrpSpPr>
+          <p:cNvPr id="20" name="그룹 19"/>
+          <p:cNvGrpSpPr/>
+          <p:nvPr/>
+        </p:nvGrpSpPr>
+        <p:grpSpPr>
+          <a:xfrm>
+            <a:off x="7117886" y="-3033358"/>
+            <a:ext cx="754744" cy="2171734"/>
+            <a:chOff x="2612571" y="2676037"/>
+            <a:chExt cx="754744" cy="2171734"/>
+          </a:xfrm>
+        </p:grpSpPr>
+        <p:cxnSp>
+          <p:nvCxnSpPr>
+            <p:cNvPr id="21" name="직선 연결선 20">
+              <a:extLst>
+                <a:ext uri="{FF2B5EF4-FFF2-40B4-BE49-F238E27FC236}">
+                  <a16:creationId xmlns:a16="http://schemas.microsoft.com/office/drawing/2014/main" xmlns="" id="{5ED19942-3A07-488B-8198-65ECDB4925F9}"/>
+                </a:ext>
+              </a:extLst>
+            </p:cNvPr>
+            <p:cNvCxnSpPr>
+              <a:cxnSpLocks/>
+            </p:cNvCxnSpPr>
+            <p:nvPr/>
+          </p:nvCxnSpPr>
+          <p:spPr>
+            <a:xfrm flipH="1">
+              <a:off x="2612571" y="2676037"/>
+              <a:ext cx="754744" cy="0"/>
+            </a:xfrm>
+            <a:prstGeom prst="line">
+              <a:avLst/>
+            </a:prstGeom>
+            <a:noFill/>
+            <a:ln w="38100">
+              <a:solidFill>
+                <a:srgbClr val="FF0000"/>
+              </a:solidFill>
+            </a:ln>
+          </p:spPr>
+          <p:style>
+            <a:lnRef idx="2">
+              <a:schemeClr val="accent1">
+                <a:shade val="50000"/>
+              </a:schemeClr>
+            </a:lnRef>
+            <a:fillRef idx="1">
+              <a:schemeClr val="accent1"/>
+            </a:fillRef>
+            <a:effectRef idx="0">
+              <a:schemeClr val="accent1"/>
+            </a:effectRef>
+            <a:fontRef idx="minor">
+              <a:schemeClr val="lt1"/>
+            </a:fontRef>
+          </p:style>
+        </p:cxnSp>
+        <p:cxnSp>
+          <p:nvCxnSpPr>
+            <p:cNvPr id="22" name="직선 연결선 21">
+              <a:extLst>
+                <a:ext uri="{FF2B5EF4-FFF2-40B4-BE49-F238E27FC236}">
+                  <a16:creationId xmlns:a16="http://schemas.microsoft.com/office/drawing/2014/main" xmlns="" id="{DB2937F2-E19F-4168-B051-BD8BA653038F}"/>
+                </a:ext>
+              </a:extLst>
+            </p:cNvPr>
+            <p:cNvCxnSpPr>
+              <a:cxnSpLocks/>
+            </p:cNvCxnSpPr>
+            <p:nvPr/>
+          </p:nvCxnSpPr>
+          <p:spPr>
+            <a:xfrm>
+              <a:off x="2612571" y="2676037"/>
+              <a:ext cx="0" cy="2171734"/>
+            </a:xfrm>
+            <a:prstGeom prst="line">
+              <a:avLst/>
+            </a:prstGeom>
+            <a:noFill/>
+            <a:ln w="38100">
+              <a:solidFill>
+                <a:srgbClr val="FF0000"/>
+              </a:solidFill>
+            </a:ln>
+          </p:spPr>
+          <p:style>
+            <a:lnRef idx="2">
+              <a:schemeClr val="accent1">
+                <a:shade val="50000"/>
+              </a:schemeClr>
+            </a:lnRef>
+            <a:fillRef idx="1">
+              <a:schemeClr val="accent1"/>
+            </a:fillRef>
+            <a:effectRef idx="0">
+              <a:schemeClr val="accent1"/>
+            </a:effectRef>
+            <a:fontRef idx="minor">
+              <a:schemeClr val="lt1"/>
+            </a:fontRef>
+          </p:style>
+        </p:cxnSp>
+        <p:cxnSp>
+          <p:nvCxnSpPr>
+            <p:cNvPr id="23" name="직선 연결선 22">
+              <a:extLst>
+                <a:ext uri="{FF2B5EF4-FFF2-40B4-BE49-F238E27FC236}">
+                  <a16:creationId xmlns:a16="http://schemas.microsoft.com/office/drawing/2014/main" xmlns="" id="{EE3DB251-6F42-478A-A201-51B1D7930DF3}"/>
+                </a:ext>
+              </a:extLst>
+            </p:cNvPr>
+            <p:cNvCxnSpPr>
+              <a:cxnSpLocks/>
+            </p:cNvCxnSpPr>
+            <p:nvPr/>
+          </p:nvCxnSpPr>
+          <p:spPr>
+            <a:xfrm flipH="1">
+              <a:off x="2612573" y="4838665"/>
+              <a:ext cx="267787" cy="0"/>
+            </a:xfrm>
+            <a:prstGeom prst="line">
+              <a:avLst/>
+            </a:prstGeom>
+            <a:noFill/>
+            <a:ln w="38100">
+              <a:solidFill>
+                <a:srgbClr val="FF0000"/>
+              </a:solidFill>
+            </a:ln>
+          </p:spPr>
+          <p:style>
+            <a:lnRef idx="2">
+              <a:schemeClr val="accent1">
+                <a:shade val="50000"/>
+              </a:schemeClr>
+            </a:lnRef>
+            <a:fillRef idx="1">
+              <a:schemeClr val="accent1"/>
+            </a:fillRef>
+            <a:effectRef idx="0">
+              <a:schemeClr val="accent1"/>
+            </a:effectRef>
+            <a:fontRef idx="minor">
+              <a:schemeClr val="lt1"/>
+            </a:fontRef>
+          </p:style>
+        </p:cxnSp>
+      </p:grpSp>
+      <p:sp>
+        <p:nvSpPr>
+          <p:cNvPr id="28" name="TextBox 27"/>
+          <p:cNvSpPr txBox="1"/>
+          <p:nvPr/>
+        </p:nvSpPr>
+        <p:spPr>
+          <a:xfrm>
+            <a:off x="2798517" y="4846320"/>
+            <a:ext cx="9393483" cy="1015663"/>
+          </a:xfrm>
+          <a:prstGeom prst="rect">
+            <a:avLst/>
+          </a:prstGeom>
+          <a:noFill/>
+        </p:spPr>
+        <p:txBody>
+          <a:bodyPr wrap="square" rtlCol="0">
+            <a:spAutoFit/>
+          </a:bodyPr>
+          <a:lstStyle/>
+          <a:p>
+            <a:pPr marL="342900" indent="-342900">
+              <a:buFontTx/>
+              <a:buChar char="-"/>
+            </a:pPr>
+            <a:r>
+              <a:rPr lang="en-US" altLang="ko-KR" sz="2000" dirty="0" smtClean="0"/>
+              <a:t>R</a:t>
+            </a:r>
+            <a:r>
+              <a:rPr lang="ko-KR" altLang="en-US" sz="2000" dirty="0" smtClean="0"/>
+              <a:t>에서 만든 </a:t>
+            </a:r>
+            <a:r>
+              <a:rPr lang="ko-KR" altLang="en-US" sz="2000" dirty="0" err="1" smtClean="0"/>
+              <a:t>워드클라우드를</a:t>
+            </a:r>
+            <a:r>
+              <a:rPr lang="ko-KR" altLang="en-US" sz="2000" dirty="0" smtClean="0"/>
+              <a:t> 보여줌</a:t>
+            </a:r>
+            <a:endParaRPr lang="en-US" altLang="ko-KR" sz="2000" dirty="0" smtClean="0"/>
+          </a:p>
+          <a:p>
+            <a:pPr marL="342900" indent="-342900">
+              <a:buFontTx/>
+              <a:buChar char="-"/>
+            </a:pPr>
+            <a:r>
+              <a:rPr lang="ko-KR" altLang="en-US" sz="2000" dirty="0" smtClean="0"/>
+              <a:t>제일 많이 나온 단어들 보여줌</a:t>
+            </a:r>
+            <a:endParaRPr lang="en-US" altLang="ko-KR" sz="2000" dirty="0" smtClean="0"/>
+          </a:p>
+          <a:p>
+            <a:pPr marL="342900" indent="-342900">
+              <a:buFontTx/>
+              <a:buChar char="-"/>
+            </a:pPr>
+            <a:r>
+              <a:rPr lang="ko-KR" altLang="en-US" sz="2000" dirty="0" err="1" smtClean="0"/>
+              <a:t>찾고싶은</a:t>
+            </a:r>
+            <a:r>
+              <a:rPr lang="ko-KR" altLang="en-US" sz="2000" dirty="0" smtClean="0"/>
+              <a:t> 단어 선택</a:t>
+            </a:r>
+            <a:endParaRPr lang="en-US" altLang="ko-KR" sz="2000" dirty="0"/>
+          </a:p>
+        </p:txBody>
+      </p:sp>
+      <p:cxnSp>
+        <p:nvCxnSpPr>
+          <p:cNvPr id="19" name="직선 연결선 18"/>
+          <p:cNvCxnSpPr/>
+          <p:nvPr/>
+        </p:nvCxnSpPr>
+        <p:spPr>
+          <a:xfrm flipV="1">
+            <a:off x="2554514" y="5020323"/>
+            <a:ext cx="261661" cy="1"/>
+          </a:xfrm>
+          <a:prstGeom prst="line">
+            <a:avLst/>
+          </a:prstGeom>
+          <a:ln w="38100">
+            <a:solidFill>
+              <a:srgbClr val="FF0000"/>
+            </a:solidFill>
+          </a:ln>
+        </p:spPr>
+        <p:style>
+          <a:lnRef idx="1">
+            <a:schemeClr val="accent1"/>
+          </a:lnRef>
+          <a:fillRef idx="0">
+            <a:schemeClr val="accent1"/>
+          </a:fillRef>
+          <a:effectRef idx="0">
+            <a:schemeClr val="accent1"/>
+          </a:effectRef>
+          <a:fontRef idx="minor">
+            <a:schemeClr val="tx1"/>
+          </a:fontRef>
+        </p:style>
+      </p:cxnSp>
+      <p:cxnSp>
+        <p:nvCxnSpPr>
+          <p:cNvPr id="24" name="직선 연결선 23"/>
+          <p:cNvCxnSpPr/>
+          <p:nvPr/>
+        </p:nvCxnSpPr>
+        <p:spPr>
+          <a:xfrm flipV="1">
+            <a:off x="2554514" y="2739657"/>
+            <a:ext cx="0" cy="2280667"/>
+          </a:xfrm>
+          <a:prstGeom prst="line">
+            <a:avLst/>
+          </a:prstGeom>
+          <a:ln w="38100">
+            <a:solidFill>
+              <a:srgbClr val="FF0000"/>
+            </a:solidFill>
+          </a:ln>
+        </p:spPr>
+        <p:style>
+          <a:lnRef idx="1">
+            <a:schemeClr val="accent1"/>
+          </a:lnRef>
+          <a:fillRef idx="0">
+            <a:schemeClr val="accent1"/>
+          </a:fillRef>
+          <a:effectRef idx="0">
+            <a:schemeClr val="accent1"/>
+          </a:effectRef>
+          <a:fontRef idx="minor">
+            <a:schemeClr val="tx1"/>
+          </a:fontRef>
+        </p:style>
+      </p:cxnSp>
+      <p:cxnSp>
+        <p:nvCxnSpPr>
+          <p:cNvPr id="25" name="직선 연결선 24"/>
+          <p:cNvCxnSpPr/>
+          <p:nvPr/>
+        </p:nvCxnSpPr>
+        <p:spPr>
+          <a:xfrm>
+            <a:off x="2554514" y="2739654"/>
+            <a:ext cx="244003" cy="0"/>
+          </a:xfrm>
+          <a:prstGeom prst="line">
+            <a:avLst/>
+          </a:prstGeom>
+          <a:ln w="38100">
+            <a:solidFill>
+              <a:srgbClr val="FF0000"/>
+            </a:solidFill>
+          </a:ln>
+        </p:spPr>
+        <p:style>
+          <a:lnRef idx="1">
+            <a:schemeClr val="accent1"/>
+          </a:lnRef>
+          <a:fillRef idx="0">
+            <a:schemeClr val="accent1"/>
+          </a:fillRef>
+          <a:effectRef idx="0">
+            <a:schemeClr val="accent1"/>
+          </a:effectRef>
+          <a:fontRef idx="minor">
+            <a:schemeClr val="tx1"/>
+          </a:fontRef>
+        </p:style>
+      </p:cxnSp>
+      <p:cxnSp>
+        <p:nvCxnSpPr>
+          <p:cNvPr id="26" name="직선 연결선 25"/>
+          <p:cNvCxnSpPr/>
+          <p:nvPr/>
+        </p:nvCxnSpPr>
+        <p:spPr>
+          <a:xfrm flipV="1">
+            <a:off x="2554514" y="2739656"/>
+            <a:ext cx="2307772" cy="1"/>
+          </a:xfrm>
+          <a:prstGeom prst="line">
+            <a:avLst/>
+          </a:prstGeom>
+          <a:ln w="38100">
+            <a:solidFill>
+              <a:srgbClr val="FF0000"/>
+            </a:solidFill>
+          </a:ln>
+        </p:spPr>
+        <p:style>
+          <a:lnRef idx="1">
+            <a:schemeClr val="accent1"/>
+          </a:lnRef>
+          <a:fillRef idx="0">
+            <a:schemeClr val="accent1"/>
+          </a:fillRef>
+          <a:effectRef idx="0">
+            <a:schemeClr val="accent1"/>
+          </a:effectRef>
+          <a:fontRef idx="minor">
+            <a:schemeClr val="tx1"/>
+          </a:fontRef>
+        </p:style>
+      </p:cxnSp>
+      <p:cxnSp>
+        <p:nvCxnSpPr>
+          <p:cNvPr id="35" name="직선 연결선 34"/>
+          <p:cNvCxnSpPr/>
+          <p:nvPr/>
+        </p:nvCxnSpPr>
+        <p:spPr>
+          <a:xfrm flipV="1">
+            <a:off x="4862286" y="4714075"/>
+            <a:ext cx="3875314" cy="2"/>
+          </a:xfrm>
+          <a:prstGeom prst="line">
+            <a:avLst/>
+          </a:prstGeom>
+          <a:ln w="38100">
+            <a:solidFill>
+              <a:srgbClr val="FF0000"/>
+            </a:solidFill>
+          </a:ln>
+        </p:spPr>
+        <p:style>
+          <a:lnRef idx="1">
+            <a:schemeClr val="accent1"/>
+          </a:lnRef>
+          <a:fillRef idx="0">
+            <a:schemeClr val="accent1"/>
+          </a:fillRef>
+          <a:effectRef idx="0">
+            <a:schemeClr val="accent1"/>
+          </a:effectRef>
+          <a:fontRef idx="minor">
+            <a:schemeClr val="tx1"/>
+          </a:fontRef>
+        </p:style>
+      </p:cxnSp>
+      <p:cxnSp>
+        <p:nvCxnSpPr>
+          <p:cNvPr id="36" name="직선 연결선 35"/>
+          <p:cNvCxnSpPr/>
+          <p:nvPr/>
+        </p:nvCxnSpPr>
+        <p:spPr>
+          <a:xfrm flipV="1">
+            <a:off x="4862286" y="1190171"/>
+            <a:ext cx="0" cy="3523905"/>
+          </a:xfrm>
+          <a:prstGeom prst="line">
+            <a:avLst/>
+          </a:prstGeom>
+          <a:ln w="38100">
+            <a:solidFill>
+              <a:srgbClr val="FF0000"/>
+            </a:solidFill>
+          </a:ln>
+        </p:spPr>
+        <p:style>
+          <a:lnRef idx="1">
+            <a:schemeClr val="accent1"/>
+          </a:lnRef>
+          <a:fillRef idx="0">
+            <a:schemeClr val="accent1"/>
+          </a:fillRef>
+          <a:effectRef idx="0">
+            <a:schemeClr val="accent1"/>
+          </a:effectRef>
+          <a:fontRef idx="minor">
+            <a:schemeClr val="tx1"/>
+          </a:fontRef>
+        </p:style>
+      </p:cxnSp>
+      <p:cxnSp>
+        <p:nvCxnSpPr>
+          <p:cNvPr id="37" name="직선 연결선 36"/>
+          <p:cNvCxnSpPr/>
+          <p:nvPr/>
+        </p:nvCxnSpPr>
+        <p:spPr>
+          <a:xfrm flipV="1">
+            <a:off x="8737600" y="1190170"/>
+            <a:ext cx="0" cy="3523905"/>
+          </a:xfrm>
+          <a:prstGeom prst="line">
+            <a:avLst/>
+          </a:prstGeom>
+          <a:ln w="38100">
+            <a:solidFill>
+              <a:srgbClr val="FF0000"/>
+            </a:solidFill>
+          </a:ln>
+        </p:spPr>
+        <p:style>
+          <a:lnRef idx="1">
+            <a:schemeClr val="accent1"/>
+          </a:lnRef>
+          <a:fillRef idx="0">
+            <a:schemeClr val="accent1"/>
+          </a:fillRef>
+          <a:effectRef idx="0">
+            <a:schemeClr val="accent1"/>
+          </a:effectRef>
+          <a:fontRef idx="minor">
+            <a:schemeClr val="tx1"/>
+          </a:fontRef>
+        </p:style>
+      </p:cxnSp>
+      <p:cxnSp>
+        <p:nvCxnSpPr>
+          <p:cNvPr id="38" name="직선 연결선 37"/>
+          <p:cNvCxnSpPr/>
+          <p:nvPr/>
+        </p:nvCxnSpPr>
+        <p:spPr>
+          <a:xfrm flipV="1">
+            <a:off x="4862286" y="1190171"/>
+            <a:ext cx="3875314" cy="2"/>
+          </a:xfrm>
+          <a:prstGeom prst="line">
+            <a:avLst/>
+          </a:prstGeom>
+          <a:ln w="38100">
+            <a:solidFill>
+              <a:srgbClr val="FF0000"/>
+            </a:solidFill>
+          </a:ln>
+        </p:spPr>
+        <p:style>
+          <a:lnRef idx="1">
+            <a:schemeClr val="accent1"/>
+          </a:lnRef>
+          <a:fillRef idx="0">
+            <a:schemeClr val="accent1"/>
+          </a:fillRef>
+          <a:effectRef idx="0">
+            <a:schemeClr val="accent1"/>
+          </a:effectRef>
+          <a:fontRef idx="minor">
+            <a:schemeClr val="tx1"/>
+          </a:fontRef>
+        </p:style>
+      </p:cxnSp>
+    </p:spTree>
+    <p:extLst>
+      <p:ext uri="{BB962C8B-B14F-4D97-AF65-F5344CB8AC3E}">
+        <p14:creationId xmlns:p14="http://schemas.microsoft.com/office/powerpoint/2010/main" val="2057476537"/>
+      </p:ext>
+    </p:extLst>
+  </p:cSld>
+  <p:clrMapOvr>
+    <a:masterClrMapping/>
+  </p:clrMapOvr>
+  <p:timing>
+    <p:tnLst>
+      <p:par>
+        <p:cTn id="1" dur="indefinite" restart="never" nodeType="tmRoot"/>
+      </p:par>
+    </p:tnLst>
+  </p:timing>
+</p:sld>
+</file>
+
+<file path=ppt/slides/slide11.xml><?xml version="1.0" encoding="utf-8"?>
+<p:sld xmlns:a="http://schemas.openxmlformats.org/drawingml/2006/main" xmlns:r="http://schemas.openxmlformats.org/officeDocument/2006/relationships" xmlns:p="http://schemas.openxmlformats.org/presentationml/2006/main">
+  <p:cSld>
+    <p:spTree>
+      <p:nvGrpSpPr>
+        <p:cNvPr id="1" name=""/>
+        <p:cNvGrpSpPr/>
+        <p:nvPr/>
+      </p:nvGrpSpPr>
+      <p:grpSpPr>
+        <a:xfrm>
+          <a:off x="0" y="0"/>
+          <a:ext cx="0" cy="0"/>
+          <a:chOff x="0" y="0"/>
+          <a:chExt cx="0" cy="0"/>
+        </a:xfrm>
+      </p:grpSpPr>
+      <p:pic>
+        <p:nvPicPr>
+          <p:cNvPr id="2" name="그림 1"/>
+          <p:cNvPicPr>
+            <a:picLocks noChangeAspect="1"/>
+          </p:cNvPicPr>
+          <p:nvPr/>
+        </p:nvPicPr>
+        <p:blipFill>
+          <a:blip r:embed="rId2">
+            <a:extLst>
+              <a:ext uri="{28A0092B-C50C-407E-A947-70E740481C1C}">
+                <a14:useLocalDpi xmlns:a14="http://schemas.microsoft.com/office/drawing/2010/main" val="0"/>
+              </a:ext>
+            </a:extLst>
+          </a:blip>
+          <a:stretch>
+            <a:fillRect/>
+          </a:stretch>
+        </p:blipFill>
+        <p:spPr>
+          <a:xfrm>
+            <a:off x="2674255" y="765237"/>
+            <a:ext cx="8419278" cy="3948839"/>
+          </a:xfrm>
+          <a:prstGeom prst="rect">
+            <a:avLst/>
+          </a:prstGeom>
+        </p:spPr>
+      </p:pic>
+      <p:sp>
+        <p:nvSpPr>
+          <p:cNvPr id="14" name="직사각형 13">
+            <a:extLst>
+              <a:ext uri="{FF2B5EF4-FFF2-40B4-BE49-F238E27FC236}">
+                <a16:creationId xmlns:a16="http://schemas.microsoft.com/office/drawing/2014/main" xmlns="" id="{AB249F36-4734-49CF-B488-2FBE0216B98B}"/>
+              </a:ext>
+            </a:extLst>
+          </p:cNvPr>
+          <p:cNvSpPr/>
+          <p:nvPr/>
+        </p:nvSpPr>
+        <p:spPr>
+          <a:xfrm>
+            <a:off x="10161" y="0"/>
+            <a:ext cx="2283950" cy="6858000"/>
+          </a:xfrm>
+          <a:prstGeom prst="rect">
+            <a:avLst/>
+          </a:prstGeom>
+          <a:solidFill>
+            <a:schemeClr val="accent3">
+              <a:lumMod val="20000"/>
+              <a:lumOff val="80000"/>
+            </a:schemeClr>
+          </a:solidFill>
+          <a:ln>
+            <a:noFill/>
+          </a:ln>
+        </p:spPr>
+        <p:style>
+          <a:lnRef idx="2">
+            <a:schemeClr val="accent1">
+              <a:shade val="50000"/>
+            </a:schemeClr>
+          </a:lnRef>
+          <a:fillRef idx="1">
+            <a:schemeClr val="accent1"/>
+          </a:fillRef>
+          <a:effectRef idx="0">
+            <a:schemeClr val="accent1"/>
+          </a:effectRef>
+          <a:fontRef idx="minor">
+            <a:schemeClr val="lt1"/>
+          </a:fontRef>
+        </p:style>
+        <p:txBody>
+          <a:bodyPr rtlCol="0" anchor="ctr"/>
+          <a:lstStyle/>
+          <a:p>
+            <a:pPr algn="ctr"/>
+            <a:endParaRPr lang="ko-KR" altLang="en-US"/>
+          </a:p>
+        </p:txBody>
+      </p:sp>
+      <p:sp>
+        <p:nvSpPr>
+          <p:cNvPr id="5" name="제목 1">
+            <a:extLst>
+              <a:ext uri="{FF2B5EF4-FFF2-40B4-BE49-F238E27FC236}">
+                <a16:creationId xmlns:a16="http://schemas.microsoft.com/office/drawing/2014/main" xmlns="" id="{01DA1B3C-250D-462E-A6DA-261C4CD4FB65}"/>
+              </a:ext>
+            </a:extLst>
+          </p:cNvPr>
+          <p:cNvSpPr txBox="1">
+            <a:spLocks/>
+          </p:cNvSpPr>
+          <p:nvPr/>
+        </p:nvSpPr>
+        <p:spPr>
+          <a:xfrm>
+            <a:off x="-245035" y="4043069"/>
+            <a:ext cx="12783670" cy="2170545"/>
+          </a:xfrm>
+          <a:prstGeom prst="rect">
+            <a:avLst/>
+          </a:prstGeom>
+        </p:spPr>
+        <p:txBody>
+          <a:bodyPr vert="horz" lIns="91440" tIns="45720" rIns="91440" bIns="45720" rtlCol="0" anchor="b">
+            <a:normAutofit fontScale="97500"/>
+          </a:bodyPr>
+          <a:lstStyle>
+            <a:lvl1pPr algn="ctr" defTabSz="914400" rtl="0" eaLnBrk="1" latinLnBrk="1" hangingPunct="1">
+              <a:lnSpc>
+                <a:spcPct val="90000"/>
+              </a:lnSpc>
+              <a:spcBef>
+                <a:spcPct val="0"/>
+              </a:spcBef>
+              <a:buNone/>
+              <a:defRPr sz="6000" kern="1200">
+                <a:solidFill>
+                  <a:schemeClr val="tx1"/>
+                </a:solidFill>
+                <a:latin typeface="+mj-lt"/>
+                <a:ea typeface="+mj-ea"/>
+                <a:cs typeface="+mj-cs"/>
+              </a:defRPr>
+            </a:lvl1pPr>
+          </a:lstStyle>
+          <a:p>
+            <a:pPr>
+              <a:lnSpc>
+                <a:spcPct val="140000"/>
+              </a:lnSpc>
+            </a:pPr>
+            <a:r>
+              <a:rPr lang="en-US" altLang="ko-KR" sz="2800" b="1" dirty="0">
+                <a:solidFill>
+                  <a:schemeClr val="bg1"/>
+                </a:solidFill>
+                <a:latin typeface="Algerian" panose="04020705040A02060702" pitchFamily="82" charset="0"/>
+              </a:rPr>
+              <a:t>Open eyes</a:t>
+            </a:r>
+            <a:endParaRPr lang="ko-KR" altLang="en-US" sz="2800" b="1" dirty="0">
+              <a:solidFill>
+                <a:schemeClr val="bg1"/>
+              </a:solidFill>
+              <a:latin typeface="Algerian" panose="04020705040A02060702" pitchFamily="82" charset="0"/>
+            </a:endParaRPr>
+          </a:p>
+        </p:txBody>
+      </p:sp>
+      <p:sp>
+        <p:nvSpPr>
+          <p:cNvPr id="7" name="제목 1">
+            <a:extLst>
+              <a:ext uri="{FF2B5EF4-FFF2-40B4-BE49-F238E27FC236}">
+                <a16:creationId xmlns:a16="http://schemas.microsoft.com/office/drawing/2014/main" xmlns="" id="{4EAB8E51-E5C9-4C02-B14D-82F294C6C4BD}"/>
+              </a:ext>
+            </a:extLst>
+          </p:cNvPr>
+          <p:cNvSpPr txBox="1">
+            <a:spLocks/>
+          </p:cNvSpPr>
+          <p:nvPr/>
+        </p:nvSpPr>
+        <p:spPr>
+          <a:xfrm>
+            <a:off x="5173632" y="3325252"/>
+            <a:ext cx="12783670" cy="2387600"/>
+          </a:xfrm>
+          <a:prstGeom prst="rect">
+            <a:avLst/>
+          </a:prstGeom>
+        </p:spPr>
+        <p:txBody>
+          <a:bodyPr vert="horz" lIns="91440" tIns="45720" rIns="91440" bIns="45720" rtlCol="0" anchor="b">
+            <a:normAutofit fontScale="97500"/>
+          </a:bodyPr>
+          <a:lstStyle>
+            <a:lvl1pPr algn="ctr" defTabSz="914400" rtl="0" eaLnBrk="1" latinLnBrk="1" hangingPunct="1">
+              <a:lnSpc>
+                <a:spcPct val="90000"/>
+              </a:lnSpc>
+              <a:spcBef>
+                <a:spcPct val="0"/>
+              </a:spcBef>
+              <a:buNone/>
+              <a:defRPr sz="6000" kern="1200">
+                <a:solidFill>
+                  <a:schemeClr val="tx1"/>
+                </a:solidFill>
+                <a:latin typeface="+mj-lt"/>
+                <a:ea typeface="+mj-ea"/>
+                <a:cs typeface="+mj-cs"/>
+              </a:defRPr>
+            </a:lvl1pPr>
+          </a:lstStyle>
+          <a:p>
+            <a:pPr algn="r">
+              <a:lnSpc>
+                <a:spcPct val="140000"/>
+              </a:lnSpc>
+            </a:pPr>
+            <a:r>
+              <a:rPr lang="en-US" altLang="ko-KR" sz="1600" b="1" dirty="0">
+                <a:latin typeface="+mj-ea"/>
+              </a:rPr>
+              <a:t/>
+            </a:r>
+            <a:br>
+              <a:rPr lang="en-US" altLang="ko-KR" sz="1600" b="1" dirty="0">
+                <a:latin typeface="+mj-ea"/>
+              </a:rPr>
+            </a:br>
+            <a:r>
+              <a:rPr lang="en-US" altLang="ko-KR" sz="1600" b="1" dirty="0">
+                <a:latin typeface="+mj-ea"/>
+              </a:rPr>
+              <a:t> </a:t>
+            </a:r>
+            <a:endParaRPr lang="ko-KR" altLang="en-US" sz="1600" b="1" dirty="0">
+              <a:latin typeface="+mj-ea"/>
+            </a:endParaRPr>
+          </a:p>
+        </p:txBody>
+      </p:sp>
+      <p:sp>
+        <p:nvSpPr>
+          <p:cNvPr id="32" name="TextBox 31">
+            <a:extLst>
+              <a:ext uri="{FF2B5EF4-FFF2-40B4-BE49-F238E27FC236}">
+                <a16:creationId xmlns:a16="http://schemas.microsoft.com/office/drawing/2014/main" xmlns="" id="{F0D5AC27-F291-4FAB-A3C3-610AE123946F}"/>
+              </a:ext>
+            </a:extLst>
+          </p:cNvPr>
+          <p:cNvSpPr txBox="1"/>
+          <p:nvPr/>
+        </p:nvSpPr>
+        <p:spPr>
+          <a:xfrm>
+            <a:off x="-48231" y="503627"/>
+            <a:ext cx="2384385" cy="523220"/>
+          </a:xfrm>
+          <a:prstGeom prst="rect">
+            <a:avLst/>
+          </a:prstGeom>
+          <a:noFill/>
+        </p:spPr>
+        <p:txBody>
+          <a:bodyPr wrap="square" rtlCol="0">
+            <a:spAutoFit/>
+          </a:bodyPr>
+          <a:lstStyle/>
+          <a:p>
+            <a:pPr algn="ctr"/>
+            <a:r>
+              <a:rPr lang="ko-KR" altLang="en-US" sz="2800" b="1" dirty="0">
+                <a:latin typeface="Franklin Gothic Demi Cond" panose="020B0706030402020204" pitchFamily="34" charset="0"/>
+                <a:ea typeface="+mj-ea"/>
+                <a:cs typeface="+mj-cs"/>
+              </a:rPr>
+              <a:t>개발 내역</a:t>
+            </a:r>
+          </a:p>
+        </p:txBody>
+      </p:sp>
+      <p:sp>
+        <p:nvSpPr>
+          <p:cNvPr id="34" name="TextBox 33">
+            <a:extLst>
+              <a:ext uri="{FF2B5EF4-FFF2-40B4-BE49-F238E27FC236}">
+                <a16:creationId xmlns:a16="http://schemas.microsoft.com/office/drawing/2014/main" xmlns="" id="{0E0199C0-60A2-4C09-9B02-78EC2C205B3B}"/>
+              </a:ext>
+            </a:extLst>
+          </p:cNvPr>
+          <p:cNvSpPr txBox="1"/>
+          <p:nvPr/>
+        </p:nvSpPr>
+        <p:spPr>
+          <a:xfrm>
+            <a:off x="11261035" y="6351104"/>
+            <a:ext cx="496956" cy="369332"/>
+          </a:xfrm>
+          <a:prstGeom prst="rect">
+            <a:avLst/>
+          </a:prstGeom>
+          <a:noFill/>
+        </p:spPr>
+        <p:txBody>
+          <a:bodyPr wrap="square" rtlCol="0">
+            <a:spAutoFit/>
+          </a:bodyPr>
+          <a:lstStyle/>
+          <a:p>
+            <a:r>
+              <a:rPr lang="en-US" altLang="ko-KR" dirty="0"/>
+              <a:t>7</a:t>
+            </a:r>
+            <a:endParaRPr lang="ko-KR" altLang="en-US" dirty="0"/>
+          </a:p>
+        </p:txBody>
+      </p:sp>
+      <p:sp>
+        <p:nvSpPr>
+          <p:cNvPr id="8" name="TextBox 7">
+            <a:extLst>
+              <a:ext uri="{FF2B5EF4-FFF2-40B4-BE49-F238E27FC236}">
+                <a16:creationId xmlns:a16="http://schemas.microsoft.com/office/drawing/2014/main" xmlns="" id="{53A40CE9-19A1-433E-97EA-B48D50FEC5A5}"/>
+              </a:ext>
+            </a:extLst>
+          </p:cNvPr>
+          <p:cNvSpPr txBox="1"/>
+          <p:nvPr/>
+        </p:nvSpPr>
+        <p:spPr>
+          <a:xfrm>
+            <a:off x="8275756" y="-21529"/>
+            <a:ext cx="3916244" cy="450957"/>
+          </a:xfrm>
+          <a:prstGeom prst="rect">
+            <a:avLst/>
+          </a:prstGeom>
+          <a:noFill/>
+        </p:spPr>
+        <p:txBody>
+          <a:bodyPr wrap="square" rtlCol="0">
+            <a:spAutoFit/>
+          </a:bodyPr>
+          <a:lstStyle/>
+          <a:p>
+            <a:pPr>
+              <a:lnSpc>
+                <a:spcPct val="170000"/>
+              </a:lnSpc>
+            </a:pPr>
+            <a:r>
+              <a:rPr lang="ko-KR" altLang="en-US" sz="1600" b="1" dirty="0">
+                <a:solidFill>
+                  <a:schemeClr val="tx1">
+                    <a:lumMod val="50000"/>
+                    <a:lumOff val="50000"/>
+                  </a:schemeClr>
+                </a:solidFill>
+              </a:rPr>
+              <a:t>실시간 국내 인터넷 뉴스 빅데이터 수집</a:t>
+            </a:r>
+            <a:endParaRPr lang="en-US" altLang="ko-KR" sz="1600" b="1" dirty="0">
+              <a:solidFill>
+                <a:schemeClr val="tx1">
+                  <a:lumMod val="50000"/>
+                  <a:lumOff val="50000"/>
+                </a:schemeClr>
+              </a:solidFill>
+            </a:endParaRPr>
+          </a:p>
+        </p:txBody>
+      </p:sp>
+      <p:grpSp>
+        <p:nvGrpSpPr>
+          <p:cNvPr id="20" name="그룹 19"/>
+          <p:cNvGrpSpPr/>
+          <p:nvPr/>
+        </p:nvGrpSpPr>
+        <p:grpSpPr>
+          <a:xfrm>
+            <a:off x="7117886" y="-3033358"/>
+            <a:ext cx="754744" cy="2171734"/>
+            <a:chOff x="2612571" y="2676037"/>
+            <a:chExt cx="754744" cy="2171734"/>
+          </a:xfrm>
+        </p:grpSpPr>
+        <p:cxnSp>
+          <p:nvCxnSpPr>
+            <p:cNvPr id="21" name="직선 연결선 20">
+              <a:extLst>
+                <a:ext uri="{FF2B5EF4-FFF2-40B4-BE49-F238E27FC236}">
+                  <a16:creationId xmlns:a16="http://schemas.microsoft.com/office/drawing/2014/main" xmlns="" id="{5ED19942-3A07-488B-8198-65ECDB4925F9}"/>
+                </a:ext>
+              </a:extLst>
+            </p:cNvPr>
+            <p:cNvCxnSpPr>
+              <a:cxnSpLocks/>
+            </p:cNvCxnSpPr>
+            <p:nvPr/>
+          </p:nvCxnSpPr>
+          <p:spPr>
+            <a:xfrm flipH="1">
+              <a:off x="2612571" y="2676037"/>
+              <a:ext cx="754744" cy="0"/>
+            </a:xfrm>
+            <a:prstGeom prst="line">
+              <a:avLst/>
+            </a:prstGeom>
+            <a:noFill/>
+            <a:ln w="38100">
+              <a:solidFill>
+                <a:srgbClr val="FF0000"/>
+              </a:solidFill>
+            </a:ln>
+          </p:spPr>
+          <p:style>
+            <a:lnRef idx="2">
+              <a:schemeClr val="accent1">
+                <a:shade val="50000"/>
+              </a:schemeClr>
+            </a:lnRef>
+            <a:fillRef idx="1">
+              <a:schemeClr val="accent1"/>
+            </a:fillRef>
+            <a:effectRef idx="0">
+              <a:schemeClr val="accent1"/>
+            </a:effectRef>
+            <a:fontRef idx="minor">
+              <a:schemeClr val="lt1"/>
+            </a:fontRef>
+          </p:style>
+        </p:cxnSp>
+        <p:cxnSp>
+          <p:nvCxnSpPr>
+            <p:cNvPr id="22" name="직선 연결선 21">
+              <a:extLst>
+                <a:ext uri="{FF2B5EF4-FFF2-40B4-BE49-F238E27FC236}">
+                  <a16:creationId xmlns:a16="http://schemas.microsoft.com/office/drawing/2014/main" xmlns="" id="{DB2937F2-E19F-4168-B051-BD8BA653038F}"/>
+                </a:ext>
+              </a:extLst>
+            </p:cNvPr>
+            <p:cNvCxnSpPr>
+              <a:cxnSpLocks/>
+            </p:cNvCxnSpPr>
+            <p:nvPr/>
+          </p:nvCxnSpPr>
+          <p:spPr>
+            <a:xfrm>
+              <a:off x="2612571" y="2676037"/>
+              <a:ext cx="0" cy="2171734"/>
+            </a:xfrm>
+            <a:prstGeom prst="line">
+              <a:avLst/>
+            </a:prstGeom>
+            <a:noFill/>
+            <a:ln w="38100">
+              <a:solidFill>
+                <a:srgbClr val="FF0000"/>
+              </a:solidFill>
+            </a:ln>
+          </p:spPr>
+          <p:style>
+            <a:lnRef idx="2">
+              <a:schemeClr val="accent1">
+                <a:shade val="50000"/>
+              </a:schemeClr>
+            </a:lnRef>
+            <a:fillRef idx="1">
+              <a:schemeClr val="accent1"/>
+            </a:fillRef>
+            <a:effectRef idx="0">
+              <a:schemeClr val="accent1"/>
+            </a:effectRef>
+            <a:fontRef idx="minor">
+              <a:schemeClr val="lt1"/>
+            </a:fontRef>
+          </p:style>
+        </p:cxnSp>
+        <p:cxnSp>
+          <p:nvCxnSpPr>
+            <p:cNvPr id="23" name="직선 연결선 22">
+              <a:extLst>
+                <a:ext uri="{FF2B5EF4-FFF2-40B4-BE49-F238E27FC236}">
+                  <a16:creationId xmlns:a16="http://schemas.microsoft.com/office/drawing/2014/main" xmlns="" id="{EE3DB251-6F42-478A-A201-51B1D7930DF3}"/>
+                </a:ext>
+              </a:extLst>
+            </p:cNvPr>
+            <p:cNvCxnSpPr>
+              <a:cxnSpLocks/>
+            </p:cNvCxnSpPr>
+            <p:nvPr/>
+          </p:nvCxnSpPr>
+          <p:spPr>
+            <a:xfrm flipH="1">
+              <a:off x="2612573" y="4838665"/>
+              <a:ext cx="267787" cy="0"/>
+            </a:xfrm>
+            <a:prstGeom prst="line">
+              <a:avLst/>
+            </a:prstGeom>
+            <a:noFill/>
+            <a:ln w="38100">
+              <a:solidFill>
+                <a:srgbClr val="FF0000"/>
+              </a:solidFill>
+            </a:ln>
+          </p:spPr>
+          <p:style>
+            <a:lnRef idx="2">
+              <a:schemeClr val="accent1">
+                <a:shade val="50000"/>
+              </a:schemeClr>
+            </a:lnRef>
+            <a:fillRef idx="1">
+              <a:schemeClr val="accent1"/>
+            </a:fillRef>
+            <a:effectRef idx="0">
+              <a:schemeClr val="accent1"/>
+            </a:effectRef>
+            <a:fontRef idx="minor">
+              <a:schemeClr val="lt1"/>
+            </a:fontRef>
+          </p:style>
+        </p:cxnSp>
+      </p:grpSp>
+      <p:sp>
+        <p:nvSpPr>
+          <p:cNvPr id="28" name="TextBox 27"/>
+          <p:cNvSpPr txBox="1"/>
+          <p:nvPr/>
+        </p:nvSpPr>
+        <p:spPr>
+          <a:xfrm>
+            <a:off x="2798517" y="4846320"/>
+            <a:ext cx="9393483" cy="1015663"/>
+          </a:xfrm>
+          <a:prstGeom prst="rect">
+            <a:avLst/>
+          </a:prstGeom>
+          <a:noFill/>
+        </p:spPr>
+        <p:txBody>
+          <a:bodyPr wrap="square" rtlCol="0">
+            <a:spAutoFit/>
+          </a:bodyPr>
+          <a:lstStyle/>
+          <a:p>
+            <a:pPr marL="342900" indent="-342900">
+              <a:buFontTx/>
+              <a:buChar char="-"/>
+            </a:pPr>
+            <a:r>
+              <a:rPr lang="en-US" altLang="ko-KR" sz="2000" dirty="0" smtClean="0"/>
+              <a:t>R</a:t>
+            </a:r>
+            <a:r>
+              <a:rPr lang="ko-KR" altLang="en-US" sz="2000" dirty="0" smtClean="0"/>
+              <a:t>에서 만든 </a:t>
+            </a:r>
+            <a:r>
+              <a:rPr lang="ko-KR" altLang="en-US" sz="2000" dirty="0" err="1" smtClean="0"/>
+              <a:t>워드클라우드를</a:t>
+            </a:r>
+            <a:r>
+              <a:rPr lang="ko-KR" altLang="en-US" sz="2000" dirty="0" smtClean="0"/>
+              <a:t> 보여줌</a:t>
+            </a:r>
+            <a:endParaRPr lang="en-US" altLang="ko-KR" sz="2000" dirty="0" smtClean="0"/>
+          </a:p>
+          <a:p>
+            <a:pPr marL="342900" indent="-342900">
+              <a:buFontTx/>
+              <a:buChar char="-"/>
+            </a:pPr>
+            <a:r>
+              <a:rPr lang="ko-KR" altLang="en-US" sz="2000" dirty="0" smtClean="0"/>
+              <a:t>제일 많이 나온 단어들 보여줌</a:t>
+            </a:r>
+            <a:endParaRPr lang="en-US" altLang="ko-KR" sz="2000" dirty="0" smtClean="0"/>
+          </a:p>
+          <a:p>
+            <a:pPr marL="342900" indent="-342900">
+              <a:buFontTx/>
+              <a:buChar char="-"/>
+            </a:pPr>
+            <a:r>
+              <a:rPr lang="ko-KR" altLang="en-US" sz="2000" dirty="0" err="1" smtClean="0"/>
+              <a:t>찾고싶은</a:t>
+            </a:r>
+            <a:r>
+              <a:rPr lang="ko-KR" altLang="en-US" sz="2000" dirty="0" smtClean="0"/>
+              <a:t> 단어 선택</a:t>
+            </a:r>
+            <a:endParaRPr lang="en-US" altLang="ko-KR" sz="2000" dirty="0"/>
+          </a:p>
+        </p:txBody>
+      </p:sp>
+      <p:cxnSp>
+        <p:nvCxnSpPr>
+          <p:cNvPr id="19" name="직선 연결선 18"/>
+          <p:cNvCxnSpPr/>
+          <p:nvPr/>
+        </p:nvCxnSpPr>
+        <p:spPr>
+          <a:xfrm>
+            <a:off x="2578058" y="5352531"/>
+            <a:ext cx="244003" cy="0"/>
+          </a:xfrm>
+          <a:prstGeom prst="line">
+            <a:avLst/>
+          </a:prstGeom>
+          <a:ln w="38100">
+            <a:solidFill>
+              <a:srgbClr val="FF0000"/>
+            </a:solidFill>
+          </a:ln>
+        </p:spPr>
+        <p:style>
+          <a:lnRef idx="1">
+            <a:schemeClr val="accent1"/>
+          </a:lnRef>
+          <a:fillRef idx="0">
+            <a:schemeClr val="accent1"/>
+          </a:fillRef>
+          <a:effectRef idx="0">
+            <a:schemeClr val="accent1"/>
+          </a:effectRef>
+          <a:fontRef idx="minor">
+            <a:schemeClr val="tx1"/>
+          </a:fontRef>
+        </p:style>
+      </p:cxnSp>
+      <p:cxnSp>
+        <p:nvCxnSpPr>
+          <p:cNvPr id="24" name="직선 연결선 23"/>
+          <p:cNvCxnSpPr/>
+          <p:nvPr/>
+        </p:nvCxnSpPr>
+        <p:spPr>
+          <a:xfrm flipV="1">
+            <a:off x="2578058" y="2739656"/>
+            <a:ext cx="0" cy="2614495"/>
+          </a:xfrm>
+          <a:prstGeom prst="line">
+            <a:avLst/>
+          </a:prstGeom>
+          <a:ln w="38100">
+            <a:solidFill>
+              <a:srgbClr val="FF0000"/>
+            </a:solidFill>
+          </a:ln>
+        </p:spPr>
+        <p:style>
+          <a:lnRef idx="1">
+            <a:schemeClr val="accent1"/>
+          </a:lnRef>
+          <a:fillRef idx="0">
+            <a:schemeClr val="accent1"/>
+          </a:fillRef>
+          <a:effectRef idx="0">
+            <a:schemeClr val="accent1"/>
+          </a:effectRef>
+          <a:fontRef idx="minor">
+            <a:schemeClr val="tx1"/>
+          </a:fontRef>
+        </p:style>
+      </p:cxnSp>
+      <p:cxnSp>
+        <p:nvCxnSpPr>
+          <p:cNvPr id="26" name="직선 연결선 25"/>
+          <p:cNvCxnSpPr/>
+          <p:nvPr/>
+        </p:nvCxnSpPr>
+        <p:spPr>
+          <a:xfrm>
+            <a:off x="2578058" y="2739656"/>
+            <a:ext cx="220459" cy="3"/>
+          </a:xfrm>
+          <a:prstGeom prst="line">
+            <a:avLst/>
+          </a:prstGeom>
+          <a:ln w="38100">
+            <a:solidFill>
+              <a:srgbClr val="FF0000"/>
+            </a:solidFill>
+          </a:ln>
+        </p:spPr>
+        <p:style>
+          <a:lnRef idx="1">
+            <a:schemeClr val="accent1"/>
+          </a:lnRef>
+          <a:fillRef idx="0">
+            <a:schemeClr val="accent1"/>
+          </a:fillRef>
+          <a:effectRef idx="0">
+            <a:schemeClr val="accent1"/>
+          </a:effectRef>
+          <a:fontRef idx="minor">
+            <a:schemeClr val="tx1"/>
+          </a:fontRef>
+        </p:style>
+      </p:cxnSp>
+      <p:cxnSp>
+        <p:nvCxnSpPr>
+          <p:cNvPr id="36" name="직선 연결선 35"/>
+          <p:cNvCxnSpPr/>
+          <p:nvPr/>
+        </p:nvCxnSpPr>
+        <p:spPr>
+          <a:xfrm flipH="1" flipV="1">
+            <a:off x="2795777" y="1944914"/>
+            <a:ext cx="2740" cy="1741716"/>
+          </a:xfrm>
+          <a:prstGeom prst="line">
+            <a:avLst/>
+          </a:prstGeom>
+          <a:ln w="38100">
+            <a:solidFill>
+              <a:srgbClr val="FF0000"/>
+            </a:solidFill>
+          </a:ln>
+        </p:spPr>
+        <p:style>
+          <a:lnRef idx="1">
+            <a:schemeClr val="accent1"/>
+          </a:lnRef>
+          <a:fillRef idx="0">
+            <a:schemeClr val="accent1"/>
+          </a:fillRef>
+          <a:effectRef idx="0">
+            <a:schemeClr val="accent1"/>
+          </a:effectRef>
+          <a:fontRef idx="minor">
+            <a:schemeClr val="tx1"/>
+          </a:fontRef>
+        </p:style>
+      </p:cxnSp>
+      <p:cxnSp>
+        <p:nvCxnSpPr>
+          <p:cNvPr id="38" name="직선 연결선 37"/>
+          <p:cNvCxnSpPr/>
+          <p:nvPr/>
+        </p:nvCxnSpPr>
+        <p:spPr>
+          <a:xfrm>
+            <a:off x="2822061" y="1944914"/>
+            <a:ext cx="1764453" cy="0"/>
+          </a:xfrm>
+          <a:prstGeom prst="line">
+            <a:avLst/>
+          </a:prstGeom>
+          <a:ln w="38100">
+            <a:solidFill>
+              <a:srgbClr val="FF0000"/>
+            </a:solidFill>
+          </a:ln>
+        </p:spPr>
+        <p:style>
+          <a:lnRef idx="1">
+            <a:schemeClr val="accent1"/>
+          </a:lnRef>
+          <a:fillRef idx="0">
+            <a:schemeClr val="accent1"/>
+          </a:fillRef>
+          <a:effectRef idx="0">
+            <a:schemeClr val="accent1"/>
+          </a:effectRef>
+          <a:fontRef idx="minor">
+            <a:schemeClr val="tx1"/>
+          </a:fontRef>
+        </p:style>
+      </p:cxnSp>
+      <p:cxnSp>
+        <p:nvCxnSpPr>
+          <p:cNvPr id="31" name="직선 연결선 30"/>
+          <p:cNvCxnSpPr/>
+          <p:nvPr/>
+        </p:nvCxnSpPr>
+        <p:spPr>
+          <a:xfrm flipH="1" flipV="1">
+            <a:off x="4559262" y="1944914"/>
+            <a:ext cx="2740" cy="1741716"/>
+          </a:xfrm>
+          <a:prstGeom prst="line">
+            <a:avLst/>
+          </a:prstGeom>
+          <a:ln w="38100">
+            <a:solidFill>
+              <a:srgbClr val="FF0000"/>
+            </a:solidFill>
+          </a:ln>
+        </p:spPr>
+        <p:style>
+          <a:lnRef idx="1">
+            <a:schemeClr val="accent1"/>
+          </a:lnRef>
+          <a:fillRef idx="0">
+            <a:schemeClr val="accent1"/>
+          </a:fillRef>
+          <a:effectRef idx="0">
+            <a:schemeClr val="accent1"/>
+          </a:effectRef>
+          <a:fontRef idx="minor">
+            <a:schemeClr val="tx1"/>
+          </a:fontRef>
+        </p:style>
+      </p:cxnSp>
+      <p:cxnSp>
+        <p:nvCxnSpPr>
+          <p:cNvPr id="33" name="직선 연결선 32"/>
+          <p:cNvCxnSpPr/>
+          <p:nvPr/>
+        </p:nvCxnSpPr>
+        <p:spPr>
+          <a:xfrm>
+            <a:off x="2794809" y="3686630"/>
+            <a:ext cx="1764453" cy="0"/>
+          </a:xfrm>
+          <a:prstGeom prst="line">
+            <a:avLst/>
+          </a:prstGeom>
+          <a:ln w="38100">
+            <a:solidFill>
+              <a:srgbClr val="FF0000"/>
+            </a:solidFill>
+          </a:ln>
+        </p:spPr>
+        <p:style>
+          <a:lnRef idx="1">
+            <a:schemeClr val="accent1"/>
+          </a:lnRef>
+          <a:fillRef idx="0">
+            <a:schemeClr val="accent1"/>
+          </a:fillRef>
+          <a:effectRef idx="0">
+            <a:schemeClr val="accent1"/>
+          </a:effectRef>
+          <a:fontRef idx="minor">
+            <a:schemeClr val="tx1"/>
+          </a:fontRef>
+        </p:style>
+      </p:cxnSp>
+    </p:spTree>
+    <p:extLst>
+      <p:ext uri="{BB962C8B-B14F-4D97-AF65-F5344CB8AC3E}">
+        <p14:creationId xmlns:p14="http://schemas.microsoft.com/office/powerpoint/2010/main" val="1968424505"/>
+      </p:ext>
+    </p:extLst>
+  </p:cSld>
+  <p:clrMapOvr>
+    <a:masterClrMapping/>
+  </p:clrMapOvr>
+  <p:timing>
+    <p:tnLst>
+      <p:par>
+        <p:cTn id="1" dur="indefinite" restart="never" nodeType="tmRoot"/>
+      </p:par>
+    </p:tnLst>
+  </p:timing>
+</p:sld>
+</file>
+
+<file path=ppt/slides/slide12.xml><?xml version="1.0" encoding="utf-8"?>
+<p:sld xmlns:a="http://schemas.openxmlformats.org/drawingml/2006/main" xmlns:r="http://schemas.openxmlformats.org/officeDocument/2006/relationships" xmlns:p="http://schemas.openxmlformats.org/presentationml/2006/main">
+  <p:cSld>
+    <p:spTree>
+      <p:nvGrpSpPr>
+        <p:cNvPr id="1" name=""/>
+        <p:cNvGrpSpPr/>
+        <p:nvPr/>
+      </p:nvGrpSpPr>
+      <p:grpSpPr>
+        <a:xfrm>
+          <a:off x="0" y="0"/>
+          <a:ext cx="0" cy="0"/>
+          <a:chOff x="0" y="0"/>
+          <a:chExt cx="0" cy="0"/>
+        </a:xfrm>
+      </p:grpSpPr>
+      <p:pic>
+        <p:nvPicPr>
+          <p:cNvPr id="2" name="그림 1"/>
+          <p:cNvPicPr>
+            <a:picLocks noChangeAspect="1"/>
+          </p:cNvPicPr>
+          <p:nvPr/>
+        </p:nvPicPr>
+        <p:blipFill>
+          <a:blip r:embed="rId2">
+            <a:extLst>
+              <a:ext uri="{28A0092B-C50C-407E-A947-70E740481C1C}">
+                <a14:useLocalDpi xmlns:a14="http://schemas.microsoft.com/office/drawing/2010/main" val="0"/>
+              </a:ext>
+            </a:extLst>
+          </a:blip>
+          <a:stretch>
+            <a:fillRect/>
+          </a:stretch>
+        </p:blipFill>
+        <p:spPr>
+          <a:xfrm>
+            <a:off x="2674255" y="765237"/>
+            <a:ext cx="8419278" cy="3948839"/>
+          </a:xfrm>
+          <a:prstGeom prst="rect">
+            <a:avLst/>
+          </a:prstGeom>
+        </p:spPr>
+      </p:pic>
+      <p:sp>
+        <p:nvSpPr>
+          <p:cNvPr id="14" name="직사각형 13">
+            <a:extLst>
+              <a:ext uri="{FF2B5EF4-FFF2-40B4-BE49-F238E27FC236}">
+                <a16:creationId xmlns:a16="http://schemas.microsoft.com/office/drawing/2014/main" xmlns="" id="{AB249F36-4734-49CF-B488-2FBE0216B98B}"/>
+              </a:ext>
+            </a:extLst>
+          </p:cNvPr>
+          <p:cNvSpPr/>
+          <p:nvPr/>
+        </p:nvSpPr>
+        <p:spPr>
+          <a:xfrm>
+            <a:off x="10161" y="0"/>
+            <a:ext cx="2283950" cy="6858000"/>
+          </a:xfrm>
+          <a:prstGeom prst="rect">
+            <a:avLst/>
+          </a:prstGeom>
+          <a:solidFill>
+            <a:schemeClr val="accent3">
+              <a:lumMod val="20000"/>
+              <a:lumOff val="80000"/>
+            </a:schemeClr>
+          </a:solidFill>
+          <a:ln>
+            <a:noFill/>
+          </a:ln>
+        </p:spPr>
+        <p:style>
+          <a:lnRef idx="2">
+            <a:schemeClr val="accent1">
+              <a:shade val="50000"/>
+            </a:schemeClr>
+          </a:lnRef>
+          <a:fillRef idx="1">
+            <a:schemeClr val="accent1"/>
+          </a:fillRef>
+          <a:effectRef idx="0">
+            <a:schemeClr val="accent1"/>
+          </a:effectRef>
+          <a:fontRef idx="minor">
+            <a:schemeClr val="lt1"/>
+          </a:fontRef>
+        </p:style>
+        <p:txBody>
+          <a:bodyPr rtlCol="0" anchor="ctr"/>
+          <a:lstStyle/>
+          <a:p>
+            <a:pPr algn="ctr"/>
+            <a:endParaRPr lang="ko-KR" altLang="en-US"/>
+          </a:p>
+        </p:txBody>
+      </p:sp>
+      <p:sp>
+        <p:nvSpPr>
+          <p:cNvPr id="5" name="제목 1">
+            <a:extLst>
+              <a:ext uri="{FF2B5EF4-FFF2-40B4-BE49-F238E27FC236}">
+                <a16:creationId xmlns:a16="http://schemas.microsoft.com/office/drawing/2014/main" xmlns="" id="{01DA1B3C-250D-462E-A6DA-261C4CD4FB65}"/>
+              </a:ext>
+            </a:extLst>
+          </p:cNvPr>
+          <p:cNvSpPr txBox="1">
+            <a:spLocks/>
+          </p:cNvSpPr>
+          <p:nvPr/>
+        </p:nvSpPr>
+        <p:spPr>
+          <a:xfrm>
+            <a:off x="-245035" y="4043069"/>
+            <a:ext cx="12783670" cy="2170545"/>
+          </a:xfrm>
+          <a:prstGeom prst="rect">
+            <a:avLst/>
+          </a:prstGeom>
+        </p:spPr>
+        <p:txBody>
+          <a:bodyPr vert="horz" lIns="91440" tIns="45720" rIns="91440" bIns="45720" rtlCol="0" anchor="b">
+            <a:normAutofit fontScale="97500"/>
+          </a:bodyPr>
+          <a:lstStyle>
+            <a:lvl1pPr algn="ctr" defTabSz="914400" rtl="0" eaLnBrk="1" latinLnBrk="1" hangingPunct="1">
+              <a:lnSpc>
+                <a:spcPct val="90000"/>
+              </a:lnSpc>
+              <a:spcBef>
+                <a:spcPct val="0"/>
+              </a:spcBef>
+              <a:buNone/>
+              <a:defRPr sz="6000" kern="1200">
+                <a:solidFill>
+                  <a:schemeClr val="tx1"/>
+                </a:solidFill>
+                <a:latin typeface="+mj-lt"/>
+                <a:ea typeface="+mj-ea"/>
+                <a:cs typeface="+mj-cs"/>
+              </a:defRPr>
+            </a:lvl1pPr>
+          </a:lstStyle>
+          <a:p>
+            <a:pPr>
+              <a:lnSpc>
+                <a:spcPct val="140000"/>
+              </a:lnSpc>
+            </a:pPr>
+            <a:r>
+              <a:rPr lang="en-US" altLang="ko-KR" sz="2800" b="1" dirty="0">
+                <a:solidFill>
+                  <a:schemeClr val="bg1"/>
+                </a:solidFill>
+                <a:latin typeface="Algerian" panose="04020705040A02060702" pitchFamily="82" charset="0"/>
+              </a:rPr>
+              <a:t>Open eyes</a:t>
+            </a:r>
+            <a:endParaRPr lang="ko-KR" altLang="en-US" sz="2800" b="1" dirty="0">
+              <a:solidFill>
+                <a:schemeClr val="bg1"/>
+              </a:solidFill>
+              <a:latin typeface="Algerian" panose="04020705040A02060702" pitchFamily="82" charset="0"/>
+            </a:endParaRPr>
+          </a:p>
+        </p:txBody>
+      </p:sp>
+      <p:sp>
+        <p:nvSpPr>
+          <p:cNvPr id="7" name="제목 1">
+            <a:extLst>
+              <a:ext uri="{FF2B5EF4-FFF2-40B4-BE49-F238E27FC236}">
+                <a16:creationId xmlns:a16="http://schemas.microsoft.com/office/drawing/2014/main" xmlns="" id="{4EAB8E51-E5C9-4C02-B14D-82F294C6C4BD}"/>
+              </a:ext>
+            </a:extLst>
+          </p:cNvPr>
+          <p:cNvSpPr txBox="1">
+            <a:spLocks/>
+          </p:cNvSpPr>
+          <p:nvPr/>
+        </p:nvSpPr>
+        <p:spPr>
+          <a:xfrm>
+            <a:off x="5173632" y="3325252"/>
+            <a:ext cx="12783670" cy="2387600"/>
+          </a:xfrm>
+          <a:prstGeom prst="rect">
+            <a:avLst/>
+          </a:prstGeom>
+        </p:spPr>
+        <p:txBody>
+          <a:bodyPr vert="horz" lIns="91440" tIns="45720" rIns="91440" bIns="45720" rtlCol="0" anchor="b">
+            <a:normAutofit fontScale="97500"/>
+          </a:bodyPr>
+          <a:lstStyle>
+            <a:lvl1pPr algn="ctr" defTabSz="914400" rtl="0" eaLnBrk="1" latinLnBrk="1" hangingPunct="1">
+              <a:lnSpc>
+                <a:spcPct val="90000"/>
+              </a:lnSpc>
+              <a:spcBef>
+                <a:spcPct val="0"/>
+              </a:spcBef>
+              <a:buNone/>
+              <a:defRPr sz="6000" kern="1200">
+                <a:solidFill>
+                  <a:schemeClr val="tx1"/>
+                </a:solidFill>
+                <a:latin typeface="+mj-lt"/>
+                <a:ea typeface="+mj-ea"/>
+                <a:cs typeface="+mj-cs"/>
+              </a:defRPr>
+            </a:lvl1pPr>
+          </a:lstStyle>
+          <a:p>
+            <a:pPr algn="r">
+              <a:lnSpc>
+                <a:spcPct val="140000"/>
+              </a:lnSpc>
+            </a:pPr>
+            <a:r>
+              <a:rPr lang="en-US" altLang="ko-KR" sz="1600" b="1" dirty="0">
+                <a:latin typeface="+mj-ea"/>
+              </a:rPr>
+              <a:t/>
+            </a:r>
+            <a:br>
+              <a:rPr lang="en-US" altLang="ko-KR" sz="1600" b="1" dirty="0">
+                <a:latin typeface="+mj-ea"/>
+              </a:rPr>
+            </a:br>
+            <a:r>
+              <a:rPr lang="en-US" altLang="ko-KR" sz="1600" b="1" dirty="0">
+                <a:latin typeface="+mj-ea"/>
+              </a:rPr>
+              <a:t> </a:t>
+            </a:r>
+            <a:endParaRPr lang="ko-KR" altLang="en-US" sz="1600" b="1" dirty="0">
+              <a:latin typeface="+mj-ea"/>
+            </a:endParaRPr>
+          </a:p>
+        </p:txBody>
+      </p:sp>
+      <p:sp>
+        <p:nvSpPr>
+          <p:cNvPr id="32" name="TextBox 31">
+            <a:extLst>
+              <a:ext uri="{FF2B5EF4-FFF2-40B4-BE49-F238E27FC236}">
+                <a16:creationId xmlns:a16="http://schemas.microsoft.com/office/drawing/2014/main" xmlns="" id="{F0D5AC27-F291-4FAB-A3C3-610AE123946F}"/>
+              </a:ext>
+            </a:extLst>
+          </p:cNvPr>
+          <p:cNvSpPr txBox="1"/>
+          <p:nvPr/>
+        </p:nvSpPr>
+        <p:spPr>
+          <a:xfrm>
+            <a:off x="-48231" y="503627"/>
+            <a:ext cx="2384385" cy="523220"/>
+          </a:xfrm>
+          <a:prstGeom prst="rect">
+            <a:avLst/>
+          </a:prstGeom>
+          <a:noFill/>
+        </p:spPr>
+        <p:txBody>
+          <a:bodyPr wrap="square" rtlCol="0">
+            <a:spAutoFit/>
+          </a:bodyPr>
+          <a:lstStyle/>
+          <a:p>
+            <a:pPr algn="ctr"/>
+            <a:r>
+              <a:rPr lang="ko-KR" altLang="en-US" sz="2800" b="1" dirty="0">
+                <a:latin typeface="Franklin Gothic Demi Cond" panose="020B0706030402020204" pitchFamily="34" charset="0"/>
+                <a:ea typeface="+mj-ea"/>
+                <a:cs typeface="+mj-cs"/>
+              </a:rPr>
+              <a:t>개발 내역</a:t>
+            </a:r>
+          </a:p>
+        </p:txBody>
+      </p:sp>
+      <p:sp>
+        <p:nvSpPr>
+          <p:cNvPr id="34" name="TextBox 33">
+            <a:extLst>
+              <a:ext uri="{FF2B5EF4-FFF2-40B4-BE49-F238E27FC236}">
+                <a16:creationId xmlns:a16="http://schemas.microsoft.com/office/drawing/2014/main" xmlns="" id="{0E0199C0-60A2-4C09-9B02-78EC2C205B3B}"/>
+              </a:ext>
+            </a:extLst>
+          </p:cNvPr>
+          <p:cNvSpPr txBox="1"/>
+          <p:nvPr/>
+        </p:nvSpPr>
+        <p:spPr>
+          <a:xfrm>
+            <a:off x="11261035" y="6351104"/>
+            <a:ext cx="496956" cy="369332"/>
+          </a:xfrm>
+          <a:prstGeom prst="rect">
+            <a:avLst/>
+          </a:prstGeom>
+          <a:noFill/>
+        </p:spPr>
+        <p:txBody>
+          <a:bodyPr wrap="square" rtlCol="0">
+            <a:spAutoFit/>
+          </a:bodyPr>
+          <a:lstStyle/>
+          <a:p>
+            <a:r>
+              <a:rPr lang="en-US" altLang="ko-KR" dirty="0"/>
+              <a:t>7</a:t>
+            </a:r>
+            <a:endParaRPr lang="ko-KR" altLang="en-US" dirty="0"/>
+          </a:p>
+        </p:txBody>
+      </p:sp>
+      <p:sp>
+        <p:nvSpPr>
+          <p:cNvPr id="8" name="TextBox 7">
+            <a:extLst>
+              <a:ext uri="{FF2B5EF4-FFF2-40B4-BE49-F238E27FC236}">
+                <a16:creationId xmlns:a16="http://schemas.microsoft.com/office/drawing/2014/main" xmlns="" id="{53A40CE9-19A1-433E-97EA-B48D50FEC5A5}"/>
+              </a:ext>
+            </a:extLst>
+          </p:cNvPr>
+          <p:cNvSpPr txBox="1"/>
+          <p:nvPr/>
+        </p:nvSpPr>
+        <p:spPr>
+          <a:xfrm>
+            <a:off x="8275756" y="-21529"/>
+            <a:ext cx="3916244" cy="450957"/>
+          </a:xfrm>
+          <a:prstGeom prst="rect">
+            <a:avLst/>
+          </a:prstGeom>
+          <a:noFill/>
+        </p:spPr>
+        <p:txBody>
+          <a:bodyPr wrap="square" rtlCol="0">
+            <a:spAutoFit/>
+          </a:bodyPr>
+          <a:lstStyle/>
+          <a:p>
+            <a:pPr>
+              <a:lnSpc>
+                <a:spcPct val="170000"/>
+              </a:lnSpc>
+            </a:pPr>
+            <a:r>
+              <a:rPr lang="ko-KR" altLang="en-US" sz="1600" b="1" dirty="0">
+                <a:solidFill>
+                  <a:schemeClr val="tx1">
+                    <a:lumMod val="50000"/>
+                    <a:lumOff val="50000"/>
+                  </a:schemeClr>
+                </a:solidFill>
+              </a:rPr>
+              <a:t>실시간 국내 인터넷 뉴스 빅데이터 수집</a:t>
+            </a:r>
+            <a:endParaRPr lang="en-US" altLang="ko-KR" sz="1600" b="1" dirty="0">
+              <a:solidFill>
+                <a:schemeClr val="tx1">
+                  <a:lumMod val="50000"/>
+                  <a:lumOff val="50000"/>
+                </a:schemeClr>
+              </a:solidFill>
+            </a:endParaRPr>
+          </a:p>
+        </p:txBody>
+      </p:sp>
+      <p:grpSp>
+        <p:nvGrpSpPr>
+          <p:cNvPr id="20" name="그룹 19"/>
+          <p:cNvGrpSpPr/>
+          <p:nvPr/>
+        </p:nvGrpSpPr>
+        <p:grpSpPr>
+          <a:xfrm>
+            <a:off x="7117886" y="-3033358"/>
+            <a:ext cx="754744" cy="2171734"/>
+            <a:chOff x="2612571" y="2676037"/>
+            <a:chExt cx="754744" cy="2171734"/>
+          </a:xfrm>
+        </p:grpSpPr>
+        <p:cxnSp>
+          <p:nvCxnSpPr>
+            <p:cNvPr id="21" name="직선 연결선 20">
+              <a:extLst>
+                <a:ext uri="{FF2B5EF4-FFF2-40B4-BE49-F238E27FC236}">
+                  <a16:creationId xmlns:a16="http://schemas.microsoft.com/office/drawing/2014/main" xmlns="" id="{5ED19942-3A07-488B-8198-65ECDB4925F9}"/>
+                </a:ext>
+              </a:extLst>
+            </p:cNvPr>
+            <p:cNvCxnSpPr>
+              <a:cxnSpLocks/>
+            </p:cNvCxnSpPr>
+            <p:nvPr/>
+          </p:nvCxnSpPr>
+          <p:spPr>
+            <a:xfrm flipH="1">
+              <a:off x="2612571" y="2676037"/>
+              <a:ext cx="754744" cy="0"/>
+            </a:xfrm>
+            <a:prstGeom prst="line">
+              <a:avLst/>
+            </a:prstGeom>
+            <a:noFill/>
+            <a:ln w="38100">
+              <a:solidFill>
+                <a:srgbClr val="FF0000"/>
+              </a:solidFill>
+            </a:ln>
+          </p:spPr>
+          <p:style>
+            <a:lnRef idx="2">
+              <a:schemeClr val="accent1">
+                <a:shade val="50000"/>
+              </a:schemeClr>
+            </a:lnRef>
+            <a:fillRef idx="1">
+              <a:schemeClr val="accent1"/>
+            </a:fillRef>
+            <a:effectRef idx="0">
+              <a:schemeClr val="accent1"/>
+            </a:effectRef>
+            <a:fontRef idx="minor">
+              <a:schemeClr val="lt1"/>
+            </a:fontRef>
+          </p:style>
+        </p:cxnSp>
+        <p:cxnSp>
+          <p:nvCxnSpPr>
+            <p:cNvPr id="22" name="직선 연결선 21">
+              <a:extLst>
+                <a:ext uri="{FF2B5EF4-FFF2-40B4-BE49-F238E27FC236}">
+                  <a16:creationId xmlns:a16="http://schemas.microsoft.com/office/drawing/2014/main" xmlns="" id="{DB2937F2-E19F-4168-B051-BD8BA653038F}"/>
+                </a:ext>
+              </a:extLst>
+            </p:cNvPr>
+            <p:cNvCxnSpPr>
+              <a:cxnSpLocks/>
+            </p:cNvCxnSpPr>
+            <p:nvPr/>
+          </p:nvCxnSpPr>
+          <p:spPr>
+            <a:xfrm>
+              <a:off x="2612571" y="2676037"/>
+              <a:ext cx="0" cy="2171734"/>
+            </a:xfrm>
+            <a:prstGeom prst="line">
+              <a:avLst/>
+            </a:prstGeom>
+            <a:noFill/>
+            <a:ln w="38100">
+              <a:solidFill>
+                <a:srgbClr val="FF0000"/>
+              </a:solidFill>
+            </a:ln>
+          </p:spPr>
+          <p:style>
+            <a:lnRef idx="2">
+              <a:schemeClr val="accent1">
+                <a:shade val="50000"/>
+              </a:schemeClr>
+            </a:lnRef>
+            <a:fillRef idx="1">
+              <a:schemeClr val="accent1"/>
+            </a:fillRef>
+            <a:effectRef idx="0">
+              <a:schemeClr val="accent1"/>
+            </a:effectRef>
+            <a:fontRef idx="minor">
+              <a:schemeClr val="lt1"/>
+            </a:fontRef>
+          </p:style>
+        </p:cxnSp>
+        <p:cxnSp>
+          <p:nvCxnSpPr>
+            <p:cNvPr id="23" name="직선 연결선 22">
+              <a:extLst>
+                <a:ext uri="{FF2B5EF4-FFF2-40B4-BE49-F238E27FC236}">
+                  <a16:creationId xmlns:a16="http://schemas.microsoft.com/office/drawing/2014/main" xmlns="" id="{EE3DB251-6F42-478A-A201-51B1D7930DF3}"/>
+                </a:ext>
+              </a:extLst>
+            </p:cNvPr>
+            <p:cNvCxnSpPr>
+              <a:cxnSpLocks/>
+            </p:cNvCxnSpPr>
+            <p:nvPr/>
+          </p:nvCxnSpPr>
+          <p:spPr>
+            <a:xfrm flipH="1">
+              <a:off x="2612573" y="4838665"/>
+              <a:ext cx="267787" cy="0"/>
+            </a:xfrm>
+            <a:prstGeom prst="line">
+              <a:avLst/>
+            </a:prstGeom>
+            <a:noFill/>
+            <a:ln w="38100">
+              <a:solidFill>
+                <a:srgbClr val="FF0000"/>
+              </a:solidFill>
+            </a:ln>
+          </p:spPr>
+          <p:style>
+            <a:lnRef idx="2">
+              <a:schemeClr val="accent1">
+                <a:shade val="50000"/>
+              </a:schemeClr>
+            </a:lnRef>
+            <a:fillRef idx="1">
+              <a:schemeClr val="accent1"/>
+            </a:fillRef>
+            <a:effectRef idx="0">
+              <a:schemeClr val="accent1"/>
+            </a:effectRef>
+            <a:fontRef idx="minor">
+              <a:schemeClr val="lt1"/>
+            </a:fontRef>
+          </p:style>
+        </p:cxnSp>
+      </p:grpSp>
+      <p:sp>
+        <p:nvSpPr>
+          <p:cNvPr id="28" name="TextBox 27"/>
+          <p:cNvSpPr txBox="1"/>
+          <p:nvPr/>
+        </p:nvSpPr>
+        <p:spPr>
+          <a:xfrm>
+            <a:off x="2798517" y="4846320"/>
+            <a:ext cx="9393483" cy="1015663"/>
+          </a:xfrm>
+          <a:prstGeom prst="rect">
+            <a:avLst/>
+          </a:prstGeom>
+          <a:noFill/>
+        </p:spPr>
+        <p:txBody>
+          <a:bodyPr wrap="square" rtlCol="0">
+            <a:spAutoFit/>
+          </a:bodyPr>
+          <a:lstStyle/>
+          <a:p>
+            <a:pPr marL="342900" indent="-342900">
+              <a:buFontTx/>
+              <a:buChar char="-"/>
+            </a:pPr>
+            <a:r>
+              <a:rPr lang="en-US" altLang="ko-KR" sz="2000" dirty="0" smtClean="0"/>
+              <a:t>R</a:t>
+            </a:r>
+            <a:r>
+              <a:rPr lang="ko-KR" altLang="en-US" sz="2000" dirty="0" smtClean="0"/>
+              <a:t>에서 만든 </a:t>
+            </a:r>
+            <a:r>
+              <a:rPr lang="ko-KR" altLang="en-US" sz="2000" dirty="0" err="1" smtClean="0"/>
+              <a:t>워드클라우드를</a:t>
+            </a:r>
+            <a:r>
+              <a:rPr lang="ko-KR" altLang="en-US" sz="2000" dirty="0" smtClean="0"/>
+              <a:t> 보여줌</a:t>
+            </a:r>
+            <a:endParaRPr lang="en-US" altLang="ko-KR" sz="2000" dirty="0" smtClean="0"/>
+          </a:p>
+          <a:p>
+            <a:pPr marL="342900" indent="-342900">
+              <a:buFontTx/>
+              <a:buChar char="-"/>
+            </a:pPr>
+            <a:r>
+              <a:rPr lang="ko-KR" altLang="en-US" sz="2000" dirty="0" smtClean="0"/>
+              <a:t>제일 많이 나온 단어들 보여줌</a:t>
+            </a:r>
+            <a:endParaRPr lang="en-US" altLang="ko-KR" sz="2000" dirty="0" smtClean="0"/>
+          </a:p>
+          <a:p>
+            <a:pPr marL="342900" indent="-342900">
+              <a:buFontTx/>
+              <a:buChar char="-"/>
+            </a:pPr>
+            <a:r>
+              <a:rPr lang="ko-KR" altLang="en-US" sz="2000" dirty="0" err="1" smtClean="0"/>
+              <a:t>찾고싶은</a:t>
+            </a:r>
+            <a:r>
+              <a:rPr lang="ko-KR" altLang="en-US" sz="2000" dirty="0" smtClean="0"/>
+              <a:t> 단어 선택</a:t>
+            </a:r>
+            <a:endParaRPr lang="en-US" altLang="ko-KR" sz="2000" dirty="0"/>
+          </a:p>
+        </p:txBody>
+      </p:sp>
+      <p:cxnSp>
+        <p:nvCxnSpPr>
+          <p:cNvPr id="19" name="직선 연결선 18"/>
+          <p:cNvCxnSpPr/>
+          <p:nvPr/>
+        </p:nvCxnSpPr>
+        <p:spPr>
+          <a:xfrm>
+            <a:off x="2566286" y="5690363"/>
+            <a:ext cx="244003" cy="0"/>
+          </a:xfrm>
+          <a:prstGeom prst="line">
+            <a:avLst/>
+          </a:prstGeom>
+          <a:ln w="38100">
+            <a:solidFill>
+              <a:srgbClr val="FF0000"/>
+            </a:solidFill>
+          </a:ln>
+        </p:spPr>
+        <p:style>
+          <a:lnRef idx="1">
+            <a:schemeClr val="accent1"/>
+          </a:lnRef>
+          <a:fillRef idx="0">
+            <a:schemeClr val="accent1"/>
+          </a:fillRef>
+          <a:effectRef idx="0">
+            <a:schemeClr val="accent1"/>
+          </a:effectRef>
+          <a:fontRef idx="minor">
+            <a:schemeClr val="tx1"/>
+          </a:fontRef>
+        </p:style>
+      </p:cxnSp>
+      <p:cxnSp>
+        <p:nvCxnSpPr>
+          <p:cNvPr id="24" name="직선 연결선 23"/>
+          <p:cNvCxnSpPr/>
+          <p:nvPr/>
+        </p:nvCxnSpPr>
+        <p:spPr>
+          <a:xfrm flipV="1">
+            <a:off x="2578058" y="2104572"/>
+            <a:ext cx="0" cy="3585792"/>
+          </a:xfrm>
+          <a:prstGeom prst="line">
+            <a:avLst/>
+          </a:prstGeom>
+          <a:ln w="38100">
+            <a:solidFill>
+              <a:srgbClr val="FF0000"/>
+            </a:solidFill>
+          </a:ln>
+        </p:spPr>
+        <p:style>
+          <a:lnRef idx="1">
+            <a:schemeClr val="accent1"/>
+          </a:lnRef>
+          <a:fillRef idx="0">
+            <a:schemeClr val="accent1"/>
+          </a:fillRef>
+          <a:effectRef idx="0">
+            <a:schemeClr val="accent1"/>
+          </a:effectRef>
+          <a:fontRef idx="minor">
+            <a:schemeClr val="tx1"/>
+          </a:fontRef>
+        </p:style>
+      </p:cxnSp>
+      <p:cxnSp>
+        <p:nvCxnSpPr>
+          <p:cNvPr id="26" name="직선 연결선 25"/>
+          <p:cNvCxnSpPr/>
+          <p:nvPr/>
+        </p:nvCxnSpPr>
+        <p:spPr>
+          <a:xfrm flipV="1">
+            <a:off x="2566286" y="2101030"/>
+            <a:ext cx="228523" cy="3542"/>
+          </a:xfrm>
+          <a:prstGeom prst="line">
+            <a:avLst/>
+          </a:prstGeom>
+          <a:ln w="38100">
+            <a:solidFill>
+              <a:srgbClr val="FF0000"/>
+            </a:solidFill>
+          </a:ln>
+        </p:spPr>
+        <p:style>
+          <a:lnRef idx="1">
+            <a:schemeClr val="accent1"/>
+          </a:lnRef>
+          <a:fillRef idx="0">
+            <a:schemeClr val="accent1"/>
+          </a:fillRef>
+          <a:effectRef idx="0">
+            <a:schemeClr val="accent1"/>
+          </a:effectRef>
+          <a:fontRef idx="minor">
+            <a:schemeClr val="tx1"/>
+          </a:fontRef>
+        </p:style>
+      </p:cxnSp>
+      <p:cxnSp>
+        <p:nvCxnSpPr>
+          <p:cNvPr id="36" name="직선 연결선 35"/>
+          <p:cNvCxnSpPr/>
+          <p:nvPr/>
+        </p:nvCxnSpPr>
+        <p:spPr>
+          <a:xfrm flipV="1">
+            <a:off x="2794809" y="1944914"/>
+            <a:ext cx="968" cy="319316"/>
+          </a:xfrm>
+          <a:prstGeom prst="line">
+            <a:avLst/>
+          </a:prstGeom>
+          <a:ln w="38100">
+            <a:solidFill>
+              <a:srgbClr val="FF0000"/>
+            </a:solidFill>
+          </a:ln>
+        </p:spPr>
+        <p:style>
+          <a:lnRef idx="1">
+            <a:schemeClr val="accent1"/>
+          </a:lnRef>
+          <a:fillRef idx="0">
+            <a:schemeClr val="accent1"/>
+          </a:fillRef>
+          <a:effectRef idx="0">
+            <a:schemeClr val="accent1"/>
+          </a:effectRef>
+          <a:fontRef idx="minor">
+            <a:schemeClr val="tx1"/>
+          </a:fontRef>
+        </p:style>
+      </p:cxnSp>
+      <p:cxnSp>
+        <p:nvCxnSpPr>
+          <p:cNvPr id="38" name="직선 연결선 37"/>
+          <p:cNvCxnSpPr/>
+          <p:nvPr/>
+        </p:nvCxnSpPr>
+        <p:spPr>
+          <a:xfrm>
+            <a:off x="2822061" y="1944914"/>
+            <a:ext cx="1764453" cy="0"/>
+          </a:xfrm>
+          <a:prstGeom prst="line">
+            <a:avLst/>
+          </a:prstGeom>
+          <a:ln w="38100">
+            <a:solidFill>
+              <a:srgbClr val="FF0000"/>
+            </a:solidFill>
+          </a:ln>
+        </p:spPr>
+        <p:style>
+          <a:lnRef idx="1">
+            <a:schemeClr val="accent1"/>
+          </a:lnRef>
+          <a:fillRef idx="0">
+            <a:schemeClr val="accent1"/>
+          </a:fillRef>
+          <a:effectRef idx="0">
+            <a:schemeClr val="accent1"/>
+          </a:effectRef>
+          <a:fontRef idx="minor">
+            <a:schemeClr val="tx1"/>
+          </a:fontRef>
+        </p:style>
+      </p:cxnSp>
+      <p:cxnSp>
+        <p:nvCxnSpPr>
+          <p:cNvPr id="31" name="직선 연결선 30"/>
+          <p:cNvCxnSpPr/>
+          <p:nvPr/>
+        </p:nvCxnSpPr>
+        <p:spPr>
+          <a:xfrm flipV="1">
+            <a:off x="4559262" y="1944914"/>
+            <a:ext cx="0" cy="319316"/>
+          </a:xfrm>
+          <a:prstGeom prst="line">
+            <a:avLst/>
+          </a:prstGeom>
+          <a:ln w="38100">
+            <a:solidFill>
+              <a:srgbClr val="FF0000"/>
+            </a:solidFill>
+          </a:ln>
+        </p:spPr>
+        <p:style>
+          <a:lnRef idx="1">
+            <a:schemeClr val="accent1"/>
+          </a:lnRef>
+          <a:fillRef idx="0">
+            <a:schemeClr val="accent1"/>
+          </a:fillRef>
+          <a:effectRef idx="0">
+            <a:schemeClr val="accent1"/>
+          </a:effectRef>
+          <a:fontRef idx="minor">
+            <a:schemeClr val="tx1"/>
+          </a:fontRef>
+        </p:style>
+      </p:cxnSp>
+      <p:cxnSp>
+        <p:nvCxnSpPr>
+          <p:cNvPr id="33" name="직선 연결선 32"/>
+          <p:cNvCxnSpPr/>
+          <p:nvPr/>
+        </p:nvCxnSpPr>
+        <p:spPr>
+          <a:xfrm>
+            <a:off x="2794809" y="2264230"/>
+            <a:ext cx="1764453" cy="0"/>
+          </a:xfrm>
+          <a:prstGeom prst="line">
+            <a:avLst/>
+          </a:prstGeom>
+          <a:ln w="38100">
+            <a:solidFill>
+              <a:srgbClr val="FF0000"/>
+            </a:solidFill>
+          </a:ln>
+        </p:spPr>
+        <p:style>
+          <a:lnRef idx="1">
+            <a:schemeClr val="accent1"/>
+          </a:lnRef>
+          <a:fillRef idx="0">
+            <a:schemeClr val="accent1"/>
+          </a:fillRef>
+          <a:effectRef idx="0">
+            <a:schemeClr val="accent1"/>
+          </a:effectRef>
+          <a:fontRef idx="minor">
+            <a:schemeClr val="tx1"/>
+          </a:fontRef>
+        </p:style>
+      </p:cxnSp>
+    </p:spTree>
+    <p:extLst>
+      <p:ext uri="{BB962C8B-B14F-4D97-AF65-F5344CB8AC3E}">
+        <p14:creationId xmlns:p14="http://schemas.microsoft.com/office/powerpoint/2010/main" val="753723586"/>
+      </p:ext>
+    </p:extLst>
+  </p:cSld>
+  <p:clrMapOvr>
+    <a:masterClrMapping/>
+  </p:clrMapOvr>
+  <p:timing>
+    <p:tnLst>
+      <p:par>
+        <p:cTn id="1" dur="indefinite" restart="never" nodeType="tmRoot"/>
+      </p:par>
+    </p:tnLst>
+  </p:timing>
+</p:sld>
+</file>
+
+<file path=ppt/slides/slide13.xml><?xml version="1.0" encoding="utf-8"?>
+<p:sld xmlns:a="http://schemas.openxmlformats.org/drawingml/2006/main" xmlns:r="http://schemas.openxmlformats.org/officeDocument/2006/relationships" xmlns:p="http://schemas.openxmlformats.org/presentationml/2006/main">
+  <p:cSld>
+    <p:spTree>
+      <p:nvGrpSpPr>
+        <p:cNvPr id="1" name=""/>
+        <p:cNvGrpSpPr/>
+        <p:nvPr/>
+      </p:nvGrpSpPr>
+      <p:grpSpPr>
+        <a:xfrm>
+          <a:off x="0" y="0"/>
+          <a:ext cx="0" cy="0"/>
+          <a:chOff x="0" y="0"/>
+          <a:chExt cx="0" cy="0"/>
+        </a:xfrm>
+      </p:grpSpPr>
       <p:sp>
         <p:nvSpPr>
           <p:cNvPr id="14" name="직사각형 13">
@@ -7394,6 +10038,251 @@
           </a:prstGeom>
         </p:spPr>
       </p:pic>
+      <p:cxnSp>
+        <p:nvCxnSpPr>
+          <p:cNvPr id="28" name="직선 연결선 27"/>
+          <p:cNvCxnSpPr/>
+          <p:nvPr/>
+        </p:nvCxnSpPr>
+        <p:spPr>
+          <a:xfrm>
+            <a:off x="2593538" y="5039804"/>
+            <a:ext cx="244003" cy="0"/>
+          </a:xfrm>
+          <a:prstGeom prst="line">
+            <a:avLst/>
+          </a:prstGeom>
+          <a:ln w="38100">
+            <a:solidFill>
+              <a:srgbClr val="FF0000"/>
+            </a:solidFill>
+          </a:ln>
+        </p:spPr>
+        <p:style>
+          <a:lnRef idx="1">
+            <a:schemeClr val="accent1"/>
+          </a:lnRef>
+          <a:fillRef idx="0">
+            <a:schemeClr val="accent1"/>
+          </a:fillRef>
+          <a:effectRef idx="0">
+            <a:schemeClr val="accent1"/>
+          </a:effectRef>
+          <a:fontRef idx="minor">
+            <a:schemeClr val="tx1"/>
+          </a:fontRef>
+        </p:style>
+      </p:cxnSp>
+      <p:cxnSp>
+        <p:nvCxnSpPr>
+          <p:cNvPr id="30" name="직선 연결선 29"/>
+          <p:cNvCxnSpPr/>
+          <p:nvPr/>
+        </p:nvCxnSpPr>
+        <p:spPr>
+          <a:xfrm flipV="1">
+            <a:off x="2605310" y="2433726"/>
+            <a:ext cx="0" cy="2606079"/>
+          </a:xfrm>
+          <a:prstGeom prst="line">
+            <a:avLst/>
+          </a:prstGeom>
+          <a:ln w="38100">
+            <a:solidFill>
+              <a:srgbClr val="FF0000"/>
+            </a:solidFill>
+          </a:ln>
+        </p:spPr>
+        <p:style>
+          <a:lnRef idx="1">
+            <a:schemeClr val="accent1"/>
+          </a:lnRef>
+          <a:fillRef idx="0">
+            <a:schemeClr val="accent1"/>
+          </a:fillRef>
+          <a:effectRef idx="0">
+            <a:schemeClr val="accent1"/>
+          </a:effectRef>
+          <a:fontRef idx="minor">
+            <a:schemeClr val="tx1"/>
+          </a:fontRef>
+        </p:style>
+      </p:cxnSp>
+      <p:cxnSp>
+        <p:nvCxnSpPr>
+          <p:cNvPr id="31" name="직선 연결선 30"/>
+          <p:cNvCxnSpPr/>
+          <p:nvPr/>
+        </p:nvCxnSpPr>
+        <p:spPr>
+          <a:xfrm>
+            <a:off x="2605310" y="2433726"/>
+            <a:ext cx="6299204" cy="0"/>
+          </a:xfrm>
+          <a:prstGeom prst="line">
+            <a:avLst/>
+          </a:prstGeom>
+          <a:ln w="38100">
+            <a:solidFill>
+              <a:srgbClr val="FF0000"/>
+            </a:solidFill>
+          </a:ln>
+        </p:spPr>
+        <p:style>
+          <a:lnRef idx="1">
+            <a:schemeClr val="accent1"/>
+          </a:lnRef>
+          <a:fillRef idx="0">
+            <a:schemeClr val="accent1"/>
+          </a:fillRef>
+          <a:effectRef idx="0">
+            <a:schemeClr val="accent1"/>
+          </a:effectRef>
+          <a:fontRef idx="minor">
+            <a:schemeClr val="tx1"/>
+          </a:fontRef>
+        </p:style>
+      </p:cxnSp>
+      <p:cxnSp>
+        <p:nvCxnSpPr>
+          <p:cNvPr id="33" name="직선 연결선 32"/>
+          <p:cNvCxnSpPr/>
+          <p:nvPr/>
+        </p:nvCxnSpPr>
+        <p:spPr>
+          <a:xfrm flipV="1">
+            <a:off x="8904515" y="1294355"/>
+            <a:ext cx="0" cy="2278745"/>
+          </a:xfrm>
+          <a:prstGeom prst="line">
+            <a:avLst/>
+          </a:prstGeom>
+          <a:ln w="38100">
+            <a:solidFill>
+              <a:srgbClr val="FF0000"/>
+            </a:solidFill>
+          </a:ln>
+        </p:spPr>
+        <p:style>
+          <a:lnRef idx="1">
+            <a:schemeClr val="accent1"/>
+          </a:lnRef>
+          <a:fillRef idx="0">
+            <a:schemeClr val="accent1"/>
+          </a:fillRef>
+          <a:effectRef idx="0">
+            <a:schemeClr val="accent1"/>
+          </a:effectRef>
+          <a:fontRef idx="minor">
+            <a:schemeClr val="tx1"/>
+          </a:fontRef>
+        </p:style>
+      </p:cxnSp>
+      <p:cxnSp>
+        <p:nvCxnSpPr>
+          <p:cNvPr id="37" name="직선 연결선 36"/>
+          <p:cNvCxnSpPr/>
+          <p:nvPr/>
+        </p:nvCxnSpPr>
+        <p:spPr>
+          <a:xfrm>
+            <a:off x="8904515" y="3573099"/>
+            <a:ext cx="1764453" cy="0"/>
+          </a:xfrm>
+          <a:prstGeom prst="line">
+            <a:avLst/>
+          </a:prstGeom>
+          <a:ln w="38100">
+            <a:solidFill>
+              <a:srgbClr val="FF0000"/>
+            </a:solidFill>
+          </a:ln>
+        </p:spPr>
+        <p:style>
+          <a:lnRef idx="1">
+            <a:schemeClr val="accent1"/>
+          </a:lnRef>
+          <a:fillRef idx="0">
+            <a:schemeClr val="accent1"/>
+          </a:fillRef>
+          <a:effectRef idx="0">
+            <a:schemeClr val="accent1"/>
+          </a:effectRef>
+          <a:fontRef idx="minor">
+            <a:schemeClr val="tx1"/>
+          </a:fontRef>
+        </p:style>
+      </p:cxnSp>
+      <p:cxnSp>
+        <p:nvCxnSpPr>
+          <p:cNvPr id="38" name="직선 연결선 37"/>
+          <p:cNvCxnSpPr/>
+          <p:nvPr/>
+        </p:nvCxnSpPr>
+        <p:spPr>
+          <a:xfrm>
+            <a:off x="8904514" y="1294355"/>
+            <a:ext cx="1764453" cy="0"/>
+          </a:xfrm>
+          <a:prstGeom prst="line">
+            <a:avLst/>
+          </a:prstGeom>
+          <a:ln w="38100">
+            <a:solidFill>
+              <a:srgbClr val="FF0000"/>
+            </a:solidFill>
+          </a:ln>
+        </p:spPr>
+        <p:style>
+          <a:lnRef idx="1">
+            <a:schemeClr val="accent1"/>
+          </a:lnRef>
+          <a:fillRef idx="0">
+            <a:schemeClr val="accent1"/>
+          </a:fillRef>
+          <a:effectRef idx="0">
+            <a:schemeClr val="accent1"/>
+          </a:effectRef>
+          <a:fontRef idx="minor">
+            <a:schemeClr val="tx1"/>
+          </a:fontRef>
+        </p:style>
+      </p:cxnSp>
+      <p:cxnSp>
+        <p:nvCxnSpPr>
+          <p:cNvPr id="43" name="직선 연결선 42"/>
+          <p:cNvCxnSpPr/>
+          <p:nvPr/>
+        </p:nvCxnSpPr>
+        <p:spPr>
+          <a:xfrm flipV="1">
+            <a:off x="10668967" y="1294354"/>
+            <a:ext cx="0" cy="2278745"/>
+          </a:xfrm>
+          <a:prstGeom prst="line">
+            <a:avLst/>
+          </a:prstGeom>
+          <a:ln w="38100">
+            <a:solidFill>
+              <a:srgbClr val="FF0000"/>
+            </a:solidFill>
+          </a:ln>
+        </p:spPr>
+        <p:style>
+          <a:lnRef idx="1">
+            <a:schemeClr val="accent1"/>
+          </a:lnRef>
+          <a:fillRef idx="0">
+            <a:schemeClr val="accent1"/>
+          </a:fillRef>
+          <a:effectRef idx="0">
+            <a:schemeClr val="accent1"/>
+          </a:effectRef>
+          <a:fontRef idx="minor">
+            <a:schemeClr val="tx1"/>
+          </a:fontRef>
+        </p:style>
+      </p:cxnSp>
     </p:spTree>
     <p:extLst>
       <p:ext uri="{BB962C8B-B14F-4D97-AF65-F5344CB8AC3E}">
@@ -7414,7 +10303,7 @@
 </p:sld>
 </file>
 
-<file path=ppt/slides/slide11.xml><?xml version="1.0" encoding="utf-8"?>
+<file path=ppt/slides/slide14.xml><?xml version="1.0" encoding="utf-8"?>
 <p:sld xmlns:a="http://schemas.openxmlformats.org/drawingml/2006/main" xmlns:r="http://schemas.openxmlformats.org/officeDocument/2006/relationships" xmlns:p="http://schemas.openxmlformats.org/presentationml/2006/main">
   <p:cSld>
     <p:spTree>
@@ -7445,7 +10334,7 @@
         </p:nvSpPr>
         <p:spPr>
           <a:xfrm>
-            <a:off x="10161" y="0"/>
+            <a:off x="0" y="38820"/>
             <a:ext cx="2283950" cy="6858000"/>
           </a:xfrm>
           <a:prstGeom prst="rect">
@@ -7701,7 +10590,7 @@
           <a:p>
             <a:r>
               <a:rPr lang="en-US" altLang="ko-KR" dirty="0"/>
-              <a:t>9</a:t>
+              <a:t>8</a:t>
             </a:r>
             <a:endParaRPr lang="ko-KR" altLang="en-US" dirty="0"/>
           </a:p>
@@ -7943,6 +10832,847 @@
             </a:pPr>
             <a:r>
               <a:rPr lang="ko-KR" altLang="en-US" sz="2000" dirty="0" smtClean="0"/>
+              <a:t>선택한 단어가 나온 기사가 있는 신문사들이 나옴</a:t>
+            </a:r>
+            <a:endParaRPr lang="en-US" altLang="ko-KR" sz="2000" dirty="0" smtClean="0"/>
+          </a:p>
+          <a:p>
+            <a:pPr marL="342900" indent="-342900">
+              <a:buFontTx/>
+              <a:buChar char="-"/>
+            </a:pPr>
+            <a:r>
+              <a:rPr lang="ko-KR" altLang="en-US" sz="2000" dirty="0" smtClean="0"/>
+              <a:t>원하는 신문사 선택</a:t>
+            </a:r>
+            <a:endParaRPr lang="en-US" altLang="ko-KR" sz="2000" dirty="0"/>
+          </a:p>
+        </p:txBody>
+      </p:sp>
+      <p:pic>
+        <p:nvPicPr>
+          <p:cNvPr id="2" name="그림 1"/>
+          <p:cNvPicPr>
+            <a:picLocks noChangeAspect="1"/>
+          </p:cNvPicPr>
+          <p:nvPr/>
+        </p:nvPicPr>
+        <p:blipFill>
+          <a:blip r:embed="rId2">
+            <a:extLst>
+              <a:ext uri="{28A0092B-C50C-407E-A947-70E740481C1C}">
+                <a14:useLocalDpi xmlns:a14="http://schemas.microsoft.com/office/drawing/2010/main" val="0"/>
+              </a:ext>
+            </a:extLst>
+          </a:blip>
+          <a:stretch>
+            <a:fillRect/>
+          </a:stretch>
+        </p:blipFill>
+        <p:spPr>
+          <a:xfrm>
+            <a:off x="2656838" y="765237"/>
+            <a:ext cx="8301448" cy="3753815"/>
+          </a:xfrm>
+          <a:prstGeom prst="rect">
+            <a:avLst/>
+          </a:prstGeom>
+        </p:spPr>
+      </p:pic>
+      <p:cxnSp>
+        <p:nvCxnSpPr>
+          <p:cNvPr id="28" name="직선 연결선 27"/>
+          <p:cNvCxnSpPr/>
+          <p:nvPr/>
+        </p:nvCxnSpPr>
+        <p:spPr>
+          <a:xfrm>
+            <a:off x="2605310" y="5379834"/>
+            <a:ext cx="244003" cy="0"/>
+          </a:xfrm>
+          <a:prstGeom prst="line">
+            <a:avLst/>
+          </a:prstGeom>
+          <a:ln w="38100">
+            <a:solidFill>
+              <a:srgbClr val="FF0000"/>
+            </a:solidFill>
+          </a:ln>
+        </p:spPr>
+        <p:style>
+          <a:lnRef idx="1">
+            <a:schemeClr val="accent1"/>
+          </a:lnRef>
+          <a:fillRef idx="0">
+            <a:schemeClr val="accent1"/>
+          </a:fillRef>
+          <a:effectRef idx="0">
+            <a:schemeClr val="accent1"/>
+          </a:effectRef>
+          <a:fontRef idx="minor">
+            <a:schemeClr val="tx1"/>
+          </a:fontRef>
+        </p:style>
+      </p:cxnSp>
+      <p:cxnSp>
+        <p:nvCxnSpPr>
+          <p:cNvPr id="30" name="직선 연결선 29"/>
+          <p:cNvCxnSpPr/>
+          <p:nvPr/>
+        </p:nvCxnSpPr>
+        <p:spPr>
+          <a:xfrm flipV="1">
+            <a:off x="2605310" y="1497086"/>
+            <a:ext cx="0" cy="3882748"/>
+          </a:xfrm>
+          <a:prstGeom prst="line">
+            <a:avLst/>
+          </a:prstGeom>
+          <a:ln w="38100">
+            <a:solidFill>
+              <a:srgbClr val="FF0000"/>
+            </a:solidFill>
+          </a:ln>
+        </p:spPr>
+        <p:style>
+          <a:lnRef idx="1">
+            <a:schemeClr val="accent1"/>
+          </a:lnRef>
+          <a:fillRef idx="0">
+            <a:schemeClr val="accent1"/>
+          </a:fillRef>
+          <a:effectRef idx="0">
+            <a:schemeClr val="accent1"/>
+          </a:effectRef>
+          <a:fontRef idx="minor">
+            <a:schemeClr val="tx1"/>
+          </a:fontRef>
+        </p:style>
+      </p:cxnSp>
+      <p:cxnSp>
+        <p:nvCxnSpPr>
+          <p:cNvPr id="31" name="직선 연결선 30"/>
+          <p:cNvCxnSpPr/>
+          <p:nvPr/>
+        </p:nvCxnSpPr>
+        <p:spPr>
+          <a:xfrm>
+            <a:off x="2605311" y="1438364"/>
+            <a:ext cx="6299204" cy="0"/>
+          </a:xfrm>
+          <a:prstGeom prst="line">
+            <a:avLst/>
+          </a:prstGeom>
+          <a:ln w="38100">
+            <a:solidFill>
+              <a:srgbClr val="FF0000"/>
+            </a:solidFill>
+          </a:ln>
+        </p:spPr>
+        <p:style>
+          <a:lnRef idx="1">
+            <a:schemeClr val="accent1"/>
+          </a:lnRef>
+          <a:fillRef idx="0">
+            <a:schemeClr val="accent1"/>
+          </a:fillRef>
+          <a:effectRef idx="0">
+            <a:schemeClr val="accent1"/>
+          </a:effectRef>
+          <a:fontRef idx="minor">
+            <a:schemeClr val="tx1"/>
+          </a:fontRef>
+        </p:style>
+      </p:cxnSp>
+      <p:cxnSp>
+        <p:nvCxnSpPr>
+          <p:cNvPr id="33" name="직선 연결선 32"/>
+          <p:cNvCxnSpPr/>
+          <p:nvPr/>
+        </p:nvCxnSpPr>
+        <p:spPr>
+          <a:xfrm flipV="1">
+            <a:off x="8904515" y="1294356"/>
+            <a:ext cx="0" cy="288018"/>
+          </a:xfrm>
+          <a:prstGeom prst="line">
+            <a:avLst/>
+          </a:prstGeom>
+          <a:ln w="38100">
+            <a:solidFill>
+              <a:srgbClr val="FF0000"/>
+            </a:solidFill>
+          </a:ln>
+        </p:spPr>
+        <p:style>
+          <a:lnRef idx="1">
+            <a:schemeClr val="accent1"/>
+          </a:lnRef>
+          <a:fillRef idx="0">
+            <a:schemeClr val="accent1"/>
+          </a:fillRef>
+          <a:effectRef idx="0">
+            <a:schemeClr val="accent1"/>
+          </a:effectRef>
+          <a:fontRef idx="minor">
+            <a:schemeClr val="tx1"/>
+          </a:fontRef>
+        </p:style>
+      </p:cxnSp>
+      <p:cxnSp>
+        <p:nvCxnSpPr>
+          <p:cNvPr id="37" name="직선 연결선 36"/>
+          <p:cNvCxnSpPr/>
+          <p:nvPr/>
+        </p:nvCxnSpPr>
+        <p:spPr>
+          <a:xfrm>
+            <a:off x="8904513" y="1582374"/>
+            <a:ext cx="1764453" cy="0"/>
+          </a:xfrm>
+          <a:prstGeom prst="line">
+            <a:avLst/>
+          </a:prstGeom>
+          <a:ln w="38100">
+            <a:solidFill>
+              <a:srgbClr val="FF0000"/>
+            </a:solidFill>
+          </a:ln>
+        </p:spPr>
+        <p:style>
+          <a:lnRef idx="1">
+            <a:schemeClr val="accent1"/>
+          </a:lnRef>
+          <a:fillRef idx="0">
+            <a:schemeClr val="accent1"/>
+          </a:fillRef>
+          <a:effectRef idx="0">
+            <a:schemeClr val="accent1"/>
+          </a:effectRef>
+          <a:fontRef idx="minor">
+            <a:schemeClr val="tx1"/>
+          </a:fontRef>
+        </p:style>
+      </p:cxnSp>
+      <p:cxnSp>
+        <p:nvCxnSpPr>
+          <p:cNvPr id="38" name="직선 연결선 37"/>
+          <p:cNvCxnSpPr/>
+          <p:nvPr/>
+        </p:nvCxnSpPr>
+        <p:spPr>
+          <a:xfrm>
+            <a:off x="8904514" y="1294355"/>
+            <a:ext cx="1764453" cy="0"/>
+          </a:xfrm>
+          <a:prstGeom prst="line">
+            <a:avLst/>
+          </a:prstGeom>
+          <a:ln w="38100">
+            <a:solidFill>
+              <a:srgbClr val="FF0000"/>
+            </a:solidFill>
+          </a:ln>
+        </p:spPr>
+        <p:style>
+          <a:lnRef idx="1">
+            <a:schemeClr val="accent1"/>
+          </a:lnRef>
+          <a:fillRef idx="0">
+            <a:schemeClr val="accent1"/>
+          </a:fillRef>
+          <a:effectRef idx="0">
+            <a:schemeClr val="accent1"/>
+          </a:effectRef>
+          <a:fontRef idx="minor">
+            <a:schemeClr val="tx1"/>
+          </a:fontRef>
+        </p:style>
+      </p:cxnSp>
+      <p:cxnSp>
+        <p:nvCxnSpPr>
+          <p:cNvPr id="43" name="직선 연결선 42"/>
+          <p:cNvCxnSpPr/>
+          <p:nvPr/>
+        </p:nvCxnSpPr>
+        <p:spPr>
+          <a:xfrm flipV="1">
+            <a:off x="10668966" y="1294355"/>
+            <a:ext cx="1" cy="288019"/>
+          </a:xfrm>
+          <a:prstGeom prst="line">
+            <a:avLst/>
+          </a:prstGeom>
+          <a:ln w="38100">
+            <a:solidFill>
+              <a:srgbClr val="FF0000"/>
+            </a:solidFill>
+          </a:ln>
+        </p:spPr>
+        <p:style>
+          <a:lnRef idx="1">
+            <a:schemeClr val="accent1"/>
+          </a:lnRef>
+          <a:fillRef idx="0">
+            <a:schemeClr val="accent1"/>
+          </a:fillRef>
+          <a:effectRef idx="0">
+            <a:schemeClr val="accent1"/>
+          </a:effectRef>
+          <a:fontRef idx="minor">
+            <a:schemeClr val="tx1"/>
+          </a:fontRef>
+        </p:style>
+      </p:cxnSp>
+    </p:spTree>
+    <p:extLst>
+      <p:ext uri="{BB962C8B-B14F-4D97-AF65-F5344CB8AC3E}">
+        <p14:creationId xmlns:p14="http://schemas.microsoft.com/office/powerpoint/2010/main" val="797647069"/>
+      </p:ext>
+    </p:extLst>
+  </p:cSld>
+  <p:clrMapOvr>
+    <a:masterClrMapping/>
+  </p:clrMapOvr>
+  <p:timing>
+    <p:tnLst>
+      <p:par>
+        <p:cTn id="1" dur="indefinite" restart="never" nodeType="tmRoot"/>
+      </p:par>
+    </p:tnLst>
+  </p:timing>
+</p:sld>
+</file>
+
+<file path=ppt/slides/slide15.xml><?xml version="1.0" encoding="utf-8"?>
+<p:sld xmlns:a="http://schemas.openxmlformats.org/drawingml/2006/main" xmlns:r="http://schemas.openxmlformats.org/officeDocument/2006/relationships" xmlns:p="http://schemas.openxmlformats.org/presentationml/2006/main">
+  <p:cSld>
+    <p:spTree>
+      <p:nvGrpSpPr>
+        <p:cNvPr id="1" name=""/>
+        <p:cNvGrpSpPr/>
+        <p:nvPr/>
+      </p:nvGrpSpPr>
+      <p:grpSpPr>
+        <a:xfrm>
+          <a:off x="0" y="0"/>
+          <a:ext cx="0" cy="0"/>
+          <a:chOff x="0" y="0"/>
+          <a:chExt cx="0" cy="0"/>
+        </a:xfrm>
+      </p:grpSpPr>
+      <p:sp>
+        <p:nvSpPr>
+          <p:cNvPr id="14" name="직사각형 13">
+            <a:extLst>
+              <a:ext uri="{FF2B5EF4-FFF2-40B4-BE49-F238E27FC236}">
+                <a16:creationId xmlns:a16="http://schemas.microsoft.com/office/drawing/2014/main" xmlns="" id="{AB249F36-4734-49CF-B488-2FBE0216B98B}"/>
+              </a:ext>
+            </a:extLst>
+          </p:cNvPr>
+          <p:cNvSpPr/>
+          <p:nvPr/>
+        </p:nvSpPr>
+        <p:spPr>
+          <a:xfrm>
+            <a:off x="10161" y="0"/>
+            <a:ext cx="2283950" cy="6858000"/>
+          </a:xfrm>
+          <a:prstGeom prst="rect">
+            <a:avLst/>
+          </a:prstGeom>
+          <a:solidFill>
+            <a:schemeClr val="accent3">
+              <a:lumMod val="20000"/>
+              <a:lumOff val="80000"/>
+            </a:schemeClr>
+          </a:solidFill>
+          <a:ln>
+            <a:noFill/>
+          </a:ln>
+        </p:spPr>
+        <p:style>
+          <a:lnRef idx="2">
+            <a:schemeClr val="accent1">
+              <a:shade val="50000"/>
+            </a:schemeClr>
+          </a:lnRef>
+          <a:fillRef idx="1">
+            <a:schemeClr val="accent1"/>
+          </a:fillRef>
+          <a:effectRef idx="0">
+            <a:schemeClr val="accent1"/>
+          </a:effectRef>
+          <a:fontRef idx="minor">
+            <a:schemeClr val="lt1"/>
+          </a:fontRef>
+        </p:style>
+        <p:txBody>
+          <a:bodyPr rtlCol="0" anchor="ctr"/>
+          <a:lstStyle/>
+          <a:p>
+            <a:pPr algn="ctr"/>
+            <a:endParaRPr lang="ko-KR" altLang="en-US"/>
+          </a:p>
+        </p:txBody>
+      </p:sp>
+      <p:sp>
+        <p:nvSpPr>
+          <p:cNvPr id="5" name="제목 1">
+            <a:extLst>
+              <a:ext uri="{FF2B5EF4-FFF2-40B4-BE49-F238E27FC236}">
+                <a16:creationId xmlns:a16="http://schemas.microsoft.com/office/drawing/2014/main" xmlns="" id="{01DA1B3C-250D-462E-A6DA-261C4CD4FB65}"/>
+              </a:ext>
+            </a:extLst>
+          </p:cNvPr>
+          <p:cNvSpPr txBox="1">
+            <a:spLocks/>
+          </p:cNvSpPr>
+          <p:nvPr/>
+        </p:nvSpPr>
+        <p:spPr>
+          <a:xfrm>
+            <a:off x="-245035" y="4043069"/>
+            <a:ext cx="12783670" cy="2170545"/>
+          </a:xfrm>
+          <a:prstGeom prst="rect">
+            <a:avLst/>
+          </a:prstGeom>
+        </p:spPr>
+        <p:txBody>
+          <a:bodyPr vert="horz" lIns="91440" tIns="45720" rIns="91440" bIns="45720" rtlCol="0" anchor="b">
+            <a:normAutofit fontScale="97500"/>
+          </a:bodyPr>
+          <a:lstStyle>
+            <a:lvl1pPr algn="ctr" defTabSz="914400" rtl="0" eaLnBrk="1" latinLnBrk="1" hangingPunct="1">
+              <a:lnSpc>
+                <a:spcPct val="90000"/>
+              </a:lnSpc>
+              <a:spcBef>
+                <a:spcPct val="0"/>
+              </a:spcBef>
+              <a:buNone/>
+              <a:defRPr sz="6000" kern="1200">
+                <a:solidFill>
+                  <a:schemeClr val="tx1"/>
+                </a:solidFill>
+                <a:latin typeface="+mj-lt"/>
+                <a:ea typeface="+mj-ea"/>
+                <a:cs typeface="+mj-cs"/>
+              </a:defRPr>
+            </a:lvl1pPr>
+          </a:lstStyle>
+          <a:p>
+            <a:pPr>
+              <a:lnSpc>
+                <a:spcPct val="140000"/>
+              </a:lnSpc>
+            </a:pPr>
+            <a:r>
+              <a:rPr lang="en-US" altLang="ko-KR" sz="2800" b="1" dirty="0">
+                <a:solidFill>
+                  <a:schemeClr val="bg1"/>
+                </a:solidFill>
+                <a:latin typeface="Algerian" panose="04020705040A02060702" pitchFamily="82" charset="0"/>
+              </a:rPr>
+              <a:t>Open eyes</a:t>
+            </a:r>
+            <a:endParaRPr lang="ko-KR" altLang="en-US" sz="2800" b="1" dirty="0">
+              <a:solidFill>
+                <a:schemeClr val="bg1"/>
+              </a:solidFill>
+              <a:latin typeface="Algerian" panose="04020705040A02060702" pitchFamily="82" charset="0"/>
+            </a:endParaRPr>
+          </a:p>
+        </p:txBody>
+      </p:sp>
+      <p:sp>
+        <p:nvSpPr>
+          <p:cNvPr id="7" name="제목 1">
+            <a:extLst>
+              <a:ext uri="{FF2B5EF4-FFF2-40B4-BE49-F238E27FC236}">
+                <a16:creationId xmlns:a16="http://schemas.microsoft.com/office/drawing/2014/main" xmlns="" id="{4EAB8E51-E5C9-4C02-B14D-82F294C6C4BD}"/>
+              </a:ext>
+            </a:extLst>
+          </p:cNvPr>
+          <p:cNvSpPr txBox="1">
+            <a:spLocks/>
+          </p:cNvSpPr>
+          <p:nvPr/>
+        </p:nvSpPr>
+        <p:spPr>
+          <a:xfrm>
+            <a:off x="5173632" y="3325252"/>
+            <a:ext cx="12783670" cy="2387600"/>
+          </a:xfrm>
+          <a:prstGeom prst="rect">
+            <a:avLst/>
+          </a:prstGeom>
+        </p:spPr>
+        <p:txBody>
+          <a:bodyPr vert="horz" lIns="91440" tIns="45720" rIns="91440" bIns="45720" rtlCol="0" anchor="b">
+            <a:normAutofit fontScale="97500"/>
+          </a:bodyPr>
+          <a:lstStyle>
+            <a:lvl1pPr algn="ctr" defTabSz="914400" rtl="0" eaLnBrk="1" latinLnBrk="1" hangingPunct="1">
+              <a:lnSpc>
+                <a:spcPct val="90000"/>
+              </a:lnSpc>
+              <a:spcBef>
+                <a:spcPct val="0"/>
+              </a:spcBef>
+              <a:buNone/>
+              <a:defRPr sz="6000" kern="1200">
+                <a:solidFill>
+                  <a:schemeClr val="tx1"/>
+                </a:solidFill>
+                <a:latin typeface="+mj-lt"/>
+                <a:ea typeface="+mj-ea"/>
+                <a:cs typeface="+mj-cs"/>
+              </a:defRPr>
+            </a:lvl1pPr>
+          </a:lstStyle>
+          <a:p>
+            <a:pPr algn="r">
+              <a:lnSpc>
+                <a:spcPct val="140000"/>
+              </a:lnSpc>
+            </a:pPr>
+            <a:r>
+              <a:rPr lang="en-US" altLang="ko-KR" sz="1600" b="1" dirty="0">
+                <a:latin typeface="+mj-ea"/>
+              </a:rPr>
+              <a:t/>
+            </a:r>
+            <a:br>
+              <a:rPr lang="en-US" altLang="ko-KR" sz="1600" b="1" dirty="0">
+                <a:latin typeface="+mj-ea"/>
+              </a:rPr>
+            </a:br>
+            <a:r>
+              <a:rPr lang="en-US" altLang="ko-KR" sz="1600" b="1" dirty="0">
+                <a:latin typeface="+mj-ea"/>
+              </a:rPr>
+              <a:t> </a:t>
+            </a:r>
+            <a:endParaRPr lang="ko-KR" altLang="en-US" sz="1600" b="1" dirty="0">
+              <a:latin typeface="+mj-ea"/>
+            </a:endParaRPr>
+          </a:p>
+        </p:txBody>
+      </p:sp>
+      <p:sp>
+        <p:nvSpPr>
+          <p:cNvPr id="32" name="TextBox 31">
+            <a:extLst>
+              <a:ext uri="{FF2B5EF4-FFF2-40B4-BE49-F238E27FC236}">
+                <a16:creationId xmlns:a16="http://schemas.microsoft.com/office/drawing/2014/main" xmlns="" id="{F0D5AC27-F291-4FAB-A3C3-610AE123946F}"/>
+              </a:ext>
+            </a:extLst>
+          </p:cNvPr>
+          <p:cNvSpPr txBox="1"/>
+          <p:nvPr/>
+        </p:nvSpPr>
+        <p:spPr>
+          <a:xfrm>
+            <a:off x="-48231" y="503627"/>
+            <a:ext cx="2384385" cy="523220"/>
+          </a:xfrm>
+          <a:prstGeom prst="rect">
+            <a:avLst/>
+          </a:prstGeom>
+          <a:noFill/>
+        </p:spPr>
+        <p:txBody>
+          <a:bodyPr wrap="square" rtlCol="0">
+            <a:spAutoFit/>
+          </a:bodyPr>
+          <a:lstStyle/>
+          <a:p>
+            <a:pPr algn="ctr"/>
+            <a:r>
+              <a:rPr lang="ko-KR" altLang="en-US" sz="2800" b="1" dirty="0">
+                <a:latin typeface="Franklin Gothic Demi Cond" panose="020B0706030402020204" pitchFamily="34" charset="0"/>
+                <a:ea typeface="+mj-ea"/>
+                <a:cs typeface="+mj-cs"/>
+              </a:rPr>
+              <a:t>개발 내역</a:t>
+            </a:r>
+          </a:p>
+        </p:txBody>
+      </p:sp>
+      <p:sp>
+        <p:nvSpPr>
+          <p:cNvPr id="34" name="TextBox 33">
+            <a:extLst>
+              <a:ext uri="{FF2B5EF4-FFF2-40B4-BE49-F238E27FC236}">
+                <a16:creationId xmlns:a16="http://schemas.microsoft.com/office/drawing/2014/main" xmlns="" id="{0E0199C0-60A2-4C09-9B02-78EC2C205B3B}"/>
+              </a:ext>
+            </a:extLst>
+          </p:cNvPr>
+          <p:cNvSpPr txBox="1"/>
+          <p:nvPr/>
+        </p:nvSpPr>
+        <p:spPr>
+          <a:xfrm>
+            <a:off x="11261035" y="6351104"/>
+            <a:ext cx="496956" cy="369332"/>
+          </a:xfrm>
+          <a:prstGeom prst="rect">
+            <a:avLst/>
+          </a:prstGeom>
+          <a:noFill/>
+        </p:spPr>
+        <p:txBody>
+          <a:bodyPr wrap="square" rtlCol="0">
+            <a:spAutoFit/>
+          </a:bodyPr>
+          <a:lstStyle/>
+          <a:p>
+            <a:r>
+              <a:rPr lang="en-US" altLang="ko-KR" dirty="0"/>
+              <a:t>9</a:t>
+            </a:r>
+            <a:endParaRPr lang="ko-KR" altLang="en-US" dirty="0"/>
+          </a:p>
+        </p:txBody>
+      </p:sp>
+      <p:sp>
+        <p:nvSpPr>
+          <p:cNvPr id="8" name="TextBox 7">
+            <a:extLst>
+              <a:ext uri="{FF2B5EF4-FFF2-40B4-BE49-F238E27FC236}">
+                <a16:creationId xmlns:a16="http://schemas.microsoft.com/office/drawing/2014/main" xmlns="" id="{53A40CE9-19A1-433E-97EA-B48D50FEC5A5}"/>
+              </a:ext>
+            </a:extLst>
+          </p:cNvPr>
+          <p:cNvSpPr txBox="1"/>
+          <p:nvPr/>
+        </p:nvSpPr>
+        <p:spPr>
+          <a:xfrm>
+            <a:off x="8275756" y="-21529"/>
+            <a:ext cx="3916244" cy="450957"/>
+          </a:xfrm>
+          <a:prstGeom prst="rect">
+            <a:avLst/>
+          </a:prstGeom>
+          <a:noFill/>
+        </p:spPr>
+        <p:txBody>
+          <a:bodyPr wrap="square" rtlCol="0">
+            <a:spAutoFit/>
+          </a:bodyPr>
+          <a:lstStyle/>
+          <a:p>
+            <a:pPr>
+              <a:lnSpc>
+                <a:spcPct val="170000"/>
+              </a:lnSpc>
+            </a:pPr>
+            <a:r>
+              <a:rPr lang="ko-KR" altLang="en-US" sz="1600" b="1" dirty="0">
+                <a:solidFill>
+                  <a:schemeClr val="tx1">
+                    <a:lumMod val="50000"/>
+                    <a:lumOff val="50000"/>
+                  </a:schemeClr>
+                </a:solidFill>
+              </a:rPr>
+              <a:t>실시간 국내 인터넷 뉴스 빅데이터 수집</a:t>
+            </a:r>
+            <a:endParaRPr lang="en-US" altLang="ko-KR" sz="1600" b="1" dirty="0">
+              <a:solidFill>
+                <a:schemeClr val="tx1">
+                  <a:lumMod val="50000"/>
+                  <a:lumOff val="50000"/>
+                </a:schemeClr>
+              </a:solidFill>
+            </a:endParaRPr>
+          </a:p>
+        </p:txBody>
+      </p:sp>
+      <p:grpSp>
+        <p:nvGrpSpPr>
+          <p:cNvPr id="20" name="그룹 19"/>
+          <p:cNvGrpSpPr/>
+          <p:nvPr/>
+        </p:nvGrpSpPr>
+        <p:grpSpPr>
+          <a:xfrm>
+            <a:off x="7117886" y="-3033358"/>
+            <a:ext cx="754744" cy="2171734"/>
+            <a:chOff x="2612571" y="2676037"/>
+            <a:chExt cx="754744" cy="2171734"/>
+          </a:xfrm>
+        </p:grpSpPr>
+        <p:cxnSp>
+          <p:nvCxnSpPr>
+            <p:cNvPr id="21" name="직선 연결선 20">
+              <a:extLst>
+                <a:ext uri="{FF2B5EF4-FFF2-40B4-BE49-F238E27FC236}">
+                  <a16:creationId xmlns:a16="http://schemas.microsoft.com/office/drawing/2014/main" xmlns="" id="{5ED19942-3A07-488B-8198-65ECDB4925F9}"/>
+                </a:ext>
+              </a:extLst>
+            </p:cNvPr>
+            <p:cNvCxnSpPr>
+              <a:cxnSpLocks/>
+            </p:cNvCxnSpPr>
+            <p:nvPr/>
+          </p:nvCxnSpPr>
+          <p:spPr>
+            <a:xfrm flipH="1">
+              <a:off x="2612571" y="2676037"/>
+              <a:ext cx="754744" cy="0"/>
+            </a:xfrm>
+            <a:prstGeom prst="line">
+              <a:avLst/>
+            </a:prstGeom>
+            <a:noFill/>
+            <a:ln w="38100">
+              <a:solidFill>
+                <a:srgbClr val="FF0000"/>
+              </a:solidFill>
+            </a:ln>
+          </p:spPr>
+          <p:style>
+            <a:lnRef idx="2">
+              <a:schemeClr val="accent1">
+                <a:shade val="50000"/>
+              </a:schemeClr>
+            </a:lnRef>
+            <a:fillRef idx="1">
+              <a:schemeClr val="accent1"/>
+            </a:fillRef>
+            <a:effectRef idx="0">
+              <a:schemeClr val="accent1"/>
+            </a:effectRef>
+            <a:fontRef idx="minor">
+              <a:schemeClr val="lt1"/>
+            </a:fontRef>
+          </p:style>
+        </p:cxnSp>
+        <p:cxnSp>
+          <p:nvCxnSpPr>
+            <p:cNvPr id="22" name="직선 연결선 21">
+              <a:extLst>
+                <a:ext uri="{FF2B5EF4-FFF2-40B4-BE49-F238E27FC236}">
+                  <a16:creationId xmlns:a16="http://schemas.microsoft.com/office/drawing/2014/main" xmlns="" id="{DB2937F2-E19F-4168-B051-BD8BA653038F}"/>
+                </a:ext>
+              </a:extLst>
+            </p:cNvPr>
+            <p:cNvCxnSpPr>
+              <a:cxnSpLocks/>
+            </p:cNvCxnSpPr>
+            <p:nvPr/>
+          </p:nvCxnSpPr>
+          <p:spPr>
+            <a:xfrm>
+              <a:off x="2612571" y="2676037"/>
+              <a:ext cx="0" cy="2171734"/>
+            </a:xfrm>
+            <a:prstGeom prst="line">
+              <a:avLst/>
+            </a:prstGeom>
+            <a:noFill/>
+            <a:ln w="38100">
+              <a:solidFill>
+                <a:srgbClr val="FF0000"/>
+              </a:solidFill>
+            </a:ln>
+          </p:spPr>
+          <p:style>
+            <a:lnRef idx="2">
+              <a:schemeClr val="accent1">
+                <a:shade val="50000"/>
+              </a:schemeClr>
+            </a:lnRef>
+            <a:fillRef idx="1">
+              <a:schemeClr val="accent1"/>
+            </a:fillRef>
+            <a:effectRef idx="0">
+              <a:schemeClr val="accent1"/>
+            </a:effectRef>
+            <a:fontRef idx="minor">
+              <a:schemeClr val="lt1"/>
+            </a:fontRef>
+          </p:style>
+        </p:cxnSp>
+        <p:cxnSp>
+          <p:nvCxnSpPr>
+            <p:cNvPr id="23" name="직선 연결선 22">
+              <a:extLst>
+                <a:ext uri="{FF2B5EF4-FFF2-40B4-BE49-F238E27FC236}">
+                  <a16:creationId xmlns:a16="http://schemas.microsoft.com/office/drawing/2014/main" xmlns="" id="{EE3DB251-6F42-478A-A201-51B1D7930DF3}"/>
+                </a:ext>
+              </a:extLst>
+            </p:cNvPr>
+            <p:cNvCxnSpPr>
+              <a:cxnSpLocks/>
+            </p:cNvCxnSpPr>
+            <p:nvPr/>
+          </p:nvCxnSpPr>
+          <p:spPr>
+            <a:xfrm flipH="1">
+              <a:off x="2612573" y="4838665"/>
+              <a:ext cx="267787" cy="0"/>
+            </a:xfrm>
+            <a:prstGeom prst="line">
+              <a:avLst/>
+            </a:prstGeom>
+            <a:noFill/>
+            <a:ln w="38100">
+              <a:solidFill>
+                <a:srgbClr val="FF0000"/>
+              </a:solidFill>
+            </a:ln>
+          </p:spPr>
+          <p:style>
+            <a:lnRef idx="2">
+              <a:schemeClr val="accent1">
+                <a:shade val="50000"/>
+              </a:schemeClr>
+            </a:lnRef>
+            <a:fillRef idx="1">
+              <a:schemeClr val="accent1"/>
+            </a:fillRef>
+            <a:effectRef idx="0">
+              <a:schemeClr val="accent1"/>
+            </a:effectRef>
+            <a:fontRef idx="minor">
+              <a:schemeClr val="lt1"/>
+            </a:fontRef>
+          </p:style>
+        </p:cxnSp>
+      </p:grpSp>
+      <p:sp>
+        <p:nvSpPr>
+          <p:cNvPr id="29" name="TextBox 28"/>
+          <p:cNvSpPr txBox="1"/>
+          <p:nvPr/>
+        </p:nvSpPr>
+        <p:spPr>
+          <a:xfrm>
+            <a:off x="2798517" y="4846320"/>
+            <a:ext cx="9393483" cy="707886"/>
+          </a:xfrm>
+          <a:prstGeom prst="rect">
+            <a:avLst/>
+          </a:prstGeom>
+          <a:noFill/>
+        </p:spPr>
+        <p:txBody>
+          <a:bodyPr wrap="square" rtlCol="0">
+            <a:spAutoFit/>
+          </a:bodyPr>
+          <a:lstStyle/>
+          <a:p>
+            <a:pPr marL="342900" indent="-342900">
+              <a:buFontTx/>
+              <a:buChar char="-"/>
+            </a:pPr>
+            <a:r>
+              <a:rPr lang="ko-KR" altLang="en-US" sz="2000" dirty="0" smtClean="0"/>
               <a:t>해당 신문사에서 키워드가 나온 기사들을 보여줌</a:t>
             </a:r>
             <a:endParaRPr lang="en-US" altLang="ko-KR" sz="2000" dirty="0" smtClean="0"/>
@@ -7990,6 +11720,251 @@
           </a:prstGeom>
         </p:spPr>
       </p:pic>
+      <p:cxnSp>
+        <p:nvCxnSpPr>
+          <p:cNvPr id="28" name="직선 연결선 27"/>
+          <p:cNvCxnSpPr/>
+          <p:nvPr/>
+        </p:nvCxnSpPr>
+        <p:spPr>
+          <a:xfrm>
+            <a:off x="2605310" y="2136864"/>
+            <a:ext cx="244003" cy="0"/>
+          </a:xfrm>
+          <a:prstGeom prst="line">
+            <a:avLst/>
+          </a:prstGeom>
+          <a:ln w="38100">
+            <a:solidFill>
+              <a:srgbClr val="FF0000"/>
+            </a:solidFill>
+          </a:ln>
+        </p:spPr>
+        <p:style>
+          <a:lnRef idx="1">
+            <a:schemeClr val="accent1"/>
+          </a:lnRef>
+          <a:fillRef idx="0">
+            <a:schemeClr val="accent1"/>
+          </a:fillRef>
+          <a:effectRef idx="0">
+            <a:schemeClr val="accent1"/>
+          </a:effectRef>
+          <a:fontRef idx="minor">
+            <a:schemeClr val="tx1"/>
+          </a:fontRef>
+        </p:style>
+      </p:cxnSp>
+      <p:cxnSp>
+        <p:nvCxnSpPr>
+          <p:cNvPr id="30" name="직선 연결선 29"/>
+          <p:cNvCxnSpPr/>
+          <p:nvPr/>
+        </p:nvCxnSpPr>
+        <p:spPr>
+          <a:xfrm>
+            <a:off x="2605310" y="5087494"/>
+            <a:ext cx="244003" cy="0"/>
+          </a:xfrm>
+          <a:prstGeom prst="line">
+            <a:avLst/>
+          </a:prstGeom>
+          <a:ln w="38100">
+            <a:solidFill>
+              <a:srgbClr val="FF0000"/>
+            </a:solidFill>
+          </a:ln>
+        </p:spPr>
+        <p:style>
+          <a:lnRef idx="1">
+            <a:schemeClr val="accent1"/>
+          </a:lnRef>
+          <a:fillRef idx="0">
+            <a:schemeClr val="accent1"/>
+          </a:fillRef>
+          <a:effectRef idx="0">
+            <a:schemeClr val="accent1"/>
+          </a:effectRef>
+          <a:fontRef idx="minor">
+            <a:schemeClr val="tx1"/>
+          </a:fontRef>
+        </p:style>
+      </p:cxnSp>
+      <p:cxnSp>
+        <p:nvCxnSpPr>
+          <p:cNvPr id="31" name="직선 연결선 30"/>
+          <p:cNvCxnSpPr/>
+          <p:nvPr/>
+        </p:nvCxnSpPr>
+        <p:spPr>
+          <a:xfrm flipV="1">
+            <a:off x="2605310" y="2136864"/>
+            <a:ext cx="0" cy="2971998"/>
+          </a:xfrm>
+          <a:prstGeom prst="line">
+            <a:avLst/>
+          </a:prstGeom>
+          <a:ln w="38100">
+            <a:solidFill>
+              <a:srgbClr val="FF0000"/>
+            </a:solidFill>
+          </a:ln>
+        </p:spPr>
+        <p:style>
+          <a:lnRef idx="1">
+            <a:schemeClr val="accent1"/>
+          </a:lnRef>
+          <a:fillRef idx="0">
+            <a:schemeClr val="accent1"/>
+          </a:fillRef>
+          <a:effectRef idx="0">
+            <a:schemeClr val="accent1"/>
+          </a:effectRef>
+          <a:fontRef idx="minor">
+            <a:schemeClr val="tx1"/>
+          </a:fontRef>
+        </p:style>
+      </p:cxnSp>
+      <p:cxnSp>
+        <p:nvCxnSpPr>
+          <p:cNvPr id="33" name="직선 연결선 32"/>
+          <p:cNvCxnSpPr/>
+          <p:nvPr/>
+        </p:nvCxnSpPr>
+        <p:spPr>
+          <a:xfrm>
+            <a:off x="2849313" y="1400264"/>
+            <a:ext cx="8009187" cy="0"/>
+          </a:xfrm>
+          <a:prstGeom prst="line">
+            <a:avLst/>
+          </a:prstGeom>
+          <a:ln w="38100">
+            <a:solidFill>
+              <a:srgbClr val="FF0000"/>
+            </a:solidFill>
+          </a:ln>
+        </p:spPr>
+        <p:style>
+          <a:lnRef idx="1">
+            <a:schemeClr val="accent1"/>
+          </a:lnRef>
+          <a:fillRef idx="0">
+            <a:schemeClr val="accent1"/>
+          </a:fillRef>
+          <a:effectRef idx="0">
+            <a:schemeClr val="accent1"/>
+          </a:effectRef>
+          <a:fontRef idx="minor">
+            <a:schemeClr val="tx1"/>
+          </a:fontRef>
+        </p:style>
+      </p:cxnSp>
+      <p:cxnSp>
+        <p:nvCxnSpPr>
+          <p:cNvPr id="35" name="직선 연결선 34"/>
+          <p:cNvCxnSpPr/>
+          <p:nvPr/>
+        </p:nvCxnSpPr>
+        <p:spPr>
+          <a:xfrm flipV="1">
+            <a:off x="2849313" y="1392768"/>
+            <a:ext cx="0" cy="1363132"/>
+          </a:xfrm>
+          <a:prstGeom prst="line">
+            <a:avLst/>
+          </a:prstGeom>
+          <a:ln w="38100">
+            <a:solidFill>
+              <a:srgbClr val="FF0000"/>
+            </a:solidFill>
+          </a:ln>
+        </p:spPr>
+        <p:style>
+          <a:lnRef idx="1">
+            <a:schemeClr val="accent1"/>
+          </a:lnRef>
+          <a:fillRef idx="0">
+            <a:schemeClr val="accent1"/>
+          </a:fillRef>
+          <a:effectRef idx="0">
+            <a:schemeClr val="accent1"/>
+          </a:effectRef>
+          <a:fontRef idx="minor">
+            <a:schemeClr val="tx1"/>
+          </a:fontRef>
+        </p:style>
+      </p:cxnSp>
+      <p:cxnSp>
+        <p:nvCxnSpPr>
+          <p:cNvPr id="40" name="직선 연결선 39"/>
+          <p:cNvCxnSpPr/>
+          <p:nvPr/>
+        </p:nvCxnSpPr>
+        <p:spPr>
+          <a:xfrm>
+            <a:off x="2853767" y="2759164"/>
+            <a:ext cx="8009187" cy="0"/>
+          </a:xfrm>
+          <a:prstGeom prst="line">
+            <a:avLst/>
+          </a:prstGeom>
+          <a:ln w="38100">
+            <a:solidFill>
+              <a:srgbClr val="FF0000"/>
+            </a:solidFill>
+          </a:ln>
+        </p:spPr>
+        <p:style>
+          <a:lnRef idx="1">
+            <a:schemeClr val="accent1"/>
+          </a:lnRef>
+          <a:fillRef idx="0">
+            <a:schemeClr val="accent1"/>
+          </a:fillRef>
+          <a:effectRef idx="0">
+            <a:schemeClr val="accent1"/>
+          </a:effectRef>
+          <a:fontRef idx="minor">
+            <a:schemeClr val="tx1"/>
+          </a:fontRef>
+        </p:style>
+      </p:cxnSp>
+      <p:cxnSp>
+        <p:nvCxnSpPr>
+          <p:cNvPr id="41" name="직선 연결선 40"/>
+          <p:cNvCxnSpPr/>
+          <p:nvPr/>
+        </p:nvCxnSpPr>
+        <p:spPr>
+          <a:xfrm flipV="1">
+            <a:off x="10858500" y="1392768"/>
+            <a:ext cx="0" cy="1363132"/>
+          </a:xfrm>
+          <a:prstGeom prst="line">
+            <a:avLst/>
+          </a:prstGeom>
+          <a:ln w="38100">
+            <a:solidFill>
+              <a:srgbClr val="FF0000"/>
+            </a:solidFill>
+          </a:ln>
+        </p:spPr>
+        <p:style>
+          <a:lnRef idx="1">
+            <a:schemeClr val="accent1"/>
+          </a:lnRef>
+          <a:fillRef idx="0">
+            <a:schemeClr val="accent1"/>
+          </a:fillRef>
+          <a:effectRef idx="0">
+            <a:schemeClr val="accent1"/>
+          </a:effectRef>
+          <a:fontRef idx="minor">
+            <a:schemeClr val="tx1"/>
+          </a:fontRef>
+        </p:style>
+      </p:cxnSp>
     </p:spTree>
     <p:extLst>
       <p:ext uri="{BB962C8B-B14F-4D97-AF65-F5344CB8AC3E}">
@@ -8010,7 +11985,848 @@
 </p:sld>
 </file>
 
-<file path=ppt/slides/slide12.xml><?xml version="1.0" encoding="utf-8"?>
+<file path=ppt/slides/slide16.xml><?xml version="1.0" encoding="utf-8"?>
+<p:sld xmlns:a="http://schemas.openxmlformats.org/drawingml/2006/main" xmlns:r="http://schemas.openxmlformats.org/officeDocument/2006/relationships" xmlns:p="http://schemas.openxmlformats.org/presentationml/2006/main">
+  <p:cSld>
+    <p:spTree>
+      <p:nvGrpSpPr>
+        <p:cNvPr id="1" name=""/>
+        <p:cNvGrpSpPr/>
+        <p:nvPr/>
+      </p:nvGrpSpPr>
+      <p:grpSpPr>
+        <a:xfrm>
+          <a:off x="0" y="0"/>
+          <a:ext cx="0" cy="0"/>
+          <a:chOff x="0" y="0"/>
+          <a:chExt cx="0" cy="0"/>
+        </a:xfrm>
+      </p:grpSpPr>
+      <p:sp>
+        <p:nvSpPr>
+          <p:cNvPr id="14" name="직사각형 13">
+            <a:extLst>
+              <a:ext uri="{FF2B5EF4-FFF2-40B4-BE49-F238E27FC236}">
+                <a16:creationId xmlns:a16="http://schemas.microsoft.com/office/drawing/2014/main" xmlns="" id="{AB249F36-4734-49CF-B488-2FBE0216B98B}"/>
+              </a:ext>
+            </a:extLst>
+          </p:cNvPr>
+          <p:cNvSpPr/>
+          <p:nvPr/>
+        </p:nvSpPr>
+        <p:spPr>
+          <a:xfrm>
+            <a:off x="10161" y="0"/>
+            <a:ext cx="2283950" cy="6858000"/>
+          </a:xfrm>
+          <a:prstGeom prst="rect">
+            <a:avLst/>
+          </a:prstGeom>
+          <a:solidFill>
+            <a:schemeClr val="accent3">
+              <a:lumMod val="20000"/>
+              <a:lumOff val="80000"/>
+            </a:schemeClr>
+          </a:solidFill>
+          <a:ln>
+            <a:noFill/>
+          </a:ln>
+        </p:spPr>
+        <p:style>
+          <a:lnRef idx="2">
+            <a:schemeClr val="accent1">
+              <a:shade val="50000"/>
+            </a:schemeClr>
+          </a:lnRef>
+          <a:fillRef idx="1">
+            <a:schemeClr val="accent1"/>
+          </a:fillRef>
+          <a:effectRef idx="0">
+            <a:schemeClr val="accent1"/>
+          </a:effectRef>
+          <a:fontRef idx="minor">
+            <a:schemeClr val="lt1"/>
+          </a:fontRef>
+        </p:style>
+        <p:txBody>
+          <a:bodyPr rtlCol="0" anchor="ctr"/>
+          <a:lstStyle/>
+          <a:p>
+            <a:pPr algn="ctr"/>
+            <a:endParaRPr lang="ko-KR" altLang="en-US"/>
+          </a:p>
+        </p:txBody>
+      </p:sp>
+      <p:sp>
+        <p:nvSpPr>
+          <p:cNvPr id="5" name="제목 1">
+            <a:extLst>
+              <a:ext uri="{FF2B5EF4-FFF2-40B4-BE49-F238E27FC236}">
+                <a16:creationId xmlns:a16="http://schemas.microsoft.com/office/drawing/2014/main" xmlns="" id="{01DA1B3C-250D-462E-A6DA-261C4CD4FB65}"/>
+              </a:ext>
+            </a:extLst>
+          </p:cNvPr>
+          <p:cNvSpPr txBox="1">
+            <a:spLocks/>
+          </p:cNvSpPr>
+          <p:nvPr/>
+        </p:nvSpPr>
+        <p:spPr>
+          <a:xfrm>
+            <a:off x="-245035" y="4043069"/>
+            <a:ext cx="12783670" cy="2170545"/>
+          </a:xfrm>
+          <a:prstGeom prst="rect">
+            <a:avLst/>
+          </a:prstGeom>
+        </p:spPr>
+        <p:txBody>
+          <a:bodyPr vert="horz" lIns="91440" tIns="45720" rIns="91440" bIns="45720" rtlCol="0" anchor="b">
+            <a:normAutofit fontScale="97500"/>
+          </a:bodyPr>
+          <a:lstStyle>
+            <a:lvl1pPr algn="ctr" defTabSz="914400" rtl="0" eaLnBrk="1" latinLnBrk="1" hangingPunct="1">
+              <a:lnSpc>
+                <a:spcPct val="90000"/>
+              </a:lnSpc>
+              <a:spcBef>
+                <a:spcPct val="0"/>
+              </a:spcBef>
+              <a:buNone/>
+              <a:defRPr sz="6000" kern="1200">
+                <a:solidFill>
+                  <a:schemeClr val="tx1"/>
+                </a:solidFill>
+                <a:latin typeface="+mj-lt"/>
+                <a:ea typeface="+mj-ea"/>
+                <a:cs typeface="+mj-cs"/>
+              </a:defRPr>
+            </a:lvl1pPr>
+          </a:lstStyle>
+          <a:p>
+            <a:pPr>
+              <a:lnSpc>
+                <a:spcPct val="140000"/>
+              </a:lnSpc>
+            </a:pPr>
+            <a:r>
+              <a:rPr lang="en-US" altLang="ko-KR" sz="2800" b="1" dirty="0">
+                <a:solidFill>
+                  <a:schemeClr val="bg1"/>
+                </a:solidFill>
+                <a:latin typeface="Algerian" panose="04020705040A02060702" pitchFamily="82" charset="0"/>
+              </a:rPr>
+              <a:t>Open eyes</a:t>
+            </a:r>
+            <a:endParaRPr lang="ko-KR" altLang="en-US" sz="2800" b="1" dirty="0">
+              <a:solidFill>
+                <a:schemeClr val="bg1"/>
+              </a:solidFill>
+              <a:latin typeface="Algerian" panose="04020705040A02060702" pitchFamily="82" charset="0"/>
+            </a:endParaRPr>
+          </a:p>
+        </p:txBody>
+      </p:sp>
+      <p:sp>
+        <p:nvSpPr>
+          <p:cNvPr id="7" name="제목 1">
+            <a:extLst>
+              <a:ext uri="{FF2B5EF4-FFF2-40B4-BE49-F238E27FC236}">
+                <a16:creationId xmlns:a16="http://schemas.microsoft.com/office/drawing/2014/main" xmlns="" id="{4EAB8E51-E5C9-4C02-B14D-82F294C6C4BD}"/>
+              </a:ext>
+            </a:extLst>
+          </p:cNvPr>
+          <p:cNvSpPr txBox="1">
+            <a:spLocks/>
+          </p:cNvSpPr>
+          <p:nvPr/>
+        </p:nvSpPr>
+        <p:spPr>
+          <a:xfrm>
+            <a:off x="5173632" y="3325252"/>
+            <a:ext cx="12783670" cy="2387600"/>
+          </a:xfrm>
+          <a:prstGeom prst="rect">
+            <a:avLst/>
+          </a:prstGeom>
+        </p:spPr>
+        <p:txBody>
+          <a:bodyPr vert="horz" lIns="91440" tIns="45720" rIns="91440" bIns="45720" rtlCol="0" anchor="b">
+            <a:normAutofit fontScale="97500"/>
+          </a:bodyPr>
+          <a:lstStyle>
+            <a:lvl1pPr algn="ctr" defTabSz="914400" rtl="0" eaLnBrk="1" latinLnBrk="1" hangingPunct="1">
+              <a:lnSpc>
+                <a:spcPct val="90000"/>
+              </a:lnSpc>
+              <a:spcBef>
+                <a:spcPct val="0"/>
+              </a:spcBef>
+              <a:buNone/>
+              <a:defRPr sz="6000" kern="1200">
+                <a:solidFill>
+                  <a:schemeClr val="tx1"/>
+                </a:solidFill>
+                <a:latin typeface="+mj-lt"/>
+                <a:ea typeface="+mj-ea"/>
+                <a:cs typeface="+mj-cs"/>
+              </a:defRPr>
+            </a:lvl1pPr>
+          </a:lstStyle>
+          <a:p>
+            <a:pPr algn="r">
+              <a:lnSpc>
+                <a:spcPct val="140000"/>
+              </a:lnSpc>
+            </a:pPr>
+            <a:r>
+              <a:rPr lang="en-US" altLang="ko-KR" sz="1600" b="1" dirty="0">
+                <a:latin typeface="+mj-ea"/>
+              </a:rPr>
+              <a:t/>
+            </a:r>
+            <a:br>
+              <a:rPr lang="en-US" altLang="ko-KR" sz="1600" b="1" dirty="0">
+                <a:latin typeface="+mj-ea"/>
+              </a:rPr>
+            </a:br>
+            <a:r>
+              <a:rPr lang="en-US" altLang="ko-KR" sz="1600" b="1" dirty="0">
+                <a:latin typeface="+mj-ea"/>
+              </a:rPr>
+              <a:t> </a:t>
+            </a:r>
+            <a:endParaRPr lang="ko-KR" altLang="en-US" sz="1600" b="1" dirty="0">
+              <a:latin typeface="+mj-ea"/>
+            </a:endParaRPr>
+          </a:p>
+        </p:txBody>
+      </p:sp>
+      <p:sp>
+        <p:nvSpPr>
+          <p:cNvPr id="32" name="TextBox 31">
+            <a:extLst>
+              <a:ext uri="{FF2B5EF4-FFF2-40B4-BE49-F238E27FC236}">
+                <a16:creationId xmlns:a16="http://schemas.microsoft.com/office/drawing/2014/main" xmlns="" id="{F0D5AC27-F291-4FAB-A3C3-610AE123946F}"/>
+              </a:ext>
+            </a:extLst>
+          </p:cNvPr>
+          <p:cNvSpPr txBox="1"/>
+          <p:nvPr/>
+        </p:nvSpPr>
+        <p:spPr>
+          <a:xfrm>
+            <a:off x="-48231" y="503627"/>
+            <a:ext cx="2384385" cy="523220"/>
+          </a:xfrm>
+          <a:prstGeom prst="rect">
+            <a:avLst/>
+          </a:prstGeom>
+          <a:noFill/>
+        </p:spPr>
+        <p:txBody>
+          <a:bodyPr wrap="square" rtlCol="0">
+            <a:spAutoFit/>
+          </a:bodyPr>
+          <a:lstStyle/>
+          <a:p>
+            <a:pPr algn="ctr"/>
+            <a:r>
+              <a:rPr lang="ko-KR" altLang="en-US" sz="2800" b="1" dirty="0">
+                <a:latin typeface="Franklin Gothic Demi Cond" panose="020B0706030402020204" pitchFamily="34" charset="0"/>
+                <a:ea typeface="+mj-ea"/>
+                <a:cs typeface="+mj-cs"/>
+              </a:rPr>
+              <a:t>개발 내역</a:t>
+            </a:r>
+          </a:p>
+        </p:txBody>
+      </p:sp>
+      <p:sp>
+        <p:nvSpPr>
+          <p:cNvPr id="34" name="TextBox 33">
+            <a:extLst>
+              <a:ext uri="{FF2B5EF4-FFF2-40B4-BE49-F238E27FC236}">
+                <a16:creationId xmlns:a16="http://schemas.microsoft.com/office/drawing/2014/main" xmlns="" id="{0E0199C0-60A2-4C09-9B02-78EC2C205B3B}"/>
+              </a:ext>
+            </a:extLst>
+          </p:cNvPr>
+          <p:cNvSpPr txBox="1"/>
+          <p:nvPr/>
+        </p:nvSpPr>
+        <p:spPr>
+          <a:xfrm>
+            <a:off x="11261035" y="6351104"/>
+            <a:ext cx="496956" cy="369332"/>
+          </a:xfrm>
+          <a:prstGeom prst="rect">
+            <a:avLst/>
+          </a:prstGeom>
+          <a:noFill/>
+        </p:spPr>
+        <p:txBody>
+          <a:bodyPr wrap="square" rtlCol="0">
+            <a:spAutoFit/>
+          </a:bodyPr>
+          <a:lstStyle/>
+          <a:p>
+            <a:r>
+              <a:rPr lang="en-US" altLang="ko-KR" dirty="0"/>
+              <a:t>9</a:t>
+            </a:r>
+            <a:endParaRPr lang="ko-KR" altLang="en-US" dirty="0"/>
+          </a:p>
+        </p:txBody>
+      </p:sp>
+      <p:sp>
+        <p:nvSpPr>
+          <p:cNvPr id="8" name="TextBox 7">
+            <a:extLst>
+              <a:ext uri="{FF2B5EF4-FFF2-40B4-BE49-F238E27FC236}">
+                <a16:creationId xmlns:a16="http://schemas.microsoft.com/office/drawing/2014/main" xmlns="" id="{53A40CE9-19A1-433E-97EA-B48D50FEC5A5}"/>
+              </a:ext>
+            </a:extLst>
+          </p:cNvPr>
+          <p:cNvSpPr txBox="1"/>
+          <p:nvPr/>
+        </p:nvSpPr>
+        <p:spPr>
+          <a:xfrm>
+            <a:off x="8275756" y="-21529"/>
+            <a:ext cx="3916244" cy="450957"/>
+          </a:xfrm>
+          <a:prstGeom prst="rect">
+            <a:avLst/>
+          </a:prstGeom>
+          <a:noFill/>
+        </p:spPr>
+        <p:txBody>
+          <a:bodyPr wrap="square" rtlCol="0">
+            <a:spAutoFit/>
+          </a:bodyPr>
+          <a:lstStyle/>
+          <a:p>
+            <a:pPr>
+              <a:lnSpc>
+                <a:spcPct val="170000"/>
+              </a:lnSpc>
+            </a:pPr>
+            <a:r>
+              <a:rPr lang="ko-KR" altLang="en-US" sz="1600" b="1" dirty="0">
+                <a:solidFill>
+                  <a:schemeClr val="tx1">
+                    <a:lumMod val="50000"/>
+                    <a:lumOff val="50000"/>
+                  </a:schemeClr>
+                </a:solidFill>
+              </a:rPr>
+              <a:t>실시간 국내 인터넷 뉴스 빅데이터 수집</a:t>
+            </a:r>
+            <a:endParaRPr lang="en-US" altLang="ko-KR" sz="1600" b="1" dirty="0">
+              <a:solidFill>
+                <a:schemeClr val="tx1">
+                  <a:lumMod val="50000"/>
+                  <a:lumOff val="50000"/>
+                </a:schemeClr>
+              </a:solidFill>
+            </a:endParaRPr>
+          </a:p>
+        </p:txBody>
+      </p:sp>
+      <p:grpSp>
+        <p:nvGrpSpPr>
+          <p:cNvPr id="20" name="그룹 19"/>
+          <p:cNvGrpSpPr/>
+          <p:nvPr/>
+        </p:nvGrpSpPr>
+        <p:grpSpPr>
+          <a:xfrm>
+            <a:off x="7117886" y="-3033358"/>
+            <a:ext cx="754744" cy="2171734"/>
+            <a:chOff x="2612571" y="2676037"/>
+            <a:chExt cx="754744" cy="2171734"/>
+          </a:xfrm>
+        </p:grpSpPr>
+        <p:cxnSp>
+          <p:nvCxnSpPr>
+            <p:cNvPr id="21" name="직선 연결선 20">
+              <a:extLst>
+                <a:ext uri="{FF2B5EF4-FFF2-40B4-BE49-F238E27FC236}">
+                  <a16:creationId xmlns:a16="http://schemas.microsoft.com/office/drawing/2014/main" xmlns="" id="{5ED19942-3A07-488B-8198-65ECDB4925F9}"/>
+                </a:ext>
+              </a:extLst>
+            </p:cNvPr>
+            <p:cNvCxnSpPr>
+              <a:cxnSpLocks/>
+            </p:cNvCxnSpPr>
+            <p:nvPr/>
+          </p:nvCxnSpPr>
+          <p:spPr>
+            <a:xfrm flipH="1">
+              <a:off x="2612571" y="2676037"/>
+              <a:ext cx="754744" cy="0"/>
+            </a:xfrm>
+            <a:prstGeom prst="line">
+              <a:avLst/>
+            </a:prstGeom>
+            <a:noFill/>
+            <a:ln w="38100">
+              <a:solidFill>
+                <a:srgbClr val="FF0000"/>
+              </a:solidFill>
+            </a:ln>
+          </p:spPr>
+          <p:style>
+            <a:lnRef idx="2">
+              <a:schemeClr val="accent1">
+                <a:shade val="50000"/>
+              </a:schemeClr>
+            </a:lnRef>
+            <a:fillRef idx="1">
+              <a:schemeClr val="accent1"/>
+            </a:fillRef>
+            <a:effectRef idx="0">
+              <a:schemeClr val="accent1"/>
+            </a:effectRef>
+            <a:fontRef idx="minor">
+              <a:schemeClr val="lt1"/>
+            </a:fontRef>
+          </p:style>
+        </p:cxnSp>
+        <p:cxnSp>
+          <p:nvCxnSpPr>
+            <p:cNvPr id="22" name="직선 연결선 21">
+              <a:extLst>
+                <a:ext uri="{FF2B5EF4-FFF2-40B4-BE49-F238E27FC236}">
+                  <a16:creationId xmlns:a16="http://schemas.microsoft.com/office/drawing/2014/main" xmlns="" id="{DB2937F2-E19F-4168-B051-BD8BA653038F}"/>
+                </a:ext>
+              </a:extLst>
+            </p:cNvPr>
+            <p:cNvCxnSpPr>
+              <a:cxnSpLocks/>
+            </p:cNvCxnSpPr>
+            <p:nvPr/>
+          </p:nvCxnSpPr>
+          <p:spPr>
+            <a:xfrm>
+              <a:off x="2612571" y="2676037"/>
+              <a:ext cx="0" cy="2171734"/>
+            </a:xfrm>
+            <a:prstGeom prst="line">
+              <a:avLst/>
+            </a:prstGeom>
+            <a:noFill/>
+            <a:ln w="38100">
+              <a:solidFill>
+                <a:srgbClr val="FF0000"/>
+              </a:solidFill>
+            </a:ln>
+          </p:spPr>
+          <p:style>
+            <a:lnRef idx="2">
+              <a:schemeClr val="accent1">
+                <a:shade val="50000"/>
+              </a:schemeClr>
+            </a:lnRef>
+            <a:fillRef idx="1">
+              <a:schemeClr val="accent1"/>
+            </a:fillRef>
+            <a:effectRef idx="0">
+              <a:schemeClr val="accent1"/>
+            </a:effectRef>
+            <a:fontRef idx="minor">
+              <a:schemeClr val="lt1"/>
+            </a:fontRef>
+          </p:style>
+        </p:cxnSp>
+        <p:cxnSp>
+          <p:nvCxnSpPr>
+            <p:cNvPr id="23" name="직선 연결선 22">
+              <a:extLst>
+                <a:ext uri="{FF2B5EF4-FFF2-40B4-BE49-F238E27FC236}">
+                  <a16:creationId xmlns:a16="http://schemas.microsoft.com/office/drawing/2014/main" xmlns="" id="{EE3DB251-6F42-478A-A201-51B1D7930DF3}"/>
+                </a:ext>
+              </a:extLst>
+            </p:cNvPr>
+            <p:cNvCxnSpPr>
+              <a:cxnSpLocks/>
+            </p:cNvCxnSpPr>
+            <p:nvPr/>
+          </p:nvCxnSpPr>
+          <p:spPr>
+            <a:xfrm flipH="1">
+              <a:off x="2612573" y="4838665"/>
+              <a:ext cx="267787" cy="0"/>
+            </a:xfrm>
+            <a:prstGeom prst="line">
+              <a:avLst/>
+            </a:prstGeom>
+            <a:noFill/>
+            <a:ln w="38100">
+              <a:solidFill>
+                <a:srgbClr val="FF0000"/>
+              </a:solidFill>
+            </a:ln>
+          </p:spPr>
+          <p:style>
+            <a:lnRef idx="2">
+              <a:schemeClr val="accent1">
+                <a:shade val="50000"/>
+              </a:schemeClr>
+            </a:lnRef>
+            <a:fillRef idx="1">
+              <a:schemeClr val="accent1"/>
+            </a:fillRef>
+            <a:effectRef idx="0">
+              <a:schemeClr val="accent1"/>
+            </a:effectRef>
+            <a:fontRef idx="minor">
+              <a:schemeClr val="lt1"/>
+            </a:fontRef>
+          </p:style>
+        </p:cxnSp>
+      </p:grpSp>
+      <p:sp>
+        <p:nvSpPr>
+          <p:cNvPr id="29" name="TextBox 28"/>
+          <p:cNvSpPr txBox="1"/>
+          <p:nvPr/>
+        </p:nvSpPr>
+        <p:spPr>
+          <a:xfrm>
+            <a:off x="2798517" y="4846320"/>
+            <a:ext cx="9393483" cy="707886"/>
+          </a:xfrm>
+          <a:prstGeom prst="rect">
+            <a:avLst/>
+          </a:prstGeom>
+          <a:noFill/>
+        </p:spPr>
+        <p:txBody>
+          <a:bodyPr wrap="square" rtlCol="0">
+            <a:spAutoFit/>
+          </a:bodyPr>
+          <a:lstStyle/>
+          <a:p>
+            <a:pPr marL="342900" indent="-342900">
+              <a:buFontTx/>
+              <a:buChar char="-"/>
+            </a:pPr>
+            <a:r>
+              <a:rPr lang="ko-KR" altLang="en-US" sz="2000" dirty="0" smtClean="0"/>
+              <a:t>해당 신문사에서 키워드가 나온 기사들을 보여줌</a:t>
+            </a:r>
+            <a:endParaRPr lang="en-US" altLang="ko-KR" sz="2000" dirty="0" smtClean="0"/>
+          </a:p>
+          <a:p>
+            <a:pPr marL="342900" indent="-342900">
+              <a:buFontTx/>
+              <a:buChar char="-"/>
+            </a:pPr>
+            <a:r>
+              <a:rPr lang="ko-KR" altLang="en-US" sz="2000" dirty="0" smtClean="0"/>
+              <a:t>원하는 기사 선택</a:t>
+            </a:r>
+            <a:endParaRPr lang="en-US" altLang="ko-KR" sz="2000" dirty="0"/>
+          </a:p>
+        </p:txBody>
+      </p:sp>
+      <p:pic>
+        <p:nvPicPr>
+          <p:cNvPr id="2" name="그림 1"/>
+          <p:cNvPicPr>
+            <a:picLocks noChangeAspect="1"/>
+          </p:cNvPicPr>
+          <p:nvPr/>
+        </p:nvPicPr>
+        <p:blipFill>
+          <a:blip r:embed="rId2">
+            <a:extLst>
+              <a:ext uri="{28A0092B-C50C-407E-A947-70E740481C1C}">
+                <a14:useLocalDpi xmlns:a14="http://schemas.microsoft.com/office/drawing/2010/main" val="0"/>
+              </a:ext>
+            </a:extLst>
+          </a:blip>
+          <a:stretch>
+            <a:fillRect/>
+          </a:stretch>
+        </p:blipFill>
+        <p:spPr>
+          <a:xfrm>
+            <a:off x="2743924" y="765237"/>
+            <a:ext cx="8228875" cy="3599528"/>
+          </a:xfrm>
+          <a:prstGeom prst="rect">
+            <a:avLst/>
+          </a:prstGeom>
+        </p:spPr>
+      </p:pic>
+      <p:cxnSp>
+        <p:nvCxnSpPr>
+          <p:cNvPr id="28" name="직선 연결선 27"/>
+          <p:cNvCxnSpPr/>
+          <p:nvPr/>
+        </p:nvCxnSpPr>
+        <p:spPr>
+          <a:xfrm>
+            <a:off x="2605310" y="1768564"/>
+            <a:ext cx="688503" cy="0"/>
+          </a:xfrm>
+          <a:prstGeom prst="line">
+            <a:avLst/>
+          </a:prstGeom>
+          <a:ln w="38100">
+            <a:solidFill>
+              <a:srgbClr val="FF0000"/>
+            </a:solidFill>
+          </a:ln>
+        </p:spPr>
+        <p:style>
+          <a:lnRef idx="1">
+            <a:schemeClr val="accent1"/>
+          </a:lnRef>
+          <a:fillRef idx="0">
+            <a:schemeClr val="accent1"/>
+          </a:fillRef>
+          <a:effectRef idx="0">
+            <a:schemeClr val="accent1"/>
+          </a:effectRef>
+          <a:fontRef idx="minor">
+            <a:schemeClr val="tx1"/>
+          </a:fontRef>
+        </p:style>
+      </p:cxnSp>
+      <p:cxnSp>
+        <p:nvCxnSpPr>
+          <p:cNvPr id="30" name="직선 연결선 29"/>
+          <p:cNvCxnSpPr/>
+          <p:nvPr/>
+        </p:nvCxnSpPr>
+        <p:spPr>
+          <a:xfrm>
+            <a:off x="2605310" y="5366894"/>
+            <a:ext cx="260615" cy="0"/>
+          </a:xfrm>
+          <a:prstGeom prst="line">
+            <a:avLst/>
+          </a:prstGeom>
+          <a:ln w="38100">
+            <a:solidFill>
+              <a:srgbClr val="FF0000"/>
+            </a:solidFill>
+          </a:ln>
+        </p:spPr>
+        <p:style>
+          <a:lnRef idx="1">
+            <a:schemeClr val="accent1"/>
+          </a:lnRef>
+          <a:fillRef idx="0">
+            <a:schemeClr val="accent1"/>
+          </a:fillRef>
+          <a:effectRef idx="0">
+            <a:schemeClr val="accent1"/>
+          </a:effectRef>
+          <a:fontRef idx="minor">
+            <a:schemeClr val="tx1"/>
+          </a:fontRef>
+        </p:style>
+      </p:cxnSp>
+      <p:cxnSp>
+        <p:nvCxnSpPr>
+          <p:cNvPr id="31" name="직선 연결선 30"/>
+          <p:cNvCxnSpPr/>
+          <p:nvPr/>
+        </p:nvCxnSpPr>
+        <p:spPr>
+          <a:xfrm flipV="1">
+            <a:off x="2605310" y="1768564"/>
+            <a:ext cx="0" cy="3598330"/>
+          </a:xfrm>
+          <a:prstGeom prst="line">
+            <a:avLst/>
+          </a:prstGeom>
+          <a:ln w="38100">
+            <a:solidFill>
+              <a:srgbClr val="FF0000"/>
+            </a:solidFill>
+          </a:ln>
+        </p:spPr>
+        <p:style>
+          <a:lnRef idx="1">
+            <a:schemeClr val="accent1"/>
+          </a:lnRef>
+          <a:fillRef idx="0">
+            <a:schemeClr val="accent1"/>
+          </a:fillRef>
+          <a:effectRef idx="0">
+            <a:schemeClr val="accent1"/>
+          </a:effectRef>
+          <a:fontRef idx="minor">
+            <a:schemeClr val="tx1"/>
+          </a:fontRef>
+        </p:style>
+      </p:cxnSp>
+      <p:cxnSp>
+        <p:nvCxnSpPr>
+          <p:cNvPr id="33" name="직선 연결선 32"/>
+          <p:cNvCxnSpPr/>
+          <p:nvPr/>
+        </p:nvCxnSpPr>
+        <p:spPr>
+          <a:xfrm>
+            <a:off x="3293813" y="1400264"/>
+            <a:ext cx="7107487" cy="0"/>
+          </a:xfrm>
+          <a:prstGeom prst="line">
+            <a:avLst/>
+          </a:prstGeom>
+          <a:ln w="38100">
+            <a:solidFill>
+              <a:srgbClr val="FF0000"/>
+            </a:solidFill>
+          </a:ln>
+        </p:spPr>
+        <p:style>
+          <a:lnRef idx="1">
+            <a:schemeClr val="accent1"/>
+          </a:lnRef>
+          <a:fillRef idx="0">
+            <a:schemeClr val="accent1"/>
+          </a:fillRef>
+          <a:effectRef idx="0">
+            <a:schemeClr val="accent1"/>
+          </a:effectRef>
+          <a:fontRef idx="minor">
+            <a:schemeClr val="tx1"/>
+          </a:fontRef>
+        </p:style>
+      </p:cxnSp>
+      <p:cxnSp>
+        <p:nvCxnSpPr>
+          <p:cNvPr id="35" name="직선 연결선 34"/>
+          <p:cNvCxnSpPr/>
+          <p:nvPr/>
+        </p:nvCxnSpPr>
+        <p:spPr>
+          <a:xfrm flipV="1">
+            <a:off x="3293813" y="1392768"/>
+            <a:ext cx="0" cy="676848"/>
+          </a:xfrm>
+          <a:prstGeom prst="line">
+            <a:avLst/>
+          </a:prstGeom>
+          <a:ln w="38100">
+            <a:solidFill>
+              <a:srgbClr val="FF0000"/>
+            </a:solidFill>
+          </a:ln>
+        </p:spPr>
+        <p:style>
+          <a:lnRef idx="1">
+            <a:schemeClr val="accent1"/>
+          </a:lnRef>
+          <a:fillRef idx="0">
+            <a:schemeClr val="accent1"/>
+          </a:fillRef>
+          <a:effectRef idx="0">
+            <a:schemeClr val="accent1"/>
+          </a:effectRef>
+          <a:fontRef idx="minor">
+            <a:schemeClr val="tx1"/>
+          </a:fontRef>
+        </p:style>
+      </p:cxnSp>
+      <p:cxnSp>
+        <p:nvCxnSpPr>
+          <p:cNvPr id="40" name="직선 연결선 39"/>
+          <p:cNvCxnSpPr/>
+          <p:nvPr/>
+        </p:nvCxnSpPr>
+        <p:spPr>
+          <a:xfrm>
+            <a:off x="3293813" y="2064898"/>
+            <a:ext cx="7107487" cy="9436"/>
+          </a:xfrm>
+          <a:prstGeom prst="line">
+            <a:avLst/>
+          </a:prstGeom>
+          <a:ln w="38100">
+            <a:solidFill>
+              <a:srgbClr val="FF0000"/>
+            </a:solidFill>
+          </a:ln>
+        </p:spPr>
+        <p:style>
+          <a:lnRef idx="1">
+            <a:schemeClr val="accent1"/>
+          </a:lnRef>
+          <a:fillRef idx="0">
+            <a:schemeClr val="accent1"/>
+          </a:fillRef>
+          <a:effectRef idx="0">
+            <a:schemeClr val="accent1"/>
+          </a:effectRef>
+          <a:fontRef idx="minor">
+            <a:schemeClr val="tx1"/>
+          </a:fontRef>
+        </p:style>
+      </p:cxnSp>
+      <p:cxnSp>
+        <p:nvCxnSpPr>
+          <p:cNvPr id="41" name="직선 연결선 40"/>
+          <p:cNvCxnSpPr/>
+          <p:nvPr/>
+        </p:nvCxnSpPr>
+        <p:spPr>
+          <a:xfrm flipV="1">
+            <a:off x="10401300" y="1400264"/>
+            <a:ext cx="0" cy="674070"/>
+          </a:xfrm>
+          <a:prstGeom prst="line">
+            <a:avLst/>
+          </a:prstGeom>
+          <a:ln w="38100">
+            <a:solidFill>
+              <a:srgbClr val="FF0000"/>
+            </a:solidFill>
+          </a:ln>
+        </p:spPr>
+        <p:style>
+          <a:lnRef idx="1">
+            <a:schemeClr val="accent1"/>
+          </a:lnRef>
+          <a:fillRef idx="0">
+            <a:schemeClr val="accent1"/>
+          </a:fillRef>
+          <a:effectRef idx="0">
+            <a:schemeClr val="accent1"/>
+          </a:effectRef>
+          <a:fontRef idx="minor">
+            <a:schemeClr val="tx1"/>
+          </a:fontRef>
+        </p:style>
+      </p:cxnSp>
+    </p:spTree>
+    <p:extLst>
+      <p:ext uri="{BB962C8B-B14F-4D97-AF65-F5344CB8AC3E}">
+        <p14:creationId xmlns:p14="http://schemas.microsoft.com/office/powerpoint/2010/main" val="813409369"/>
+      </p:ext>
+    </p:extLst>
+  </p:cSld>
+  <p:clrMapOvr>
+    <a:masterClrMapping/>
+  </p:clrMapOvr>
+  <p:timing>
+    <p:tnLst>
+      <p:par>
+        <p:cTn id="1" dur="indefinite" restart="never" nodeType="tmRoot"/>
+      </p:par>
+    </p:tnLst>
+  </p:timing>
+</p:sld>
+</file>
+
+<file path=ppt/slides/slide17.xml><?xml version="1.0" encoding="utf-8"?>
 <p:sld xmlns:a="http://schemas.openxmlformats.org/drawingml/2006/main" xmlns:r="http://schemas.openxmlformats.org/officeDocument/2006/relationships" xmlns:p="http://schemas.openxmlformats.org/presentationml/2006/main">
   <p:cSld>
     <p:spTree>
@@ -8595,7 +13411,7 @@
 </p:sld>
 </file>
 
-<file path=ppt/slides/slide13.xml><?xml version="1.0" encoding="utf-8"?>
+<file path=ppt/slides/slide18.xml><?xml version="1.0" encoding="utf-8"?>
 <p:sld xmlns:a="http://schemas.openxmlformats.org/drawingml/2006/main" xmlns:r="http://schemas.openxmlformats.org/officeDocument/2006/relationships" xmlns:p="http://schemas.openxmlformats.org/presentationml/2006/main">
   <p:cSld>
     <p:spTree>
@@ -9017,7 +13833,7 @@
 </p:sld>
 </file>
 
-<file path=ppt/slides/slide14.xml><?xml version="1.0" encoding="utf-8"?>
+<file path=ppt/slides/slide19.xml><?xml version="1.0" encoding="utf-8"?>
 <p:sld xmlns:a="http://schemas.openxmlformats.org/drawingml/2006/main" xmlns:r="http://schemas.openxmlformats.org/officeDocument/2006/relationships" xmlns:p="http://schemas.openxmlformats.org/presentationml/2006/main">
   <p:cSld>
     <p:spTree>
@@ -9430,287 +14246,6 @@
     <p:extLst>
       <p:ext uri="{BB962C8B-B14F-4D97-AF65-F5344CB8AC3E}">
         <p14:creationId xmlns:p14="http://schemas.microsoft.com/office/powerpoint/2010/main" val="1896537652"/>
-      </p:ext>
-    </p:extLst>
-  </p:cSld>
-  <p:clrMapOvr>
-    <a:masterClrMapping/>
-  </p:clrMapOvr>
-</p:sld>
-</file>
-
-<file path=ppt/slides/slide15.xml><?xml version="1.0" encoding="utf-8"?>
-<p:sld xmlns:a="http://schemas.openxmlformats.org/drawingml/2006/main" xmlns:r="http://schemas.openxmlformats.org/officeDocument/2006/relationships" xmlns:p="http://schemas.openxmlformats.org/presentationml/2006/main">
-  <p:cSld>
-    <p:spTree>
-      <p:nvGrpSpPr>
-        <p:cNvPr id="1" name=""/>
-        <p:cNvGrpSpPr/>
-        <p:nvPr/>
-      </p:nvGrpSpPr>
-      <p:grpSpPr>
-        <a:xfrm>
-          <a:off x="0" y="0"/>
-          <a:ext cx="0" cy="0"/>
-          <a:chOff x="0" y="0"/>
-          <a:chExt cx="0" cy="0"/>
-        </a:xfrm>
-      </p:grpSpPr>
-      <p:sp>
-        <p:nvSpPr>
-          <p:cNvPr id="14" name="직사각형 13">
-            <a:extLst>
-              <a:ext uri="{FF2B5EF4-FFF2-40B4-BE49-F238E27FC236}">
-                <a16:creationId xmlns:a16="http://schemas.microsoft.com/office/drawing/2014/main" xmlns="" id="{AB249F36-4734-49CF-B488-2FBE0216B98B}"/>
-              </a:ext>
-            </a:extLst>
-          </p:cNvPr>
-          <p:cNvSpPr/>
-          <p:nvPr/>
-        </p:nvSpPr>
-        <p:spPr>
-          <a:xfrm>
-            <a:off x="0" y="1718269"/>
-            <a:ext cx="12192000" cy="1986445"/>
-          </a:xfrm>
-          <a:prstGeom prst="rect">
-            <a:avLst/>
-          </a:prstGeom>
-          <a:solidFill>
-            <a:schemeClr val="accent3">
-              <a:lumMod val="20000"/>
-              <a:lumOff val="80000"/>
-            </a:schemeClr>
-          </a:solidFill>
-          <a:ln>
-            <a:noFill/>
-          </a:ln>
-        </p:spPr>
-        <p:style>
-          <a:lnRef idx="2">
-            <a:schemeClr val="accent1">
-              <a:shade val="50000"/>
-            </a:schemeClr>
-          </a:lnRef>
-          <a:fillRef idx="1">
-            <a:schemeClr val="accent1"/>
-          </a:fillRef>
-          <a:effectRef idx="0">
-            <a:schemeClr val="accent1"/>
-          </a:effectRef>
-          <a:fontRef idx="minor">
-            <a:schemeClr val="lt1"/>
-          </a:fontRef>
-        </p:style>
-        <p:txBody>
-          <a:bodyPr rtlCol="0" anchor="ctr"/>
-          <a:lstStyle/>
-          <a:p>
-            <a:pPr algn="ctr"/>
-            <a:endParaRPr lang="ko-KR" altLang="en-US"/>
-          </a:p>
-        </p:txBody>
-      </p:sp>
-      <p:sp>
-        <p:nvSpPr>
-          <p:cNvPr id="7" name="제목 1">
-            <a:extLst>
-              <a:ext uri="{FF2B5EF4-FFF2-40B4-BE49-F238E27FC236}">
-                <a16:creationId xmlns:a16="http://schemas.microsoft.com/office/drawing/2014/main" xmlns="" id="{4EAB8E51-E5C9-4C02-B14D-82F294C6C4BD}"/>
-              </a:ext>
-            </a:extLst>
-          </p:cNvPr>
-          <p:cNvSpPr txBox="1">
-            <a:spLocks/>
-          </p:cNvSpPr>
-          <p:nvPr/>
-        </p:nvSpPr>
-        <p:spPr>
-          <a:xfrm>
-            <a:off x="-1176368" y="693812"/>
-            <a:ext cx="12783670" cy="2387600"/>
-          </a:xfrm>
-          <a:prstGeom prst="rect">
-            <a:avLst/>
-          </a:prstGeom>
-        </p:spPr>
-        <p:txBody>
-          <a:bodyPr vert="horz" lIns="91440" tIns="45720" rIns="91440" bIns="45720" rtlCol="0" anchor="b">
-            <a:normAutofit fontScale="97500"/>
-          </a:bodyPr>
-          <a:lstStyle>
-            <a:lvl1pPr algn="ctr" defTabSz="914400" rtl="0" eaLnBrk="1" latinLnBrk="1" hangingPunct="1">
-              <a:lnSpc>
-                <a:spcPct val="90000"/>
-              </a:lnSpc>
-              <a:spcBef>
-                <a:spcPct val="0"/>
-              </a:spcBef>
-              <a:buNone/>
-              <a:defRPr sz="6000" kern="1200">
-                <a:solidFill>
-                  <a:schemeClr val="tx1"/>
-                </a:solidFill>
-                <a:latin typeface="+mj-lt"/>
-                <a:ea typeface="+mj-ea"/>
-                <a:cs typeface="+mj-cs"/>
-              </a:defRPr>
-            </a:lvl1pPr>
-          </a:lstStyle>
-          <a:p>
-            <a:pPr algn="r">
-              <a:lnSpc>
-                <a:spcPct val="140000"/>
-              </a:lnSpc>
-            </a:pPr>
-            <a:r>
-              <a:rPr lang="en-US" altLang="ko-KR" sz="1600" b="1" dirty="0">
-                <a:latin typeface="+mj-ea"/>
-              </a:rPr>
-              <a:t/>
-            </a:r>
-            <a:br>
-              <a:rPr lang="en-US" altLang="ko-KR" sz="1600" b="1" dirty="0">
-                <a:latin typeface="+mj-ea"/>
-              </a:rPr>
-            </a:br>
-            <a:r>
-              <a:rPr lang="en-US" altLang="ko-KR" sz="1600" b="1" dirty="0">
-                <a:latin typeface="+mj-ea"/>
-              </a:rPr>
-              <a:t> </a:t>
-            </a:r>
-            <a:endParaRPr lang="ko-KR" altLang="en-US" sz="1600" b="1" dirty="0">
-              <a:latin typeface="+mj-ea"/>
-            </a:endParaRPr>
-          </a:p>
-        </p:txBody>
-      </p:sp>
-      <p:sp>
-        <p:nvSpPr>
-          <p:cNvPr id="18" name="제목 1">
-            <a:extLst>
-              <a:ext uri="{FF2B5EF4-FFF2-40B4-BE49-F238E27FC236}">
-                <a16:creationId xmlns:a16="http://schemas.microsoft.com/office/drawing/2014/main" xmlns="" id="{7F27A22E-9D9E-41D9-86B8-B7FEEA87B76E}"/>
-              </a:ext>
-            </a:extLst>
-          </p:cNvPr>
-          <p:cNvSpPr>
-            <a:spLocks noGrp="1"/>
-          </p:cNvSpPr>
-          <p:nvPr>
-            <p:ph type="ctrTitle"/>
-          </p:nvPr>
-        </p:nvSpPr>
-        <p:spPr>
-          <a:xfrm>
-            <a:off x="-295835" y="1281389"/>
-            <a:ext cx="12783670" cy="2387600"/>
-          </a:xfrm>
-        </p:spPr>
-        <p:txBody>
-          <a:bodyPr>
-            <a:noAutofit/>
-          </a:bodyPr>
-          <a:lstStyle/>
-          <a:p>
-            <a:pPr>
-              <a:lnSpc>
-                <a:spcPct val="140000"/>
-              </a:lnSpc>
-            </a:pPr>
-            <a:r>
-              <a:rPr lang="en-US" altLang="ko-KR" sz="9600" b="1" dirty="0">
-                <a:latin typeface="Franklin Gothic Demi Cond" panose="020B0706030402020204" pitchFamily="34" charset="0"/>
-              </a:rPr>
-              <a:t>THANK YOU!</a:t>
-            </a:r>
-            <a:endParaRPr lang="ko-KR" altLang="en-US" sz="9600" b="1" dirty="0">
-              <a:latin typeface="Franklin Gothic Demi Cond" panose="020B0706030402020204" pitchFamily="34" charset="0"/>
-            </a:endParaRPr>
-          </a:p>
-        </p:txBody>
-      </p:sp>
-      <p:sp>
-        <p:nvSpPr>
-          <p:cNvPr id="19" name="제목 1">
-            <a:extLst>
-              <a:ext uri="{FF2B5EF4-FFF2-40B4-BE49-F238E27FC236}">
-                <a16:creationId xmlns:a16="http://schemas.microsoft.com/office/drawing/2014/main" xmlns="" id="{98667F20-D2D7-4986-835E-3F52A86DDF1E}"/>
-              </a:ext>
-            </a:extLst>
-          </p:cNvPr>
-          <p:cNvSpPr txBox="1">
-            <a:spLocks/>
-          </p:cNvSpPr>
-          <p:nvPr/>
-        </p:nvSpPr>
-        <p:spPr>
-          <a:xfrm>
-            <a:off x="-295835" y="4451419"/>
-            <a:ext cx="12783670" cy="678709"/>
-          </a:xfrm>
-          <a:prstGeom prst="rect">
-            <a:avLst/>
-          </a:prstGeom>
-        </p:spPr>
-        <p:txBody>
-          <a:bodyPr vert="horz" lIns="91440" tIns="45720" rIns="91440" bIns="45720" rtlCol="0" anchor="b">
-            <a:normAutofit fontScale="97500"/>
-          </a:bodyPr>
-          <a:lstStyle>
-            <a:lvl1pPr algn="ctr" defTabSz="914400" rtl="0" eaLnBrk="1" latinLnBrk="1" hangingPunct="1">
-              <a:lnSpc>
-                <a:spcPct val="90000"/>
-              </a:lnSpc>
-              <a:spcBef>
-                <a:spcPct val="0"/>
-              </a:spcBef>
-              <a:buNone/>
-              <a:defRPr sz="6000" kern="1200">
-                <a:solidFill>
-                  <a:schemeClr val="tx1"/>
-                </a:solidFill>
-                <a:latin typeface="+mj-lt"/>
-                <a:ea typeface="+mj-ea"/>
-                <a:cs typeface="+mj-cs"/>
-              </a:defRPr>
-            </a:lvl1pPr>
-          </a:lstStyle>
-          <a:p>
-            <a:pPr>
-              <a:lnSpc>
-                <a:spcPct val="140000"/>
-              </a:lnSpc>
-            </a:pPr>
-            <a:r>
-              <a:rPr lang="en-US" altLang="ko-KR" sz="2800" b="1" dirty="0">
-                <a:solidFill>
-                  <a:schemeClr val="tx1">
-                    <a:lumMod val="65000"/>
-                    <a:lumOff val="35000"/>
-                  </a:schemeClr>
-                </a:solidFill>
-                <a:latin typeface="Algerian" panose="04020705040A02060702" pitchFamily="82" charset="0"/>
-              </a:rPr>
-              <a:t>Open eyes</a:t>
-            </a:r>
-            <a:endParaRPr lang="ko-KR" altLang="en-US" sz="2800" b="1" dirty="0">
-              <a:solidFill>
-                <a:schemeClr val="tx1">
-                  <a:lumMod val="65000"/>
-                  <a:lumOff val="35000"/>
-                </a:schemeClr>
-              </a:solidFill>
-              <a:latin typeface="Algerian" panose="04020705040A02060702" pitchFamily="82" charset="0"/>
-            </a:endParaRPr>
-          </a:p>
-        </p:txBody>
-      </p:sp>
-    </p:spTree>
-    <p:extLst>
-      <p:ext uri="{BB962C8B-B14F-4D97-AF65-F5344CB8AC3E}">
-        <p14:creationId xmlns:p14="http://schemas.microsoft.com/office/powerpoint/2010/main" val="996378278"/>
       </p:ext>
     </p:extLst>
   </p:cSld>
@@ -10153,6 +14688,287 @@
     <p:extLst>
       <p:ext uri="{BB962C8B-B14F-4D97-AF65-F5344CB8AC3E}">
         <p14:creationId xmlns:p14="http://schemas.microsoft.com/office/powerpoint/2010/main" val="1458092606"/>
+      </p:ext>
+    </p:extLst>
+  </p:cSld>
+  <p:clrMapOvr>
+    <a:masterClrMapping/>
+  </p:clrMapOvr>
+</p:sld>
+</file>
+
+<file path=ppt/slides/slide20.xml><?xml version="1.0" encoding="utf-8"?>
+<p:sld xmlns:a="http://schemas.openxmlformats.org/drawingml/2006/main" xmlns:r="http://schemas.openxmlformats.org/officeDocument/2006/relationships" xmlns:p="http://schemas.openxmlformats.org/presentationml/2006/main">
+  <p:cSld>
+    <p:spTree>
+      <p:nvGrpSpPr>
+        <p:cNvPr id="1" name=""/>
+        <p:cNvGrpSpPr/>
+        <p:nvPr/>
+      </p:nvGrpSpPr>
+      <p:grpSpPr>
+        <a:xfrm>
+          <a:off x="0" y="0"/>
+          <a:ext cx="0" cy="0"/>
+          <a:chOff x="0" y="0"/>
+          <a:chExt cx="0" cy="0"/>
+        </a:xfrm>
+      </p:grpSpPr>
+      <p:sp>
+        <p:nvSpPr>
+          <p:cNvPr id="14" name="직사각형 13">
+            <a:extLst>
+              <a:ext uri="{FF2B5EF4-FFF2-40B4-BE49-F238E27FC236}">
+                <a16:creationId xmlns:a16="http://schemas.microsoft.com/office/drawing/2014/main" xmlns="" id="{AB249F36-4734-49CF-B488-2FBE0216B98B}"/>
+              </a:ext>
+            </a:extLst>
+          </p:cNvPr>
+          <p:cNvSpPr/>
+          <p:nvPr/>
+        </p:nvSpPr>
+        <p:spPr>
+          <a:xfrm>
+            <a:off x="0" y="1718269"/>
+            <a:ext cx="12192000" cy="1986445"/>
+          </a:xfrm>
+          <a:prstGeom prst="rect">
+            <a:avLst/>
+          </a:prstGeom>
+          <a:solidFill>
+            <a:schemeClr val="accent3">
+              <a:lumMod val="20000"/>
+              <a:lumOff val="80000"/>
+            </a:schemeClr>
+          </a:solidFill>
+          <a:ln>
+            <a:noFill/>
+          </a:ln>
+        </p:spPr>
+        <p:style>
+          <a:lnRef idx="2">
+            <a:schemeClr val="accent1">
+              <a:shade val="50000"/>
+            </a:schemeClr>
+          </a:lnRef>
+          <a:fillRef idx="1">
+            <a:schemeClr val="accent1"/>
+          </a:fillRef>
+          <a:effectRef idx="0">
+            <a:schemeClr val="accent1"/>
+          </a:effectRef>
+          <a:fontRef idx="minor">
+            <a:schemeClr val="lt1"/>
+          </a:fontRef>
+        </p:style>
+        <p:txBody>
+          <a:bodyPr rtlCol="0" anchor="ctr"/>
+          <a:lstStyle/>
+          <a:p>
+            <a:pPr algn="ctr"/>
+            <a:endParaRPr lang="ko-KR" altLang="en-US"/>
+          </a:p>
+        </p:txBody>
+      </p:sp>
+      <p:sp>
+        <p:nvSpPr>
+          <p:cNvPr id="7" name="제목 1">
+            <a:extLst>
+              <a:ext uri="{FF2B5EF4-FFF2-40B4-BE49-F238E27FC236}">
+                <a16:creationId xmlns:a16="http://schemas.microsoft.com/office/drawing/2014/main" xmlns="" id="{4EAB8E51-E5C9-4C02-B14D-82F294C6C4BD}"/>
+              </a:ext>
+            </a:extLst>
+          </p:cNvPr>
+          <p:cNvSpPr txBox="1">
+            <a:spLocks/>
+          </p:cNvSpPr>
+          <p:nvPr/>
+        </p:nvSpPr>
+        <p:spPr>
+          <a:xfrm>
+            <a:off x="-1176368" y="693812"/>
+            <a:ext cx="12783670" cy="2387600"/>
+          </a:xfrm>
+          <a:prstGeom prst="rect">
+            <a:avLst/>
+          </a:prstGeom>
+        </p:spPr>
+        <p:txBody>
+          <a:bodyPr vert="horz" lIns="91440" tIns="45720" rIns="91440" bIns="45720" rtlCol="0" anchor="b">
+            <a:normAutofit fontScale="97500"/>
+          </a:bodyPr>
+          <a:lstStyle>
+            <a:lvl1pPr algn="ctr" defTabSz="914400" rtl="0" eaLnBrk="1" latinLnBrk="1" hangingPunct="1">
+              <a:lnSpc>
+                <a:spcPct val="90000"/>
+              </a:lnSpc>
+              <a:spcBef>
+                <a:spcPct val="0"/>
+              </a:spcBef>
+              <a:buNone/>
+              <a:defRPr sz="6000" kern="1200">
+                <a:solidFill>
+                  <a:schemeClr val="tx1"/>
+                </a:solidFill>
+                <a:latin typeface="+mj-lt"/>
+                <a:ea typeface="+mj-ea"/>
+                <a:cs typeface="+mj-cs"/>
+              </a:defRPr>
+            </a:lvl1pPr>
+          </a:lstStyle>
+          <a:p>
+            <a:pPr algn="r">
+              <a:lnSpc>
+                <a:spcPct val="140000"/>
+              </a:lnSpc>
+            </a:pPr>
+            <a:r>
+              <a:rPr lang="en-US" altLang="ko-KR" sz="1600" b="1" dirty="0">
+                <a:latin typeface="+mj-ea"/>
+              </a:rPr>
+              <a:t/>
+            </a:r>
+            <a:br>
+              <a:rPr lang="en-US" altLang="ko-KR" sz="1600" b="1" dirty="0">
+                <a:latin typeface="+mj-ea"/>
+              </a:rPr>
+            </a:br>
+            <a:r>
+              <a:rPr lang="en-US" altLang="ko-KR" sz="1600" b="1" dirty="0">
+                <a:latin typeface="+mj-ea"/>
+              </a:rPr>
+              <a:t> </a:t>
+            </a:r>
+            <a:endParaRPr lang="ko-KR" altLang="en-US" sz="1600" b="1" dirty="0">
+              <a:latin typeface="+mj-ea"/>
+            </a:endParaRPr>
+          </a:p>
+        </p:txBody>
+      </p:sp>
+      <p:sp>
+        <p:nvSpPr>
+          <p:cNvPr id="18" name="제목 1">
+            <a:extLst>
+              <a:ext uri="{FF2B5EF4-FFF2-40B4-BE49-F238E27FC236}">
+                <a16:creationId xmlns:a16="http://schemas.microsoft.com/office/drawing/2014/main" xmlns="" id="{7F27A22E-9D9E-41D9-86B8-B7FEEA87B76E}"/>
+              </a:ext>
+            </a:extLst>
+          </p:cNvPr>
+          <p:cNvSpPr>
+            <a:spLocks noGrp="1"/>
+          </p:cNvSpPr>
+          <p:nvPr>
+            <p:ph type="ctrTitle"/>
+          </p:nvPr>
+        </p:nvSpPr>
+        <p:spPr>
+          <a:xfrm>
+            <a:off x="-295835" y="1281389"/>
+            <a:ext cx="12783670" cy="2387600"/>
+          </a:xfrm>
+        </p:spPr>
+        <p:txBody>
+          <a:bodyPr>
+            <a:noAutofit/>
+          </a:bodyPr>
+          <a:lstStyle/>
+          <a:p>
+            <a:pPr>
+              <a:lnSpc>
+                <a:spcPct val="140000"/>
+              </a:lnSpc>
+            </a:pPr>
+            <a:r>
+              <a:rPr lang="en-US" altLang="ko-KR" sz="9600" b="1" dirty="0">
+                <a:latin typeface="Franklin Gothic Demi Cond" panose="020B0706030402020204" pitchFamily="34" charset="0"/>
+              </a:rPr>
+              <a:t>THANK YOU!</a:t>
+            </a:r>
+            <a:endParaRPr lang="ko-KR" altLang="en-US" sz="9600" b="1" dirty="0">
+              <a:latin typeface="Franklin Gothic Demi Cond" panose="020B0706030402020204" pitchFamily="34" charset="0"/>
+            </a:endParaRPr>
+          </a:p>
+        </p:txBody>
+      </p:sp>
+      <p:sp>
+        <p:nvSpPr>
+          <p:cNvPr id="19" name="제목 1">
+            <a:extLst>
+              <a:ext uri="{FF2B5EF4-FFF2-40B4-BE49-F238E27FC236}">
+                <a16:creationId xmlns:a16="http://schemas.microsoft.com/office/drawing/2014/main" xmlns="" id="{98667F20-D2D7-4986-835E-3F52A86DDF1E}"/>
+              </a:ext>
+            </a:extLst>
+          </p:cNvPr>
+          <p:cNvSpPr txBox="1">
+            <a:spLocks/>
+          </p:cNvSpPr>
+          <p:nvPr/>
+        </p:nvSpPr>
+        <p:spPr>
+          <a:xfrm>
+            <a:off x="-295835" y="4451419"/>
+            <a:ext cx="12783670" cy="678709"/>
+          </a:xfrm>
+          <a:prstGeom prst="rect">
+            <a:avLst/>
+          </a:prstGeom>
+        </p:spPr>
+        <p:txBody>
+          <a:bodyPr vert="horz" lIns="91440" tIns="45720" rIns="91440" bIns="45720" rtlCol="0" anchor="b">
+            <a:normAutofit fontScale="97500"/>
+          </a:bodyPr>
+          <a:lstStyle>
+            <a:lvl1pPr algn="ctr" defTabSz="914400" rtl="0" eaLnBrk="1" latinLnBrk="1" hangingPunct="1">
+              <a:lnSpc>
+                <a:spcPct val="90000"/>
+              </a:lnSpc>
+              <a:spcBef>
+                <a:spcPct val="0"/>
+              </a:spcBef>
+              <a:buNone/>
+              <a:defRPr sz="6000" kern="1200">
+                <a:solidFill>
+                  <a:schemeClr val="tx1"/>
+                </a:solidFill>
+                <a:latin typeface="+mj-lt"/>
+                <a:ea typeface="+mj-ea"/>
+                <a:cs typeface="+mj-cs"/>
+              </a:defRPr>
+            </a:lvl1pPr>
+          </a:lstStyle>
+          <a:p>
+            <a:pPr>
+              <a:lnSpc>
+                <a:spcPct val="140000"/>
+              </a:lnSpc>
+            </a:pPr>
+            <a:r>
+              <a:rPr lang="en-US" altLang="ko-KR" sz="2800" b="1" dirty="0">
+                <a:solidFill>
+                  <a:schemeClr val="tx1">
+                    <a:lumMod val="65000"/>
+                    <a:lumOff val="35000"/>
+                  </a:schemeClr>
+                </a:solidFill>
+                <a:latin typeface="Algerian" panose="04020705040A02060702" pitchFamily="82" charset="0"/>
+              </a:rPr>
+              <a:t>Open eyes</a:t>
+            </a:r>
+            <a:endParaRPr lang="ko-KR" altLang="en-US" sz="2800" b="1" dirty="0">
+              <a:solidFill>
+                <a:schemeClr val="tx1">
+                  <a:lumMod val="65000"/>
+                  <a:lumOff val="35000"/>
+                </a:schemeClr>
+              </a:solidFill>
+              <a:latin typeface="Algerian" panose="04020705040A02060702" pitchFamily="82" charset="0"/>
+            </a:endParaRPr>
+          </a:p>
+        </p:txBody>
+      </p:sp>
+    </p:spTree>
+    <p:extLst>
+      <p:ext uri="{BB962C8B-B14F-4D97-AF65-F5344CB8AC3E}">
+        <p14:creationId xmlns:p14="http://schemas.microsoft.com/office/powerpoint/2010/main" val="996378278"/>
       </p:ext>
     </p:extLst>
   </p:cSld>
@@ -25697,7 +30513,7 @@
         </p:nvGrpSpPr>
         <p:grpSpPr>
           <a:xfrm>
-            <a:off x="7117886" y="-3033358"/>
+            <a:off x="7117886" y="-3027788"/>
             <a:ext cx="754744" cy="2171734"/>
             <a:chOff x="2612571" y="2676037"/>
             <a:chExt cx="754744" cy="2171734"/>
@@ -25950,8 +30766,8 @@
         </p:blipFill>
         <p:spPr>
           <a:xfrm>
-            <a:off x="2674255" y="765237"/>
-            <a:ext cx="8419278" cy="3948839"/>
+            <a:off x="2708691" y="765237"/>
+            <a:ext cx="8213472" cy="3897843"/>
           </a:xfrm>
           <a:prstGeom prst="rect">
             <a:avLst/>
@@ -25972,7 +30788,7 @@
         </p:nvSpPr>
         <p:spPr>
           <a:xfrm>
-            <a:off x="10161" y="0"/>
+            <a:off x="19397" y="0"/>
             <a:ext cx="2283950" cy="6858000"/>
           </a:xfrm>
           <a:prstGeom prst="rect">
@@ -26228,7 +31044,7 @@
           <a:p>
             <a:r>
               <a:rPr lang="en-US" altLang="ko-KR" dirty="0"/>
-              <a:t>7</a:t>
+              <a:t>6</a:t>
             </a:r>
             <a:endParaRPr lang="ko-KR" altLang="en-US" dirty="0"/>
           </a:p>
@@ -26297,7 +31113,7 @@
         </p:nvGrpSpPr>
         <p:grpSpPr>
           <a:xfrm>
-            <a:off x="7117886" y="-3033358"/>
+            <a:off x="7117886" y="-3027788"/>
             <a:ext cx="754744" cy="2171734"/>
             <a:chOff x="2612571" y="2676037"/>
             <a:chExt cx="754744" cy="2171734"/>
@@ -26451,7 +31267,7 @@
         <p:spPr>
           <a:xfrm>
             <a:off x="2798517" y="4846320"/>
-            <a:ext cx="9393483" cy="1015663"/>
+            <a:ext cx="9393483" cy="707886"/>
           </a:xfrm>
           <a:prstGeom prst="rect">
             <a:avLst/>
@@ -26469,20 +31285,12 @@
               <a:buChar char="-"/>
             </a:pPr>
             <a:r>
-              <a:rPr lang="en-US" altLang="ko-KR" sz="2000" dirty="0" smtClean="0"/>
-              <a:t>R</a:t>
+              <a:rPr lang="ko-KR" altLang="en-US" sz="2000" dirty="0" err="1" smtClean="0"/>
+              <a:t>카테고리별로</a:t>
             </a:r>
             <a:r>
               <a:rPr lang="ko-KR" altLang="en-US" sz="2000" dirty="0" smtClean="0"/>
-              <a:t>에서 만든 </a:t>
-            </a:r>
-            <a:r>
-              <a:rPr lang="ko-KR" altLang="en-US" sz="2000" dirty="0" err="1" smtClean="0"/>
-              <a:t>워드클라우드를</a:t>
-            </a:r>
-            <a:r>
-              <a:rPr lang="ko-KR" altLang="en-US" sz="2000" dirty="0" smtClean="0"/>
-              <a:t> 보여줌</a:t>
+              <a:t> 나열</a:t>
             </a:r>
             <a:endParaRPr lang="en-US" altLang="ko-KR" sz="2000" dirty="0" smtClean="0"/>
           </a:p>
@@ -26493,31 +31301,261 @@
             </a:pPr>
             <a:r>
               <a:rPr lang="ko-KR" altLang="en-US" sz="2000" dirty="0" smtClean="0"/>
-              <a:t>제일 많이 나온 단어들 보여줌</a:t>
-            </a:r>
-            <a:endParaRPr lang="en-US" altLang="ko-KR" sz="2000" dirty="0" smtClean="0"/>
-          </a:p>
-          <a:p>
-            <a:pPr marL="342900" indent="-342900">
-              <a:buFontTx/>
-              <a:buChar char="-"/>
-            </a:pPr>
-            <a:r>
-              <a:rPr lang="ko-KR" altLang="en-US" sz="2000" dirty="0" err="1" smtClean="0"/>
-              <a:t>찾고싶은</a:t>
-            </a:r>
-            <a:r>
-              <a:rPr lang="ko-KR" altLang="en-US" sz="2000" dirty="0" smtClean="0"/>
-              <a:t> 단어 선택</a:t>
+              <a:t>원하는 항목 선택</a:t>
             </a:r>
             <a:endParaRPr lang="en-US" altLang="ko-KR" sz="2000" dirty="0"/>
           </a:p>
         </p:txBody>
       </p:sp>
+      <p:cxnSp>
+        <p:nvCxnSpPr>
+          <p:cNvPr id="4" name="직선 연결선 3"/>
+          <p:cNvCxnSpPr/>
+          <p:nvPr/>
+        </p:nvCxnSpPr>
+        <p:spPr>
+          <a:xfrm>
+            <a:off x="2554514" y="5370286"/>
+            <a:ext cx="244003" cy="0"/>
+          </a:xfrm>
+          <a:prstGeom prst="line">
+            <a:avLst/>
+          </a:prstGeom>
+          <a:ln w="38100">
+            <a:solidFill>
+              <a:srgbClr val="FF0000"/>
+            </a:solidFill>
+          </a:ln>
+        </p:spPr>
+        <p:style>
+          <a:lnRef idx="1">
+            <a:schemeClr val="accent1"/>
+          </a:lnRef>
+          <a:fillRef idx="0">
+            <a:schemeClr val="accent1"/>
+          </a:fillRef>
+          <a:effectRef idx="0">
+            <a:schemeClr val="accent1"/>
+          </a:effectRef>
+          <a:fontRef idx="minor">
+            <a:schemeClr val="tx1"/>
+          </a:fontRef>
+        </p:style>
+      </p:cxnSp>
+      <p:cxnSp>
+        <p:nvCxnSpPr>
+          <p:cNvPr id="43" name="직선 연결선 42"/>
+          <p:cNvCxnSpPr/>
+          <p:nvPr/>
+        </p:nvCxnSpPr>
+        <p:spPr>
+          <a:xfrm flipV="1">
+            <a:off x="2554514" y="4043069"/>
+            <a:ext cx="0" cy="1327218"/>
+          </a:xfrm>
+          <a:prstGeom prst="line">
+            <a:avLst/>
+          </a:prstGeom>
+          <a:ln w="38100">
+            <a:solidFill>
+              <a:srgbClr val="FF0000"/>
+            </a:solidFill>
+          </a:ln>
+        </p:spPr>
+        <p:style>
+          <a:lnRef idx="1">
+            <a:schemeClr val="accent1"/>
+          </a:lnRef>
+          <a:fillRef idx="0">
+            <a:schemeClr val="accent1"/>
+          </a:fillRef>
+          <a:effectRef idx="0">
+            <a:schemeClr val="accent1"/>
+          </a:effectRef>
+          <a:fontRef idx="minor">
+            <a:schemeClr val="tx1"/>
+          </a:fontRef>
+        </p:style>
+      </p:cxnSp>
+      <p:cxnSp>
+        <p:nvCxnSpPr>
+          <p:cNvPr id="44" name="직선 연결선 43"/>
+          <p:cNvCxnSpPr/>
+          <p:nvPr/>
+        </p:nvCxnSpPr>
+        <p:spPr>
+          <a:xfrm>
+            <a:off x="2554514" y="4043069"/>
+            <a:ext cx="5757527" cy="0"/>
+          </a:xfrm>
+          <a:prstGeom prst="line">
+            <a:avLst/>
+          </a:prstGeom>
+          <a:ln w="38100">
+            <a:solidFill>
+              <a:srgbClr val="FF0000"/>
+            </a:solidFill>
+          </a:ln>
+        </p:spPr>
+        <p:style>
+          <a:lnRef idx="1">
+            <a:schemeClr val="accent1"/>
+          </a:lnRef>
+          <a:fillRef idx="0">
+            <a:schemeClr val="accent1"/>
+          </a:fillRef>
+          <a:effectRef idx="0">
+            <a:schemeClr val="accent1"/>
+          </a:effectRef>
+          <a:fontRef idx="minor">
+            <a:schemeClr val="tx1"/>
+          </a:fontRef>
+        </p:style>
+      </p:cxnSp>
+      <p:cxnSp>
+        <p:nvCxnSpPr>
+          <p:cNvPr id="45" name="직선 연결선 44"/>
+          <p:cNvCxnSpPr/>
+          <p:nvPr/>
+        </p:nvCxnSpPr>
+        <p:spPr>
+          <a:xfrm flipH="1" flipV="1">
+            <a:off x="8312042" y="3632200"/>
+            <a:ext cx="1" cy="703944"/>
+          </a:xfrm>
+          <a:prstGeom prst="line">
+            <a:avLst/>
+          </a:prstGeom>
+          <a:ln w="38100">
+            <a:solidFill>
+              <a:srgbClr val="FF0000"/>
+            </a:solidFill>
+          </a:ln>
+        </p:spPr>
+        <p:style>
+          <a:lnRef idx="1">
+            <a:schemeClr val="accent1"/>
+          </a:lnRef>
+          <a:fillRef idx="0">
+            <a:schemeClr val="accent1"/>
+          </a:fillRef>
+          <a:effectRef idx="0">
+            <a:schemeClr val="accent1"/>
+          </a:effectRef>
+          <a:fontRef idx="minor">
+            <a:schemeClr val="tx1"/>
+          </a:fontRef>
+        </p:style>
+      </p:cxnSp>
+      <p:cxnSp>
+        <p:nvCxnSpPr>
+          <p:cNvPr id="46" name="직선 연결선 45"/>
+          <p:cNvCxnSpPr/>
+          <p:nvPr/>
+        </p:nvCxnSpPr>
+        <p:spPr>
+          <a:xfrm flipH="1">
+            <a:off x="8312042" y="3632200"/>
+            <a:ext cx="2028666" cy="0"/>
+          </a:xfrm>
+          <a:prstGeom prst="line">
+            <a:avLst/>
+          </a:prstGeom>
+          <a:ln w="38100">
+            <a:solidFill>
+              <a:srgbClr val="FF0000"/>
+            </a:solidFill>
+          </a:ln>
+        </p:spPr>
+        <p:style>
+          <a:lnRef idx="1">
+            <a:schemeClr val="accent1"/>
+          </a:lnRef>
+          <a:fillRef idx="0">
+            <a:schemeClr val="accent1"/>
+          </a:fillRef>
+          <a:effectRef idx="0">
+            <a:schemeClr val="accent1"/>
+          </a:effectRef>
+          <a:fontRef idx="minor">
+            <a:schemeClr val="tx1"/>
+          </a:fontRef>
+        </p:style>
+      </p:cxnSp>
+      <p:cxnSp>
+        <p:nvCxnSpPr>
+          <p:cNvPr id="47" name="직선 연결선 46"/>
+          <p:cNvCxnSpPr/>
+          <p:nvPr/>
+        </p:nvCxnSpPr>
+        <p:spPr>
+          <a:xfrm flipH="1" flipV="1">
+            <a:off x="8312042" y="4336143"/>
+            <a:ext cx="2028665" cy="1"/>
+          </a:xfrm>
+          <a:prstGeom prst="line">
+            <a:avLst/>
+          </a:prstGeom>
+          <a:ln w="38100">
+            <a:solidFill>
+              <a:srgbClr val="FF0000"/>
+            </a:solidFill>
+          </a:ln>
+        </p:spPr>
+        <p:style>
+          <a:lnRef idx="1">
+            <a:schemeClr val="accent1"/>
+          </a:lnRef>
+          <a:fillRef idx="0">
+            <a:schemeClr val="accent1"/>
+          </a:fillRef>
+          <a:effectRef idx="0">
+            <a:schemeClr val="accent1"/>
+          </a:effectRef>
+          <a:fontRef idx="minor">
+            <a:schemeClr val="tx1"/>
+          </a:fontRef>
+        </p:style>
+      </p:cxnSp>
+      <p:cxnSp>
+        <p:nvCxnSpPr>
+          <p:cNvPr id="50" name="직선 연결선 49"/>
+          <p:cNvCxnSpPr/>
+          <p:nvPr/>
+        </p:nvCxnSpPr>
+        <p:spPr>
+          <a:xfrm flipH="1" flipV="1">
+            <a:off x="10340707" y="3632200"/>
+            <a:ext cx="1" cy="703944"/>
+          </a:xfrm>
+          <a:prstGeom prst="line">
+            <a:avLst/>
+          </a:prstGeom>
+          <a:ln w="38100">
+            <a:solidFill>
+              <a:srgbClr val="FF0000"/>
+            </a:solidFill>
+          </a:ln>
+        </p:spPr>
+        <p:style>
+          <a:lnRef idx="1">
+            <a:schemeClr val="accent1"/>
+          </a:lnRef>
+          <a:fillRef idx="0">
+            <a:schemeClr val="accent1"/>
+          </a:fillRef>
+          <a:effectRef idx="0">
+            <a:schemeClr val="accent1"/>
+          </a:effectRef>
+          <a:fontRef idx="minor">
+            <a:schemeClr val="tx1"/>
+          </a:fontRef>
+        </p:style>
+      </p:cxnSp>
     </p:spTree>
     <p:extLst>
       <p:ext uri="{BB962C8B-B14F-4D97-AF65-F5344CB8AC3E}">
-        <p14:creationId xmlns:p14="http://schemas.microsoft.com/office/powerpoint/2010/main" val="2057476537"/>
+        <p14:creationId xmlns:p14="http://schemas.microsoft.com/office/powerpoint/2010/main" val="2635461991"/>
       </p:ext>
     </p:extLst>
   </p:cSld>
